--- a/AngularOAuthCodeCamp2015.pptx
+++ b/AngularOAuthCodeCamp2015.pptx
@@ -2,27 +2,30 @@
 <file path=ppt/presentation.xml><?xml version="1.0" encoding="utf-8"?>
 <p:presentation xmlns:a="http://schemas.openxmlformats.org/drawingml/2006/main" xmlns:r="http://schemas.openxmlformats.org/officeDocument/2006/relationships" xmlns:p="http://schemas.openxmlformats.org/presentationml/2006/main" saveSubsetFonts="1">
   <p:sldMasterIdLst>
-    <p:sldMasterId id="2147483648" r:id="rId1"/>
+    <p:sldMasterId id="2147483732" r:id="rId1"/>
   </p:sldMasterIdLst>
   <p:notesMasterIdLst>
-    <p:notesMasterId r:id="rId17"/>
+    <p:notesMasterId r:id="rId20"/>
   </p:notesMasterIdLst>
   <p:sldIdLst>
     <p:sldId id="256" r:id="rId2"/>
-    <p:sldId id="270" r:id="rId3"/>
-    <p:sldId id="266" r:id="rId4"/>
-    <p:sldId id="267" r:id="rId5"/>
-    <p:sldId id="268" r:id="rId6"/>
-    <p:sldId id="269" r:id="rId7"/>
-    <p:sldId id="261" r:id="rId8"/>
-    <p:sldId id="262" r:id="rId9"/>
-    <p:sldId id="257" r:id="rId10"/>
-    <p:sldId id="258" r:id="rId11"/>
-    <p:sldId id="259" r:id="rId12"/>
-    <p:sldId id="260" r:id="rId13"/>
-    <p:sldId id="264" r:id="rId14"/>
-    <p:sldId id="271" r:id="rId15"/>
-    <p:sldId id="265" r:id="rId16"/>
+    <p:sldId id="272" r:id="rId3"/>
+    <p:sldId id="270" r:id="rId4"/>
+    <p:sldId id="274" r:id="rId5"/>
+    <p:sldId id="266" r:id="rId6"/>
+    <p:sldId id="267" r:id="rId7"/>
+    <p:sldId id="268" r:id="rId8"/>
+    <p:sldId id="269" r:id="rId9"/>
+    <p:sldId id="261" r:id="rId10"/>
+    <p:sldId id="262" r:id="rId11"/>
+    <p:sldId id="257" r:id="rId12"/>
+    <p:sldId id="258" r:id="rId13"/>
+    <p:sldId id="259" r:id="rId14"/>
+    <p:sldId id="260" r:id="rId15"/>
+    <p:sldId id="264" r:id="rId16"/>
+    <p:sldId id="271" r:id="rId17"/>
+    <p:sldId id="273" r:id="rId18"/>
+    <p:sldId id="265" r:id="rId19"/>
   </p:sldIdLst>
   <p:sldSz cx="9144000" cy="6858000" type="screen4x3"/>
   <p:notesSz cx="6858000" cy="9144000"/>
@@ -542,7 +545,7 @@
           <a:p>
             <a:r>
               <a:rPr lang="en-US" dirty="0" smtClean="0"/>
-              <a:t>https://tools.ietf.org/html/rfc6749#section-1.3.2</a:t>
+              <a:t>https://en.wikipedia.org/wiki/OAuth</a:t>
             </a:r>
             <a:endParaRPr lang="en-US" dirty="0"/>
           </a:p>
@@ -566,7 +569,7 @@
             <a:fld id="{049ABFCB-3E6E-4C58-8722-29D13AA1638C}" type="slidenum">
               <a:rPr lang="en-US" smtClean="0"/>
               <a:pPr/>
-              <a:t>3</a:t>
+              <a:t>2</a:t>
             </a:fld>
             <a:endParaRPr lang="en-US"/>
           </a:p>
@@ -628,7 +631,7 @@
           <a:p>
             <a:r>
               <a:rPr lang="en-US" dirty="0" smtClean="0"/>
-              <a:t>https://tools.ietf.org/html/rfc6749#section-1.3.2</a:t>
+              <a:t>https://www.digitalocean.com/community/tutorials/an-introduction-to-oauth-2</a:t>
             </a:r>
             <a:endParaRPr lang="en-US" dirty="0"/>
           </a:p>
@@ -714,7 +717,7 @@
           <a:p>
             <a:r>
               <a:rPr lang="en-US" dirty="0" smtClean="0"/>
-              <a:t>https://tools.ietf.org/html/rfc6749#section-1.4</a:t>
+              <a:t>https://tools.ietf.org/html/rfc6749#section-1.3.2</a:t>
             </a:r>
             <a:endParaRPr lang="en-US" dirty="0"/>
           </a:p>
@@ -800,7 +803,7 @@
           <a:p>
             <a:r>
               <a:rPr lang="en-US" dirty="0" smtClean="0"/>
-              <a:t>https://tools.ietf.org/html/rfc6749#section-1.5</a:t>
+              <a:t>https://tools.ietf.org/html/rfc6749#section-1.3.2</a:t>
             </a:r>
             <a:endParaRPr lang="en-US" dirty="0"/>
           </a:p>
@@ -886,7 +889,7 @@
           <a:p>
             <a:r>
               <a:rPr lang="en-US" dirty="0" smtClean="0"/>
-              <a:t>See http://www.syncfusion.com/resources/techportal/ebooks/owin</a:t>
+              <a:t>https://tools.ietf.org/html/rfc6749#section-1.4</a:t>
             </a:r>
             <a:endParaRPr lang="en-US" dirty="0"/>
           </a:p>
@@ -917,11 +920,6 @@
         </p:txBody>
       </p:sp>
     </p:spTree>
-    <p:extLst>
-      <p:ext uri="{BB962C8B-B14F-4D97-AF65-F5344CB8AC3E}">
-        <p14:creationId xmlns="" xmlns:p14="http://schemas.microsoft.com/office/powerpoint/2010/main" val="1764869537"/>
-      </p:ext>
-    </p:extLst>
   </p:cSld>
   <p:clrMapOvr>
     <a:masterClrMapping/>
@@ -977,7 +975,7 @@
           <a:p>
             <a:r>
               <a:rPr lang="en-US" dirty="0" smtClean="0"/>
-              <a:t>See http://www.syncfusion.com/resources/techportal/ebooks/owin</a:t>
+              <a:t>https://tools.ietf.org/html/rfc6749#section-1.5</a:t>
             </a:r>
             <a:endParaRPr lang="en-US" dirty="0"/>
           </a:p>
@@ -1008,11 +1006,6 @@
         </p:txBody>
       </p:sp>
     </p:spTree>
-    <p:extLst>
-      <p:ext uri="{BB962C8B-B14F-4D97-AF65-F5344CB8AC3E}">
-        <p14:creationId xmlns="" xmlns:p14="http://schemas.microsoft.com/office/powerpoint/2010/main" val="601032344"/>
-      </p:ext>
-    </p:extLst>
   </p:cSld>
   <p:clrMapOvr>
     <a:masterClrMapping/>
@@ -1068,7 +1061,7 @@
           <a:p>
             <a:r>
               <a:rPr lang="en-US" dirty="0" smtClean="0"/>
-              <a:t>http://codeclimber.net.nz/archive/2015/03/16/My-new-free-eBook-is-out-OWIN-Succinctly-by-Syncfusion.aspx</a:t>
+              <a:t>See http://www.syncfusion.com/resources/techportal/ebooks/owin</a:t>
             </a:r>
             <a:endParaRPr lang="en-US" dirty="0"/>
           </a:p>
@@ -1093,6 +1086,188 @@
               <a:rPr lang="en-US" smtClean="0"/>
               <a:pPr/>
               <a:t>9</a:t>
+            </a:fld>
+            <a:endParaRPr lang="en-US"/>
+          </a:p>
+        </p:txBody>
+      </p:sp>
+    </p:spTree>
+    <p:extLst>
+      <p:ext uri="{BB962C8B-B14F-4D97-AF65-F5344CB8AC3E}">
+        <p14:creationId xmlns="" xmlns:p14="http://schemas.microsoft.com/office/powerpoint/2010/main" val="1764869537"/>
+      </p:ext>
+    </p:extLst>
+  </p:cSld>
+  <p:clrMapOvr>
+    <a:masterClrMapping/>
+  </p:clrMapOvr>
+</p:notes>
+</file>
+
+<file path=ppt/notesSlides/notesSlide8.xml><?xml version="1.0" encoding="utf-8"?>
+<p:notes xmlns:a="http://schemas.openxmlformats.org/drawingml/2006/main" xmlns:r="http://schemas.openxmlformats.org/officeDocument/2006/relationships" xmlns:p="http://schemas.openxmlformats.org/presentationml/2006/main">
+  <p:cSld>
+    <p:spTree>
+      <p:nvGrpSpPr>
+        <p:cNvPr id="1" name=""/>
+        <p:cNvGrpSpPr/>
+        <p:nvPr/>
+      </p:nvGrpSpPr>
+      <p:grpSpPr>
+        <a:xfrm>
+          <a:off x="0" y="0"/>
+          <a:ext cx="0" cy="0"/>
+          <a:chOff x="0" y="0"/>
+          <a:chExt cx="0" cy="0"/>
+        </a:xfrm>
+      </p:grpSpPr>
+      <p:sp>
+        <p:nvSpPr>
+          <p:cNvPr id="2" name="Slide Image Placeholder 1"/>
+          <p:cNvSpPr>
+            <a:spLocks noGrp="1" noRot="1" noChangeAspect="1"/>
+          </p:cNvSpPr>
+          <p:nvPr>
+            <p:ph type="sldImg"/>
+          </p:nvPr>
+        </p:nvSpPr>
+        <p:spPr/>
+      </p:sp>
+      <p:sp>
+        <p:nvSpPr>
+          <p:cNvPr id="3" name="Notes Placeholder 2"/>
+          <p:cNvSpPr>
+            <a:spLocks noGrp="1"/>
+          </p:cNvSpPr>
+          <p:nvPr>
+            <p:ph type="body" idx="1"/>
+          </p:nvPr>
+        </p:nvSpPr>
+        <p:spPr/>
+        <p:txBody>
+          <a:bodyPr>
+            <a:normAutofit/>
+          </a:bodyPr>
+          <a:lstStyle/>
+          <a:p>
+            <a:r>
+              <a:rPr lang="en-US" dirty="0" smtClean="0"/>
+              <a:t>See http://www.syncfusion.com/resources/techportal/ebooks/owin</a:t>
+            </a:r>
+            <a:endParaRPr lang="en-US" dirty="0"/>
+          </a:p>
+        </p:txBody>
+      </p:sp>
+      <p:sp>
+        <p:nvSpPr>
+          <p:cNvPr id="4" name="Slide Number Placeholder 3"/>
+          <p:cNvSpPr>
+            <a:spLocks noGrp="1"/>
+          </p:cNvSpPr>
+          <p:nvPr>
+            <p:ph type="sldNum" sz="quarter" idx="10"/>
+          </p:nvPr>
+        </p:nvSpPr>
+        <p:spPr/>
+        <p:txBody>
+          <a:bodyPr/>
+          <a:lstStyle/>
+          <a:p>
+            <a:fld id="{049ABFCB-3E6E-4C58-8722-29D13AA1638C}" type="slidenum">
+              <a:rPr lang="en-US" smtClean="0"/>
+              <a:pPr/>
+              <a:t>10</a:t>
+            </a:fld>
+            <a:endParaRPr lang="en-US"/>
+          </a:p>
+        </p:txBody>
+      </p:sp>
+    </p:spTree>
+    <p:extLst>
+      <p:ext uri="{BB962C8B-B14F-4D97-AF65-F5344CB8AC3E}">
+        <p14:creationId xmlns="" xmlns:p14="http://schemas.microsoft.com/office/powerpoint/2010/main" val="601032344"/>
+      </p:ext>
+    </p:extLst>
+  </p:cSld>
+  <p:clrMapOvr>
+    <a:masterClrMapping/>
+  </p:clrMapOvr>
+</p:notes>
+</file>
+
+<file path=ppt/notesSlides/notesSlide9.xml><?xml version="1.0" encoding="utf-8"?>
+<p:notes xmlns:a="http://schemas.openxmlformats.org/drawingml/2006/main" xmlns:r="http://schemas.openxmlformats.org/officeDocument/2006/relationships" xmlns:p="http://schemas.openxmlformats.org/presentationml/2006/main">
+  <p:cSld>
+    <p:spTree>
+      <p:nvGrpSpPr>
+        <p:cNvPr id="1" name=""/>
+        <p:cNvGrpSpPr/>
+        <p:nvPr/>
+      </p:nvGrpSpPr>
+      <p:grpSpPr>
+        <a:xfrm>
+          <a:off x="0" y="0"/>
+          <a:ext cx="0" cy="0"/>
+          <a:chOff x="0" y="0"/>
+          <a:chExt cx="0" cy="0"/>
+        </a:xfrm>
+      </p:grpSpPr>
+      <p:sp>
+        <p:nvSpPr>
+          <p:cNvPr id="2" name="Slide Image Placeholder 1"/>
+          <p:cNvSpPr>
+            <a:spLocks noGrp="1" noRot="1" noChangeAspect="1"/>
+          </p:cNvSpPr>
+          <p:nvPr>
+            <p:ph type="sldImg"/>
+          </p:nvPr>
+        </p:nvSpPr>
+        <p:spPr/>
+      </p:sp>
+      <p:sp>
+        <p:nvSpPr>
+          <p:cNvPr id="3" name="Notes Placeholder 2"/>
+          <p:cNvSpPr>
+            <a:spLocks noGrp="1"/>
+          </p:cNvSpPr>
+          <p:nvPr>
+            <p:ph type="body" idx="1"/>
+          </p:nvPr>
+        </p:nvSpPr>
+        <p:spPr/>
+        <p:txBody>
+          <a:bodyPr>
+            <a:normAutofit/>
+          </a:bodyPr>
+          <a:lstStyle/>
+          <a:p>
+            <a:r>
+              <a:rPr lang="en-US" dirty="0" smtClean="0"/>
+              <a:t>http://codeclimber.net.nz/archive/2015/03/16/My-new-free-eBook-is-out-OWIN-Succinctly-by-Syncfusion.aspx</a:t>
+            </a:r>
+            <a:endParaRPr lang="en-US" dirty="0"/>
+          </a:p>
+        </p:txBody>
+      </p:sp>
+      <p:sp>
+        <p:nvSpPr>
+          <p:cNvPr id="4" name="Slide Number Placeholder 3"/>
+          <p:cNvSpPr>
+            <a:spLocks noGrp="1"/>
+          </p:cNvSpPr>
+          <p:nvPr>
+            <p:ph type="sldNum" sz="quarter" idx="10"/>
+          </p:nvPr>
+        </p:nvSpPr>
+        <p:spPr/>
+        <p:txBody>
+          <a:bodyPr/>
+          <a:lstStyle/>
+          <a:p>
+            <a:fld id="{049ABFCB-3E6E-4C58-8722-29D13AA1638C}" type="slidenum">
+              <a:rPr lang="en-US" smtClean="0"/>
+              <a:pPr/>
+              <a:t>11</a:t>
             </a:fld>
             <a:endParaRPr lang="en-US"/>
           </a:p>
@@ -1112,8 +1287,13 @@
 </file>
 
 <file path=ppt/slideLayouts/slideLayout1.xml><?xml version="1.0" encoding="utf-8"?>
-<p:sldLayout xmlns:a="http://schemas.openxmlformats.org/drawingml/2006/main" xmlns:r="http://schemas.openxmlformats.org/officeDocument/2006/relationships" xmlns:p="http://schemas.openxmlformats.org/presentationml/2006/main" type="title" preserve="1">
+<p:sldLayout xmlns:a="http://schemas.openxmlformats.org/drawingml/2006/main" xmlns:r="http://schemas.openxmlformats.org/officeDocument/2006/relationships" xmlns:p="http://schemas.openxmlformats.org/presentationml/2006/main" showMasterSp="0" type="title" preserve="1">
   <p:cSld name="Title Slide">
+    <p:bg>
+      <p:bgRef idx="1001">
+        <a:schemeClr val="bg1"/>
+      </p:bgRef>
+    </p:bg>
     <p:spTree>
       <p:nvGrpSpPr>
         <p:cNvPr id="1" name=""/>
@@ -1130,7 +1310,7 @@
       </p:grpSpPr>
       <p:sp>
         <p:nvSpPr>
-          <p:cNvPr id="2" name="Title 1"/>
+          <p:cNvPr id="8" name="Title 7"/>
           <p:cNvSpPr>
             <a:spLocks noGrp="1"/>
           </p:cNvSpPr>
@@ -1140,25 +1320,29 @@
         </p:nvSpPr>
         <p:spPr>
           <a:xfrm>
-            <a:off x="685800" y="2130425"/>
-            <a:ext cx="7772400" cy="1470025"/>
+            <a:off x="2286000" y="3124200"/>
+            <a:ext cx="6172200" cy="1894362"/>
           </a:xfrm>
         </p:spPr>
         <p:txBody>
           <a:bodyPr/>
-          <a:lstStyle/>
-          <a:p>
-            <a:r>
-              <a:rPr lang="en-US" smtClean="0"/>
+          <a:lstStyle>
+            <a:lvl1pPr>
+              <a:defRPr b="1"/>
+            </a:lvl1pPr>
+          </a:lstStyle>
+          <a:p>
+            <a:r>
+              <a:rPr kumimoji="0" lang="en-US" smtClean="0"/>
               <a:t>Click to edit Master title style</a:t>
             </a:r>
-            <a:endParaRPr lang="en-US"/>
-          </a:p>
-        </p:txBody>
-      </p:sp>
-      <p:sp>
-        <p:nvSpPr>
-          <p:cNvPr id="3" name="Subtitle 2"/>
+            <a:endParaRPr kumimoji="0" lang="en-US"/>
+          </a:p>
+        </p:txBody>
+      </p:sp>
+      <p:sp>
+        <p:nvSpPr>
+          <p:cNvPr id="9" name="Subtitle 8"/>
           <p:cNvSpPr>
             <a:spLocks noGrp="1"/>
           </p:cNvSpPr>
@@ -1168,116 +1352,58 @@
         </p:nvSpPr>
         <p:spPr>
           <a:xfrm>
-            <a:off x="1371600" y="3886200"/>
-            <a:ext cx="6400800" cy="1752600"/>
+            <a:off x="2286000" y="5003322"/>
+            <a:ext cx="6172200" cy="1371600"/>
           </a:xfrm>
         </p:spPr>
         <p:txBody>
           <a:bodyPr/>
           <a:lstStyle>
-            <a:lvl1pPr marL="0" indent="0" algn="ctr">
+            <a:lvl1pPr marL="0" indent="0" algn="l">
               <a:buNone/>
-              <a:defRPr>
+              <a:defRPr sz="1800" b="1">
                 <a:solidFill>
-                  <a:schemeClr val="tx1">
-                    <a:tint val="75000"/>
-                  </a:schemeClr>
+                  <a:schemeClr val="tx2"/>
                 </a:solidFill>
               </a:defRPr>
             </a:lvl1pPr>
             <a:lvl2pPr marL="457200" indent="0" algn="ctr">
               <a:buNone/>
-              <a:defRPr>
-                <a:solidFill>
-                  <a:schemeClr val="tx1">
-                    <a:tint val="75000"/>
-                  </a:schemeClr>
-                </a:solidFill>
-              </a:defRPr>
             </a:lvl2pPr>
             <a:lvl3pPr marL="914400" indent="0" algn="ctr">
               <a:buNone/>
-              <a:defRPr>
-                <a:solidFill>
-                  <a:schemeClr val="tx1">
-                    <a:tint val="75000"/>
-                  </a:schemeClr>
-                </a:solidFill>
-              </a:defRPr>
             </a:lvl3pPr>
             <a:lvl4pPr marL="1371600" indent="0" algn="ctr">
               <a:buNone/>
-              <a:defRPr>
-                <a:solidFill>
-                  <a:schemeClr val="tx1">
-                    <a:tint val="75000"/>
-                  </a:schemeClr>
-                </a:solidFill>
-              </a:defRPr>
             </a:lvl4pPr>
             <a:lvl5pPr marL="1828800" indent="0" algn="ctr">
               <a:buNone/>
-              <a:defRPr>
-                <a:solidFill>
-                  <a:schemeClr val="tx1">
-                    <a:tint val="75000"/>
-                  </a:schemeClr>
-                </a:solidFill>
-              </a:defRPr>
             </a:lvl5pPr>
             <a:lvl6pPr marL="2286000" indent="0" algn="ctr">
               <a:buNone/>
-              <a:defRPr>
-                <a:solidFill>
-                  <a:schemeClr val="tx1">
-                    <a:tint val="75000"/>
-                  </a:schemeClr>
-                </a:solidFill>
-              </a:defRPr>
             </a:lvl6pPr>
             <a:lvl7pPr marL="2743200" indent="0" algn="ctr">
               <a:buNone/>
-              <a:defRPr>
-                <a:solidFill>
-                  <a:schemeClr val="tx1">
-                    <a:tint val="75000"/>
-                  </a:schemeClr>
-                </a:solidFill>
-              </a:defRPr>
             </a:lvl7pPr>
             <a:lvl8pPr marL="3200400" indent="0" algn="ctr">
               <a:buNone/>
-              <a:defRPr>
-                <a:solidFill>
-                  <a:schemeClr val="tx1">
-                    <a:tint val="75000"/>
-                  </a:schemeClr>
-                </a:solidFill>
-              </a:defRPr>
             </a:lvl8pPr>
             <a:lvl9pPr marL="3657600" indent="0" algn="ctr">
               <a:buNone/>
-              <a:defRPr>
-                <a:solidFill>
-                  <a:schemeClr val="tx1">
-                    <a:tint val="75000"/>
-                  </a:schemeClr>
-                </a:solidFill>
-              </a:defRPr>
             </a:lvl9pPr>
           </a:lstStyle>
           <a:p>
             <a:r>
-              <a:rPr lang="en-US" smtClean="0"/>
+              <a:rPr kumimoji="0" lang="en-US" smtClean="0"/>
               <a:t>Click to edit Master subtitle style</a:t>
             </a:r>
-            <a:endParaRPr lang="en-US"/>
-          </a:p>
-        </p:txBody>
-      </p:sp>
-      <p:sp>
-        <p:nvSpPr>
-          <p:cNvPr id="4" name="Date Placeholder 3"/>
+            <a:endParaRPr kumimoji="0" lang="en-US"/>
+          </a:p>
+        </p:txBody>
+      </p:sp>
+      <p:sp>
+        <p:nvSpPr>
+          <p:cNvPr id="28" name="Date Placeholder 27"/>
           <p:cNvSpPr>
             <a:spLocks noGrp="1"/>
           </p:cNvSpPr>
@@ -1285,7 +1411,12 @@
             <p:ph type="dt" sz="half" idx="10"/>
           </p:nvPr>
         </p:nvSpPr>
-        <p:spPr/>
+        <p:spPr bwMode="auto">
+          <a:xfrm rot="5400000">
+            <a:off x="7764621" y="1174097"/>
+            <a:ext cx="2286000" cy="381000"/>
+          </a:xfrm>
+        </p:spPr>
         <p:txBody>
           <a:bodyPr/>
           <a:lstStyle/>
@@ -1301,7 +1432,7 @@
       </p:sp>
       <p:sp>
         <p:nvSpPr>
-          <p:cNvPr id="5" name="Footer Placeholder 4"/>
+          <p:cNvPr id="17" name="Footer Placeholder 16"/>
           <p:cNvSpPr>
             <a:spLocks noGrp="1"/>
           </p:cNvSpPr>
@@ -1309,7 +1440,12 @@
             <p:ph type="ftr" sz="quarter" idx="11"/>
           </p:nvPr>
         </p:nvSpPr>
-        <p:spPr/>
+        <p:spPr bwMode="auto">
+          <a:xfrm rot="5400000">
+            <a:off x="7077269" y="4181669"/>
+            <a:ext cx="3657600" cy="384048"/>
+          </a:xfrm>
+        </p:spPr>
         <p:txBody>
           <a:bodyPr/>
           <a:lstStyle/>
@@ -1320,7 +1456,701 @@
       </p:sp>
       <p:sp>
         <p:nvSpPr>
-          <p:cNvPr id="6" name="Slide Number Placeholder 5"/>
+          <p:cNvPr id="10" name="Rectangle 9"/>
+          <p:cNvSpPr/>
+          <p:nvPr/>
+        </p:nvSpPr>
+        <p:spPr bwMode="auto">
+          <a:xfrm>
+            <a:off x="381000" y="0"/>
+            <a:ext cx="609600" cy="6858000"/>
+          </a:xfrm>
+          <a:prstGeom prst="rect">
+            <a:avLst/>
+          </a:prstGeom>
+          <a:solidFill>
+            <a:schemeClr val="accent1">
+              <a:tint val="60000"/>
+              <a:alpha val="54000"/>
+            </a:schemeClr>
+          </a:solidFill>
+          <a:ln w="38100" cap="rnd" cmpd="sng" algn="ctr">
+            <a:noFill/>
+            <a:prstDash val="solid"/>
+          </a:ln>
+          <a:effectLst/>
+        </p:spPr>
+        <p:style>
+          <a:lnRef idx="3">
+            <a:schemeClr val="lt1"/>
+          </a:lnRef>
+          <a:fillRef idx="1">
+            <a:schemeClr val="accent1"/>
+          </a:fillRef>
+          <a:effectRef idx="1">
+            <a:schemeClr val="accent1"/>
+          </a:effectRef>
+          <a:fontRef idx="minor">
+            <a:schemeClr val="lt1"/>
+          </a:fontRef>
+        </p:style>
+        <p:txBody>
+          <a:bodyPr anchor="ctr"/>
+          <a:lstStyle/>
+          <a:p>
+            <a:pPr algn="ctr" eaLnBrk="1" latinLnBrk="0" hangingPunct="1"/>
+            <a:endParaRPr kumimoji="0" lang="en-US"/>
+          </a:p>
+        </p:txBody>
+      </p:sp>
+      <p:sp>
+        <p:nvSpPr>
+          <p:cNvPr id="12" name="Rectangle 11"/>
+          <p:cNvSpPr/>
+          <p:nvPr/>
+        </p:nvSpPr>
+        <p:spPr bwMode="auto">
+          <a:xfrm>
+            <a:off x="276336" y="0"/>
+            <a:ext cx="104664" cy="6858000"/>
+          </a:xfrm>
+          <a:prstGeom prst="rect">
+            <a:avLst/>
+          </a:prstGeom>
+          <a:solidFill>
+            <a:schemeClr val="accent1">
+              <a:tint val="40000"/>
+              <a:alpha val="36000"/>
+            </a:schemeClr>
+          </a:solidFill>
+          <a:ln w="38100" cap="rnd" cmpd="sng" algn="ctr">
+            <a:noFill/>
+            <a:prstDash val="solid"/>
+          </a:ln>
+          <a:effectLst/>
+        </p:spPr>
+        <p:style>
+          <a:lnRef idx="3">
+            <a:schemeClr val="lt1"/>
+          </a:lnRef>
+          <a:fillRef idx="1">
+            <a:schemeClr val="accent1"/>
+          </a:fillRef>
+          <a:effectRef idx="1">
+            <a:schemeClr val="accent1"/>
+          </a:effectRef>
+          <a:fontRef idx="minor">
+            <a:schemeClr val="lt1"/>
+          </a:fontRef>
+        </p:style>
+        <p:txBody>
+          <a:bodyPr anchor="ctr"/>
+          <a:lstStyle/>
+          <a:p>
+            <a:pPr algn="ctr" eaLnBrk="1" latinLnBrk="0" hangingPunct="1"/>
+            <a:endParaRPr kumimoji="0" lang="en-US"/>
+          </a:p>
+        </p:txBody>
+      </p:sp>
+      <p:sp>
+        <p:nvSpPr>
+          <p:cNvPr id="14" name="Rectangle 13"/>
+          <p:cNvSpPr/>
+          <p:nvPr/>
+        </p:nvSpPr>
+        <p:spPr bwMode="auto">
+          <a:xfrm>
+            <a:off x="990600" y="0"/>
+            <a:ext cx="181872" cy="6858000"/>
+          </a:xfrm>
+          <a:prstGeom prst="rect">
+            <a:avLst/>
+          </a:prstGeom>
+          <a:solidFill>
+            <a:schemeClr val="accent1">
+              <a:tint val="40000"/>
+              <a:alpha val="70000"/>
+            </a:schemeClr>
+          </a:solidFill>
+          <a:ln w="38100" cap="rnd" cmpd="sng" algn="ctr">
+            <a:noFill/>
+            <a:prstDash val="solid"/>
+          </a:ln>
+          <a:effectLst/>
+        </p:spPr>
+        <p:style>
+          <a:lnRef idx="3">
+            <a:schemeClr val="lt1"/>
+          </a:lnRef>
+          <a:fillRef idx="1">
+            <a:schemeClr val="accent1"/>
+          </a:fillRef>
+          <a:effectRef idx="1">
+            <a:schemeClr val="accent1"/>
+          </a:effectRef>
+          <a:fontRef idx="minor">
+            <a:schemeClr val="lt1"/>
+          </a:fontRef>
+        </p:style>
+        <p:txBody>
+          <a:bodyPr anchor="ctr"/>
+          <a:lstStyle/>
+          <a:p>
+            <a:pPr algn="ctr" eaLnBrk="1" latinLnBrk="0" hangingPunct="1"/>
+            <a:endParaRPr kumimoji="0" lang="en-US"/>
+          </a:p>
+        </p:txBody>
+      </p:sp>
+      <p:sp>
+        <p:nvSpPr>
+          <p:cNvPr id="19" name="Rectangle 18"/>
+          <p:cNvSpPr/>
+          <p:nvPr/>
+        </p:nvSpPr>
+        <p:spPr bwMode="auto">
+          <a:xfrm>
+            <a:off x="1141320" y="0"/>
+            <a:ext cx="230280" cy="6858000"/>
+          </a:xfrm>
+          <a:prstGeom prst="rect">
+            <a:avLst/>
+          </a:prstGeom>
+          <a:solidFill>
+            <a:schemeClr val="accent1">
+              <a:tint val="20000"/>
+              <a:alpha val="71000"/>
+            </a:schemeClr>
+          </a:solidFill>
+          <a:ln w="38100" cap="rnd" cmpd="sng" algn="ctr">
+            <a:noFill/>
+            <a:prstDash val="solid"/>
+          </a:ln>
+          <a:effectLst/>
+        </p:spPr>
+        <p:style>
+          <a:lnRef idx="3">
+            <a:schemeClr val="lt1"/>
+          </a:lnRef>
+          <a:fillRef idx="1">
+            <a:schemeClr val="accent1"/>
+          </a:fillRef>
+          <a:effectRef idx="1">
+            <a:schemeClr val="accent1"/>
+          </a:effectRef>
+          <a:fontRef idx="minor">
+            <a:schemeClr val="lt1"/>
+          </a:fontRef>
+        </p:style>
+        <p:txBody>
+          <a:bodyPr anchor="ctr"/>
+          <a:lstStyle/>
+          <a:p>
+            <a:pPr algn="ctr" eaLnBrk="1" latinLnBrk="0" hangingPunct="1"/>
+            <a:endParaRPr kumimoji="0" lang="en-US"/>
+          </a:p>
+        </p:txBody>
+      </p:sp>
+      <p:sp>
+        <p:nvSpPr>
+          <p:cNvPr id="11" name="Straight Connector 10"/>
+          <p:cNvSpPr>
+            <a:spLocks noChangeShapeType="1"/>
+          </p:cNvSpPr>
+          <p:nvPr/>
+        </p:nvSpPr>
+        <p:spPr bwMode="auto">
+          <a:xfrm>
+            <a:off x="106344" y="0"/>
+            <a:ext cx="0" cy="6858000"/>
+          </a:xfrm>
+          <a:prstGeom prst="line">
+            <a:avLst/>
+          </a:prstGeom>
+          <a:noFill/>
+          <a:ln w="57150" cap="flat" cmpd="sng" algn="ctr">
+            <a:solidFill>
+              <a:schemeClr val="accent1">
+                <a:tint val="60000"/>
+                <a:alpha val="73000"/>
+              </a:schemeClr>
+            </a:solidFill>
+            <a:prstDash val="solid"/>
+            <a:round/>
+            <a:headEnd type="none" w="med" len="med"/>
+            <a:tailEnd type="none" w="med" len="med"/>
+          </a:ln>
+          <a:effectLst/>
+        </p:spPr>
+        <p:txBody>
+          <a:bodyPr vert="horz" wrap="square" lIns="91440" tIns="45720" rIns="91440" bIns="45720" anchor="t" compatLnSpc="1"/>
+          <a:lstStyle/>
+          <a:p>
+            <a:endParaRPr kumimoji="0" lang="en-US"/>
+          </a:p>
+        </p:txBody>
+      </p:sp>
+      <p:sp>
+        <p:nvSpPr>
+          <p:cNvPr id="18" name="Straight Connector 17"/>
+          <p:cNvSpPr>
+            <a:spLocks noChangeShapeType="1"/>
+          </p:cNvSpPr>
+          <p:nvPr/>
+        </p:nvSpPr>
+        <p:spPr bwMode="auto">
+          <a:xfrm>
+            <a:off x="914400" y="0"/>
+            <a:ext cx="0" cy="6858000"/>
+          </a:xfrm>
+          <a:prstGeom prst="line">
+            <a:avLst/>
+          </a:prstGeom>
+          <a:noFill/>
+          <a:ln w="57150" cap="flat" cmpd="sng" algn="ctr">
+            <a:solidFill>
+              <a:schemeClr val="accent1">
+                <a:tint val="20000"/>
+                <a:alpha val="83000"/>
+              </a:schemeClr>
+            </a:solidFill>
+            <a:prstDash val="solid"/>
+            <a:round/>
+            <a:headEnd type="none" w="med" len="med"/>
+            <a:tailEnd type="none" w="med" len="med"/>
+          </a:ln>
+          <a:effectLst/>
+        </p:spPr>
+        <p:txBody>
+          <a:bodyPr vert="horz" wrap="square" lIns="91440" tIns="45720" rIns="91440" bIns="45720" anchor="t" compatLnSpc="1"/>
+          <a:lstStyle/>
+          <a:p>
+            <a:endParaRPr kumimoji="0" lang="en-US"/>
+          </a:p>
+        </p:txBody>
+      </p:sp>
+      <p:sp>
+        <p:nvSpPr>
+          <p:cNvPr id="20" name="Straight Connector 19"/>
+          <p:cNvSpPr>
+            <a:spLocks noChangeShapeType="1"/>
+          </p:cNvSpPr>
+          <p:nvPr/>
+        </p:nvSpPr>
+        <p:spPr bwMode="auto">
+          <a:xfrm>
+            <a:off x="854112" y="0"/>
+            <a:ext cx="0" cy="6858000"/>
+          </a:xfrm>
+          <a:prstGeom prst="line">
+            <a:avLst/>
+          </a:prstGeom>
+          <a:noFill/>
+          <a:ln w="57150" cap="flat" cmpd="sng" algn="ctr">
+            <a:solidFill>
+              <a:schemeClr val="accent1">
+                <a:tint val="60000"/>
+              </a:schemeClr>
+            </a:solidFill>
+            <a:prstDash val="solid"/>
+            <a:round/>
+            <a:headEnd type="none" w="med" len="med"/>
+            <a:tailEnd type="none" w="med" len="med"/>
+          </a:ln>
+          <a:effectLst/>
+        </p:spPr>
+        <p:txBody>
+          <a:bodyPr vert="horz" wrap="square" lIns="91440" tIns="45720" rIns="91440" bIns="45720" anchor="t" compatLnSpc="1"/>
+          <a:lstStyle/>
+          <a:p>
+            <a:endParaRPr kumimoji="0" lang="en-US"/>
+          </a:p>
+        </p:txBody>
+      </p:sp>
+      <p:sp>
+        <p:nvSpPr>
+          <p:cNvPr id="16" name="Straight Connector 15"/>
+          <p:cNvSpPr>
+            <a:spLocks noChangeShapeType="1"/>
+          </p:cNvSpPr>
+          <p:nvPr/>
+        </p:nvSpPr>
+        <p:spPr bwMode="auto">
+          <a:xfrm>
+            <a:off x="1726640" y="0"/>
+            <a:ext cx="0" cy="6858000"/>
+          </a:xfrm>
+          <a:prstGeom prst="line">
+            <a:avLst/>
+          </a:prstGeom>
+          <a:noFill/>
+          <a:ln w="28575" cap="flat" cmpd="sng" algn="ctr">
+            <a:solidFill>
+              <a:schemeClr val="accent1">
+                <a:tint val="60000"/>
+                <a:alpha val="82000"/>
+              </a:schemeClr>
+            </a:solidFill>
+            <a:prstDash val="solid"/>
+            <a:round/>
+            <a:headEnd type="none" w="med" len="med"/>
+            <a:tailEnd type="none" w="med" len="med"/>
+          </a:ln>
+          <a:effectLst/>
+        </p:spPr>
+        <p:txBody>
+          <a:bodyPr vert="horz" wrap="square" lIns="91440" tIns="45720" rIns="91440" bIns="45720" anchor="t" compatLnSpc="1"/>
+          <a:lstStyle/>
+          <a:p>
+            <a:endParaRPr kumimoji="0" lang="en-US"/>
+          </a:p>
+        </p:txBody>
+      </p:sp>
+      <p:sp>
+        <p:nvSpPr>
+          <p:cNvPr id="15" name="Straight Connector 14"/>
+          <p:cNvSpPr>
+            <a:spLocks noChangeShapeType="1"/>
+          </p:cNvSpPr>
+          <p:nvPr/>
+        </p:nvSpPr>
+        <p:spPr bwMode="auto">
+          <a:xfrm>
+            <a:off x="1066800" y="0"/>
+            <a:ext cx="0" cy="6858000"/>
+          </a:xfrm>
+          <a:prstGeom prst="line">
+            <a:avLst/>
+          </a:prstGeom>
+          <a:noFill/>
+          <a:ln w="9525" cap="flat" cmpd="sng" algn="ctr">
+            <a:solidFill>
+              <a:schemeClr val="accent1">
+                <a:tint val="60000"/>
+              </a:schemeClr>
+            </a:solidFill>
+            <a:prstDash val="solid"/>
+            <a:round/>
+            <a:headEnd type="none" w="med" len="med"/>
+            <a:tailEnd type="none" w="med" len="med"/>
+          </a:ln>
+          <a:effectLst/>
+        </p:spPr>
+        <p:txBody>
+          <a:bodyPr vert="horz" wrap="square" lIns="91440" tIns="45720" rIns="91440" bIns="45720" anchor="t" compatLnSpc="1"/>
+          <a:lstStyle/>
+          <a:p>
+            <a:endParaRPr kumimoji="0" lang="en-US"/>
+          </a:p>
+        </p:txBody>
+      </p:sp>
+      <p:sp>
+        <p:nvSpPr>
+          <p:cNvPr id="22" name="Straight Connector 21"/>
+          <p:cNvSpPr>
+            <a:spLocks noChangeShapeType="1"/>
+          </p:cNvSpPr>
+          <p:nvPr/>
+        </p:nvSpPr>
+        <p:spPr bwMode="auto">
+          <a:xfrm>
+            <a:off x="9113856" y="0"/>
+            <a:ext cx="0" cy="6858000"/>
+          </a:xfrm>
+          <a:prstGeom prst="line">
+            <a:avLst/>
+          </a:prstGeom>
+          <a:noFill/>
+          <a:ln w="57150" cap="flat" cmpd="thickThin" algn="ctr">
+            <a:solidFill>
+              <a:schemeClr val="accent1">
+                <a:tint val="60000"/>
+              </a:schemeClr>
+            </a:solidFill>
+            <a:prstDash val="solid"/>
+            <a:round/>
+            <a:headEnd type="none" w="med" len="med"/>
+            <a:tailEnd type="none" w="med" len="med"/>
+          </a:ln>
+          <a:effectLst/>
+        </p:spPr>
+        <p:txBody>
+          <a:bodyPr vert="horz" wrap="square" lIns="91440" tIns="45720" rIns="91440" bIns="45720" anchor="t" compatLnSpc="1"/>
+          <a:lstStyle/>
+          <a:p>
+            <a:endParaRPr kumimoji="0" lang="en-US"/>
+          </a:p>
+        </p:txBody>
+      </p:sp>
+      <p:sp>
+        <p:nvSpPr>
+          <p:cNvPr id="27" name="Rectangle 26"/>
+          <p:cNvSpPr/>
+          <p:nvPr/>
+        </p:nvSpPr>
+        <p:spPr bwMode="auto">
+          <a:xfrm>
+            <a:off x="1219200" y="0"/>
+            <a:ext cx="76200" cy="6858000"/>
+          </a:xfrm>
+          <a:prstGeom prst="rect">
+            <a:avLst/>
+          </a:prstGeom>
+          <a:solidFill>
+            <a:schemeClr val="accent1">
+              <a:tint val="60000"/>
+              <a:alpha val="51000"/>
+            </a:schemeClr>
+          </a:solidFill>
+          <a:ln w="38100" cap="rnd" cmpd="sng" algn="ctr">
+            <a:noFill/>
+            <a:prstDash val="solid"/>
+          </a:ln>
+          <a:effectLst/>
+        </p:spPr>
+        <p:style>
+          <a:lnRef idx="3">
+            <a:schemeClr val="lt1"/>
+          </a:lnRef>
+          <a:fillRef idx="1">
+            <a:schemeClr val="accent1"/>
+          </a:fillRef>
+          <a:effectRef idx="1">
+            <a:schemeClr val="accent1"/>
+          </a:effectRef>
+          <a:fontRef idx="minor">
+            <a:schemeClr val="lt1"/>
+          </a:fontRef>
+        </p:style>
+        <p:txBody>
+          <a:bodyPr anchor="ctr"/>
+          <a:lstStyle/>
+          <a:p>
+            <a:pPr algn="ctr" eaLnBrk="1" latinLnBrk="0" hangingPunct="1"/>
+            <a:endParaRPr kumimoji="0" lang="en-US" dirty="0"/>
+          </a:p>
+        </p:txBody>
+      </p:sp>
+      <p:sp>
+        <p:nvSpPr>
+          <p:cNvPr id="21" name="Oval 20"/>
+          <p:cNvSpPr/>
+          <p:nvPr/>
+        </p:nvSpPr>
+        <p:spPr bwMode="auto">
+          <a:xfrm>
+            <a:off x="609600" y="3429000"/>
+            <a:ext cx="1295400" cy="1295400"/>
+          </a:xfrm>
+          <a:prstGeom prst="ellipse">
+            <a:avLst/>
+          </a:prstGeom>
+          <a:solidFill>
+            <a:schemeClr val="accent1"/>
+          </a:solidFill>
+          <a:ln w="38100" cap="rnd" cmpd="sng" algn="ctr">
+            <a:noFill/>
+            <a:prstDash val="solid"/>
+          </a:ln>
+          <a:effectLst/>
+        </p:spPr>
+        <p:style>
+          <a:lnRef idx="3">
+            <a:schemeClr val="lt1"/>
+          </a:lnRef>
+          <a:fillRef idx="1">
+            <a:schemeClr val="accent1"/>
+          </a:fillRef>
+          <a:effectRef idx="1">
+            <a:schemeClr val="accent1"/>
+          </a:effectRef>
+          <a:fontRef idx="minor">
+            <a:schemeClr val="lt1"/>
+          </a:fontRef>
+        </p:style>
+        <p:txBody>
+          <a:bodyPr anchor="ctr"/>
+          <a:lstStyle/>
+          <a:p>
+            <a:pPr algn="ctr" eaLnBrk="1" latinLnBrk="0" hangingPunct="1"/>
+            <a:endParaRPr kumimoji="0" lang="en-US" dirty="0"/>
+          </a:p>
+        </p:txBody>
+      </p:sp>
+      <p:sp>
+        <p:nvSpPr>
+          <p:cNvPr id="23" name="Oval 22"/>
+          <p:cNvSpPr/>
+          <p:nvPr/>
+        </p:nvSpPr>
+        <p:spPr bwMode="auto">
+          <a:xfrm>
+            <a:off x="1309632" y="4866752"/>
+            <a:ext cx="641424" cy="641424"/>
+          </a:xfrm>
+          <a:prstGeom prst="ellipse">
+            <a:avLst/>
+          </a:prstGeom>
+          <a:ln w="28575" cap="rnd" cmpd="sng" algn="ctr">
+            <a:noFill/>
+            <a:prstDash val="solid"/>
+          </a:ln>
+          <a:effectLst/>
+        </p:spPr>
+        <p:style>
+          <a:lnRef idx="3">
+            <a:schemeClr val="lt1"/>
+          </a:lnRef>
+          <a:fillRef idx="1">
+            <a:schemeClr val="accent1"/>
+          </a:fillRef>
+          <a:effectRef idx="1">
+            <a:schemeClr val="accent1"/>
+          </a:effectRef>
+          <a:fontRef idx="minor">
+            <a:schemeClr val="lt1"/>
+          </a:fontRef>
+        </p:style>
+        <p:txBody>
+          <a:bodyPr anchor="ctr"/>
+          <a:lstStyle/>
+          <a:p>
+            <a:pPr algn="ctr" eaLnBrk="1" latinLnBrk="0" hangingPunct="1"/>
+            <a:endParaRPr kumimoji="0" lang="en-US" dirty="0"/>
+          </a:p>
+        </p:txBody>
+      </p:sp>
+      <p:sp>
+        <p:nvSpPr>
+          <p:cNvPr id="24" name="Oval 23"/>
+          <p:cNvSpPr/>
+          <p:nvPr/>
+        </p:nvSpPr>
+        <p:spPr bwMode="auto">
+          <a:xfrm>
+            <a:off x="1091080" y="5500632"/>
+            <a:ext cx="137160" cy="137160"/>
+          </a:xfrm>
+          <a:prstGeom prst="ellipse">
+            <a:avLst/>
+          </a:prstGeom>
+          <a:ln w="12700" cap="rnd" cmpd="sng" algn="ctr">
+            <a:noFill/>
+            <a:prstDash val="solid"/>
+          </a:ln>
+          <a:effectLst/>
+        </p:spPr>
+        <p:style>
+          <a:lnRef idx="3">
+            <a:schemeClr val="lt1"/>
+          </a:lnRef>
+          <a:fillRef idx="1">
+            <a:schemeClr val="accent1"/>
+          </a:fillRef>
+          <a:effectRef idx="1">
+            <a:schemeClr val="accent1"/>
+          </a:effectRef>
+          <a:fontRef idx="minor">
+            <a:schemeClr val="lt1"/>
+          </a:fontRef>
+        </p:style>
+        <p:txBody>
+          <a:bodyPr anchor="ctr"/>
+          <a:lstStyle/>
+          <a:p>
+            <a:pPr algn="ctr" eaLnBrk="1" latinLnBrk="0" hangingPunct="1"/>
+            <a:endParaRPr kumimoji="0" lang="en-US" dirty="0"/>
+          </a:p>
+        </p:txBody>
+      </p:sp>
+      <p:sp>
+        <p:nvSpPr>
+          <p:cNvPr id="26" name="Oval 25"/>
+          <p:cNvSpPr/>
+          <p:nvPr/>
+        </p:nvSpPr>
+        <p:spPr bwMode="auto">
+          <a:xfrm>
+            <a:off x="1664208" y="5788152"/>
+            <a:ext cx="274320" cy="274320"/>
+          </a:xfrm>
+          <a:prstGeom prst="ellipse">
+            <a:avLst/>
+          </a:prstGeom>
+          <a:ln w="12700" cap="rnd" cmpd="sng" algn="ctr">
+            <a:noFill/>
+            <a:prstDash val="solid"/>
+          </a:ln>
+          <a:effectLst/>
+        </p:spPr>
+        <p:style>
+          <a:lnRef idx="3">
+            <a:schemeClr val="lt1"/>
+          </a:lnRef>
+          <a:fillRef idx="1">
+            <a:schemeClr val="accent1"/>
+          </a:fillRef>
+          <a:effectRef idx="1">
+            <a:schemeClr val="accent1"/>
+          </a:effectRef>
+          <a:fontRef idx="minor">
+            <a:schemeClr val="lt1"/>
+          </a:fontRef>
+        </p:style>
+        <p:txBody>
+          <a:bodyPr anchor="ctr"/>
+          <a:lstStyle/>
+          <a:p>
+            <a:pPr algn="ctr" eaLnBrk="1" latinLnBrk="0" hangingPunct="1"/>
+            <a:endParaRPr kumimoji="0" lang="en-US" dirty="0"/>
+          </a:p>
+        </p:txBody>
+      </p:sp>
+      <p:sp>
+        <p:nvSpPr>
+          <p:cNvPr id="25" name="Oval 24"/>
+          <p:cNvSpPr/>
+          <p:nvPr/>
+        </p:nvSpPr>
+        <p:spPr>
+          <a:xfrm>
+            <a:off x="1905000" y="4495800"/>
+            <a:ext cx="365760" cy="365760"/>
+          </a:xfrm>
+          <a:prstGeom prst="ellipse">
+            <a:avLst/>
+          </a:prstGeom>
+          <a:ln w="28575" cap="rnd" cmpd="sng" algn="ctr">
+            <a:noFill/>
+            <a:prstDash val="solid"/>
+          </a:ln>
+          <a:effectLst/>
+        </p:spPr>
+        <p:style>
+          <a:lnRef idx="3">
+            <a:schemeClr val="lt1"/>
+          </a:lnRef>
+          <a:fillRef idx="1">
+            <a:schemeClr val="accent1"/>
+          </a:fillRef>
+          <a:effectRef idx="1">
+            <a:schemeClr val="accent1"/>
+          </a:effectRef>
+          <a:fontRef idx="minor">
+            <a:schemeClr val="lt1"/>
+          </a:fontRef>
+        </p:style>
+        <p:txBody>
+          <a:bodyPr anchor="ctr"/>
+          <a:lstStyle/>
+          <a:p>
+            <a:pPr algn="ctr" eaLnBrk="1" latinLnBrk="0" hangingPunct="1"/>
+            <a:endParaRPr kumimoji="0" lang="en-US" dirty="0"/>
+          </a:p>
+        </p:txBody>
+      </p:sp>
+      <p:sp>
+        <p:nvSpPr>
+          <p:cNvPr id="29" name="Slide Number Placeholder 28"/>
           <p:cNvSpPr>
             <a:spLocks noGrp="1"/>
           </p:cNvSpPr>
@@ -1328,7 +2158,12 @@
             <p:ph type="sldNum" sz="quarter" idx="12"/>
           </p:nvPr>
         </p:nvSpPr>
-        <p:spPr/>
+        <p:spPr bwMode="auto">
+          <a:xfrm>
+            <a:off x="1325544" y="4928702"/>
+            <a:ext cx="609600" cy="517524"/>
+          </a:xfrm>
+        </p:spPr>
         <p:txBody>
           <a:bodyPr/>
           <a:lstStyle/>
@@ -1345,7 +2180,7 @@
     </p:spTree>
   </p:cSld>
   <p:clrMapOvr>
-    <a:masterClrMapping/>
+    <a:overrideClrMapping bg1="lt1" tx1="dk1" bg2="lt2" tx2="dk2" accent1="accent1" accent2="accent2" accent3="accent3" accent4="accent4" accent5="accent5" accent6="accent6" hlink="hlink" folHlink="folHlink"/>
   </p:clrMapOvr>
 </p:sldLayout>
 </file>
@@ -1383,10 +2218,10 @@
           <a:lstStyle/>
           <a:p>
             <a:r>
-              <a:rPr lang="en-US" smtClean="0"/>
+              <a:rPr kumimoji="0" lang="en-US" smtClean="0"/>
               <a:t>Click to edit Master title style</a:t>
             </a:r>
-            <a:endParaRPr lang="en-US"/>
+            <a:endParaRPr kumimoji="0" lang="en-US"/>
           </a:p>
         </p:txBody>
       </p:sp>
@@ -1405,40 +2240,40 @@
           <a:bodyPr vert="eaVert"/>
           <a:lstStyle/>
           <a:p>
-            <a:pPr lvl="0"/>
+            <a:pPr lvl="0" eaLnBrk="1" latinLnBrk="0" hangingPunct="1"/>
             <a:r>
               <a:rPr lang="en-US" smtClean="0"/>
               <a:t>Click to edit Master text styles</a:t>
             </a:r>
           </a:p>
           <a:p>
-            <a:pPr lvl="1"/>
+            <a:pPr lvl="1" eaLnBrk="1" latinLnBrk="0" hangingPunct="1"/>
             <a:r>
               <a:rPr lang="en-US" smtClean="0"/>
               <a:t>Second level</a:t>
             </a:r>
           </a:p>
           <a:p>
-            <a:pPr lvl="2"/>
+            <a:pPr lvl="2" eaLnBrk="1" latinLnBrk="0" hangingPunct="1"/>
             <a:r>
               <a:rPr lang="en-US" smtClean="0"/>
               <a:t>Third level</a:t>
             </a:r>
           </a:p>
           <a:p>
-            <a:pPr lvl="3"/>
+            <a:pPr lvl="3" eaLnBrk="1" latinLnBrk="0" hangingPunct="1"/>
             <a:r>
               <a:rPr lang="en-US" smtClean="0"/>
               <a:t>Fourth level</a:t>
             </a:r>
           </a:p>
           <a:p>
-            <a:pPr lvl="4"/>
+            <a:pPr lvl="4" eaLnBrk="1" latinLnBrk="0" hangingPunct="1"/>
             <a:r>
               <a:rPr lang="en-US" smtClean="0"/>
               <a:t>Fifth level</a:t>
             </a:r>
-            <a:endParaRPr lang="en-US"/>
+            <a:endParaRPr kumimoji="0" lang="en-US"/>
           </a:p>
         </p:txBody>
       </p:sp>
@@ -1546,8 +2381,8 @@
         </p:nvSpPr>
         <p:spPr>
           <a:xfrm>
-            <a:off x="6629400" y="274638"/>
-            <a:ext cx="2057400" cy="5851525"/>
+            <a:off x="6629400" y="274639"/>
+            <a:ext cx="1676400" cy="5851525"/>
           </a:xfrm>
         </p:spPr>
         <p:txBody>
@@ -1555,10 +2390,10 @@
           <a:lstStyle/>
           <a:p>
             <a:r>
-              <a:rPr lang="en-US" smtClean="0"/>
+              <a:rPr kumimoji="0" lang="en-US" smtClean="0"/>
               <a:t>Click to edit Master title style</a:t>
             </a:r>
-            <a:endParaRPr lang="en-US"/>
+            <a:endParaRPr kumimoji="0" lang="en-US"/>
           </a:p>
         </p:txBody>
       </p:sp>
@@ -1582,40 +2417,40 @@
           <a:bodyPr vert="eaVert"/>
           <a:lstStyle/>
           <a:p>
-            <a:pPr lvl="0"/>
+            <a:pPr lvl="0" eaLnBrk="1" latinLnBrk="0" hangingPunct="1"/>
             <a:r>
               <a:rPr lang="en-US" smtClean="0"/>
               <a:t>Click to edit Master text styles</a:t>
             </a:r>
           </a:p>
           <a:p>
-            <a:pPr lvl="1"/>
+            <a:pPr lvl="1" eaLnBrk="1" latinLnBrk="0" hangingPunct="1"/>
             <a:r>
               <a:rPr lang="en-US" smtClean="0"/>
               <a:t>Second level</a:t>
             </a:r>
           </a:p>
           <a:p>
-            <a:pPr lvl="2"/>
+            <a:pPr lvl="2" eaLnBrk="1" latinLnBrk="0" hangingPunct="1"/>
             <a:r>
               <a:rPr lang="en-US" smtClean="0"/>
               <a:t>Third level</a:t>
             </a:r>
           </a:p>
           <a:p>
-            <a:pPr lvl="3"/>
+            <a:pPr lvl="3" eaLnBrk="1" latinLnBrk="0" hangingPunct="1"/>
             <a:r>
               <a:rPr lang="en-US" smtClean="0"/>
               <a:t>Fourth level</a:t>
             </a:r>
           </a:p>
           <a:p>
-            <a:pPr lvl="4"/>
+            <a:pPr lvl="4" eaLnBrk="1" latinLnBrk="0" hangingPunct="1"/>
             <a:r>
               <a:rPr lang="en-US" smtClean="0"/>
               <a:t>Fifth level</a:t>
             </a:r>
-            <a:endParaRPr lang="en-US"/>
+            <a:endParaRPr kumimoji="0" lang="en-US"/>
           </a:p>
         </p:txBody>
       </p:sp>
@@ -1727,78 +2562,83 @@
           <a:lstStyle/>
           <a:p>
             <a:r>
-              <a:rPr lang="en-US" smtClean="0"/>
+              <a:rPr kumimoji="0" lang="en-US" smtClean="0"/>
               <a:t>Click to edit Master title style</a:t>
             </a:r>
-            <a:endParaRPr lang="en-US"/>
-          </a:p>
-        </p:txBody>
-      </p:sp>
-      <p:sp>
-        <p:nvSpPr>
-          <p:cNvPr id="3" name="Content Placeholder 2"/>
-          <p:cNvSpPr>
-            <a:spLocks noGrp="1"/>
-          </p:cNvSpPr>
-          <p:nvPr>
-            <p:ph idx="1"/>
-          </p:nvPr>
-        </p:nvSpPr>
-        <p:spPr/>
+            <a:endParaRPr kumimoji="0" lang="en-US"/>
+          </a:p>
+        </p:txBody>
+      </p:sp>
+      <p:sp>
+        <p:nvSpPr>
+          <p:cNvPr id="8" name="Content Placeholder 7"/>
+          <p:cNvSpPr>
+            <a:spLocks noGrp="1"/>
+          </p:cNvSpPr>
+          <p:nvPr>
+            <p:ph sz="quarter" idx="1"/>
+          </p:nvPr>
+        </p:nvSpPr>
+        <p:spPr>
+          <a:xfrm>
+            <a:off x="457200" y="1600200"/>
+            <a:ext cx="7467600" cy="4873752"/>
+          </a:xfrm>
+        </p:spPr>
         <p:txBody>
           <a:bodyPr/>
           <a:lstStyle/>
           <a:p>
-            <a:pPr lvl="0"/>
+            <a:pPr lvl="0" eaLnBrk="1" latinLnBrk="0" hangingPunct="1"/>
             <a:r>
               <a:rPr lang="en-US" smtClean="0"/>
               <a:t>Click to edit Master text styles</a:t>
             </a:r>
           </a:p>
           <a:p>
-            <a:pPr lvl="1"/>
+            <a:pPr lvl="1" eaLnBrk="1" latinLnBrk="0" hangingPunct="1"/>
             <a:r>
               <a:rPr lang="en-US" smtClean="0"/>
               <a:t>Second level</a:t>
             </a:r>
           </a:p>
           <a:p>
-            <a:pPr lvl="2"/>
+            <a:pPr lvl="2" eaLnBrk="1" latinLnBrk="0" hangingPunct="1"/>
             <a:r>
               <a:rPr lang="en-US" smtClean="0"/>
               <a:t>Third level</a:t>
             </a:r>
           </a:p>
           <a:p>
-            <a:pPr lvl="3"/>
+            <a:pPr lvl="3" eaLnBrk="1" latinLnBrk="0" hangingPunct="1"/>
             <a:r>
               <a:rPr lang="en-US" smtClean="0"/>
               <a:t>Fourth level</a:t>
             </a:r>
           </a:p>
           <a:p>
-            <a:pPr lvl="4"/>
+            <a:pPr lvl="4" eaLnBrk="1" latinLnBrk="0" hangingPunct="1"/>
             <a:r>
               <a:rPr lang="en-US" smtClean="0"/>
               <a:t>Fifth level</a:t>
             </a:r>
-            <a:endParaRPr lang="en-US"/>
-          </a:p>
-        </p:txBody>
-      </p:sp>
-      <p:sp>
-        <p:nvSpPr>
-          <p:cNvPr id="4" name="Date Placeholder 3"/>
-          <p:cNvSpPr>
-            <a:spLocks noGrp="1"/>
-          </p:cNvSpPr>
-          <p:nvPr>
-            <p:ph type="dt" sz="half" idx="10"/>
-          </p:nvPr>
-        </p:nvSpPr>
-        <p:spPr/>
-        <p:txBody>
-          <a:bodyPr/>
+            <a:endParaRPr kumimoji="0" lang="en-US"/>
+          </a:p>
+        </p:txBody>
+      </p:sp>
+      <p:sp>
+        <p:nvSpPr>
+          <p:cNvPr id="7" name="Date Placeholder 6"/>
+          <p:cNvSpPr>
+            <a:spLocks noGrp="1"/>
+          </p:cNvSpPr>
+          <p:nvPr>
+            <p:ph type="dt" sz="half" idx="14"/>
+          </p:nvPr>
+        </p:nvSpPr>
+        <p:spPr/>
+        <p:txBody>
+          <a:bodyPr rtlCol="0"/>
           <a:lstStyle/>
           <a:p>
             <a:fld id="{2F542E98-9E25-4A2D-9991-5E8BB5F8C050}" type="datetimeFigureOut">
@@ -1812,36 +2652,17 @@
       </p:sp>
       <p:sp>
         <p:nvSpPr>
-          <p:cNvPr id="5" name="Footer Placeholder 4"/>
-          <p:cNvSpPr>
-            <a:spLocks noGrp="1"/>
-          </p:cNvSpPr>
-          <p:nvPr>
-            <p:ph type="ftr" sz="quarter" idx="11"/>
-          </p:nvPr>
-        </p:nvSpPr>
-        <p:spPr/>
-        <p:txBody>
-          <a:bodyPr/>
-          <a:lstStyle/>
-          <a:p>
-            <a:endParaRPr lang="en-US"/>
-          </a:p>
-        </p:txBody>
-      </p:sp>
-      <p:sp>
-        <p:nvSpPr>
-          <p:cNvPr id="6" name="Slide Number Placeholder 5"/>
-          <p:cNvSpPr>
-            <a:spLocks noGrp="1"/>
-          </p:cNvSpPr>
-          <p:nvPr>
-            <p:ph type="sldNum" sz="quarter" idx="12"/>
-          </p:nvPr>
-        </p:nvSpPr>
-        <p:spPr/>
-        <p:txBody>
-          <a:bodyPr/>
+          <p:cNvPr id="9" name="Slide Number Placeholder 8"/>
+          <p:cNvSpPr>
+            <a:spLocks noGrp="1"/>
+          </p:cNvSpPr>
+          <p:nvPr>
+            <p:ph type="sldNum" sz="quarter" idx="15"/>
+          </p:nvPr>
+        </p:nvSpPr>
+        <p:spPr/>
+        <p:txBody>
+          <a:bodyPr rtlCol="0"/>
           <a:lstStyle/>
           <a:p>
             <a:fld id="{45C96AA5-07A0-4D73-BCFF-FDC697DF45E3}" type="slidenum">
@@ -1849,6 +2670,25 @@
               <a:pPr/>
               <a:t>‹#›</a:t>
             </a:fld>
+            <a:endParaRPr lang="en-US"/>
+          </a:p>
+        </p:txBody>
+      </p:sp>
+      <p:sp>
+        <p:nvSpPr>
+          <p:cNvPr id="10" name="Footer Placeholder 9"/>
+          <p:cNvSpPr>
+            <a:spLocks noGrp="1"/>
+          </p:cNvSpPr>
+          <p:nvPr>
+            <p:ph type="ftr" sz="quarter" idx="16"/>
+          </p:nvPr>
+        </p:nvSpPr>
+        <p:spPr/>
+        <p:txBody>
+          <a:bodyPr rtlCol="0"/>
+          <a:lstStyle/>
+          <a:p>
             <a:endParaRPr lang="en-US"/>
           </a:p>
         </p:txBody>
@@ -1862,8 +2702,13 @@
 </file>
 
 <file path=ppt/slideLayouts/slideLayout3.xml><?xml version="1.0" encoding="utf-8"?>
-<p:sldLayout xmlns:a="http://schemas.openxmlformats.org/drawingml/2006/main" xmlns:r="http://schemas.openxmlformats.org/officeDocument/2006/relationships" xmlns:p="http://schemas.openxmlformats.org/presentationml/2006/main" type="secHead" preserve="1">
+<p:sldLayout xmlns:a="http://schemas.openxmlformats.org/drawingml/2006/main" xmlns:r="http://schemas.openxmlformats.org/officeDocument/2006/relationships" xmlns:p="http://schemas.openxmlformats.org/presentationml/2006/main" showMasterSp="0" type="secHead" preserve="1">
   <p:cSld name="Section Header">
+    <p:bg>
+      <p:bgRef idx="1001">
+        <a:schemeClr val="bg2"/>
+      </p:bgRef>
+    </p:bg>
     <p:spTree>
       <p:nvGrpSpPr>
         <p:cNvPr id="1" name=""/>
@@ -1890,23 +2735,24 @@
         </p:nvSpPr>
         <p:spPr>
           <a:xfrm>
-            <a:off x="722313" y="4406900"/>
-            <a:ext cx="7772400" cy="1362075"/>
-          </a:xfrm>
-        </p:spPr>
-        <p:txBody>
-          <a:bodyPr anchor="t"/>
+            <a:off x="2286000" y="2895600"/>
+            <a:ext cx="6172200" cy="2053590"/>
+          </a:xfrm>
+        </p:spPr>
+        <p:txBody>
+          <a:bodyPr/>
           <a:lstStyle>
             <a:lvl1pPr algn="l">
-              <a:defRPr sz="4000" b="1" cap="all"/>
+              <a:buNone/>
+              <a:defRPr sz="3000" b="1" cap="small" baseline="0"/>
             </a:lvl1pPr>
           </a:lstStyle>
           <a:p>
             <a:r>
-              <a:rPr lang="en-US" smtClean="0"/>
+              <a:rPr kumimoji="0" lang="en-US" smtClean="0"/>
               <a:t>Click to edit Master title style</a:t>
             </a:r>
-            <a:endParaRPr lang="en-US"/>
+            <a:endParaRPr kumimoji="0" lang="en-US"/>
           </a:p>
         </p:txBody>
       </p:sp>
@@ -1922,24 +2768,22 @@
         </p:nvSpPr>
         <p:spPr>
           <a:xfrm>
-            <a:off x="722313" y="2906713"/>
-            <a:ext cx="7772400" cy="1500187"/>
-          </a:xfrm>
-        </p:spPr>
-        <p:txBody>
-          <a:bodyPr anchor="b"/>
+            <a:off x="2286000" y="5010150"/>
+            <a:ext cx="6172200" cy="1371600"/>
+          </a:xfrm>
+        </p:spPr>
+        <p:txBody>
+          <a:bodyPr anchor="t"/>
           <a:lstStyle>
             <a:lvl1pPr marL="0" indent="0">
               <a:buNone/>
-              <a:defRPr sz="2000">
+              <a:defRPr sz="1800" b="1">
                 <a:solidFill>
-                  <a:schemeClr val="tx1">
-                    <a:tint val="75000"/>
-                  </a:schemeClr>
+                  <a:schemeClr val="tx2"/>
                 </a:solidFill>
               </a:defRPr>
             </a:lvl1pPr>
-            <a:lvl2pPr marL="457200" indent="0">
+            <a:lvl2pPr>
               <a:buNone/>
               <a:defRPr sz="1800">
                 <a:solidFill>
@@ -1949,7 +2793,7 @@
                 </a:solidFill>
               </a:defRPr>
             </a:lvl2pPr>
-            <a:lvl3pPr marL="914400" indent="0">
+            <a:lvl3pPr>
               <a:buNone/>
               <a:defRPr sz="1600">
                 <a:solidFill>
@@ -1959,7 +2803,7 @@
                 </a:solidFill>
               </a:defRPr>
             </a:lvl3pPr>
-            <a:lvl4pPr marL="1371600" indent="0">
+            <a:lvl4pPr>
               <a:buNone/>
               <a:defRPr sz="1400">
                 <a:solidFill>
@@ -1969,7 +2813,7 @@
                 </a:solidFill>
               </a:defRPr>
             </a:lvl4pPr>
-            <a:lvl5pPr marL="1828800" indent="0">
+            <a:lvl5pPr>
               <a:buNone/>
               <a:defRPr sz="1400">
                 <a:solidFill>
@@ -1979,51 +2823,11 @@
                 </a:solidFill>
               </a:defRPr>
             </a:lvl5pPr>
-            <a:lvl6pPr marL="2286000" indent="0">
-              <a:buNone/>
-              <a:defRPr sz="1400">
-                <a:solidFill>
-                  <a:schemeClr val="tx1">
-                    <a:tint val="75000"/>
-                  </a:schemeClr>
-                </a:solidFill>
-              </a:defRPr>
-            </a:lvl6pPr>
-            <a:lvl7pPr marL="2743200" indent="0">
-              <a:buNone/>
-              <a:defRPr sz="1400">
-                <a:solidFill>
-                  <a:schemeClr val="tx1">
-                    <a:tint val="75000"/>
-                  </a:schemeClr>
-                </a:solidFill>
-              </a:defRPr>
-            </a:lvl7pPr>
-            <a:lvl8pPr marL="3200400" indent="0">
-              <a:buNone/>
-              <a:defRPr sz="1400">
-                <a:solidFill>
-                  <a:schemeClr val="tx1">
-                    <a:tint val="75000"/>
-                  </a:schemeClr>
-                </a:solidFill>
-              </a:defRPr>
-            </a:lvl8pPr>
-            <a:lvl9pPr marL="3657600" indent="0">
-              <a:buNone/>
-              <a:defRPr sz="1400">
-                <a:solidFill>
-                  <a:schemeClr val="tx1">
-                    <a:tint val="75000"/>
-                  </a:schemeClr>
-                </a:solidFill>
-              </a:defRPr>
-            </a:lvl9pPr>
           </a:lstStyle>
           <a:p>
-            <a:pPr lvl="0"/>
-            <a:r>
-              <a:rPr lang="en-US" smtClean="0"/>
+            <a:pPr lvl="0" eaLnBrk="1" latinLnBrk="0" hangingPunct="1"/>
+            <a:r>
+              <a:rPr kumimoji="0" lang="en-US" smtClean="0"/>
               <a:t>Click to edit Master text styles</a:t>
             </a:r>
           </a:p>
@@ -2039,7 +2843,12 @@
             <p:ph type="dt" sz="half" idx="10"/>
           </p:nvPr>
         </p:nvSpPr>
-        <p:spPr/>
+        <p:spPr bwMode="auto">
+          <a:xfrm rot="5400000">
+            <a:off x="7763256" y="1170432"/>
+            <a:ext cx="2286000" cy="381000"/>
+          </a:xfrm>
+        </p:spPr>
         <p:txBody>
           <a:bodyPr/>
           <a:lstStyle/>
@@ -2063,7 +2872,12 @@
             <p:ph type="ftr" sz="quarter" idx="11"/>
           </p:nvPr>
         </p:nvSpPr>
-        <p:spPr/>
+        <p:spPr bwMode="auto">
+          <a:xfrm rot="5400000">
+            <a:off x="7077456" y="4178808"/>
+            <a:ext cx="3657600" cy="384048"/>
+          </a:xfrm>
+        </p:spPr>
         <p:txBody>
           <a:bodyPr/>
           <a:lstStyle/>
@@ -2074,6 +2888,697 @@
       </p:sp>
       <p:sp>
         <p:nvSpPr>
+          <p:cNvPr id="9" name="Rectangle 8"/>
+          <p:cNvSpPr/>
+          <p:nvPr/>
+        </p:nvSpPr>
+        <p:spPr bwMode="auto">
+          <a:xfrm>
+            <a:off x="381000" y="0"/>
+            <a:ext cx="609600" cy="6858000"/>
+          </a:xfrm>
+          <a:prstGeom prst="rect">
+            <a:avLst/>
+          </a:prstGeom>
+          <a:solidFill>
+            <a:schemeClr val="accent1">
+              <a:tint val="60000"/>
+              <a:alpha val="54000"/>
+            </a:schemeClr>
+          </a:solidFill>
+          <a:ln w="38100" cap="rnd" cmpd="sng" algn="ctr">
+            <a:noFill/>
+            <a:prstDash val="solid"/>
+          </a:ln>
+          <a:effectLst/>
+        </p:spPr>
+        <p:style>
+          <a:lnRef idx="3">
+            <a:schemeClr val="lt1"/>
+          </a:lnRef>
+          <a:fillRef idx="1">
+            <a:schemeClr val="accent1"/>
+          </a:fillRef>
+          <a:effectRef idx="1">
+            <a:schemeClr val="accent1"/>
+          </a:effectRef>
+          <a:fontRef idx="minor">
+            <a:schemeClr val="lt1"/>
+          </a:fontRef>
+        </p:style>
+        <p:txBody>
+          <a:bodyPr anchor="ctr"/>
+          <a:lstStyle/>
+          <a:p>
+            <a:pPr algn="ctr" eaLnBrk="1" latinLnBrk="0" hangingPunct="1"/>
+            <a:endParaRPr kumimoji="0" lang="en-US"/>
+          </a:p>
+        </p:txBody>
+      </p:sp>
+      <p:sp>
+        <p:nvSpPr>
+          <p:cNvPr id="10" name="Rectangle 9"/>
+          <p:cNvSpPr/>
+          <p:nvPr/>
+        </p:nvSpPr>
+        <p:spPr bwMode="auto">
+          <a:xfrm>
+            <a:off x="276336" y="0"/>
+            <a:ext cx="104664" cy="6858000"/>
+          </a:xfrm>
+          <a:prstGeom prst="rect">
+            <a:avLst/>
+          </a:prstGeom>
+          <a:solidFill>
+            <a:schemeClr val="accent1">
+              <a:tint val="40000"/>
+              <a:alpha val="36000"/>
+            </a:schemeClr>
+          </a:solidFill>
+          <a:ln w="38100" cap="rnd" cmpd="sng" algn="ctr">
+            <a:noFill/>
+            <a:prstDash val="solid"/>
+          </a:ln>
+          <a:effectLst/>
+        </p:spPr>
+        <p:style>
+          <a:lnRef idx="3">
+            <a:schemeClr val="lt1"/>
+          </a:lnRef>
+          <a:fillRef idx="1">
+            <a:schemeClr val="accent1"/>
+          </a:fillRef>
+          <a:effectRef idx="1">
+            <a:schemeClr val="accent1"/>
+          </a:effectRef>
+          <a:fontRef idx="minor">
+            <a:schemeClr val="lt1"/>
+          </a:fontRef>
+        </p:style>
+        <p:txBody>
+          <a:bodyPr anchor="ctr"/>
+          <a:lstStyle/>
+          <a:p>
+            <a:pPr algn="ctr" eaLnBrk="1" latinLnBrk="0" hangingPunct="1"/>
+            <a:endParaRPr kumimoji="0" lang="en-US"/>
+          </a:p>
+        </p:txBody>
+      </p:sp>
+      <p:sp>
+        <p:nvSpPr>
+          <p:cNvPr id="11" name="Rectangle 10"/>
+          <p:cNvSpPr/>
+          <p:nvPr/>
+        </p:nvSpPr>
+        <p:spPr bwMode="auto">
+          <a:xfrm>
+            <a:off x="990600" y="0"/>
+            <a:ext cx="181872" cy="6858000"/>
+          </a:xfrm>
+          <a:prstGeom prst="rect">
+            <a:avLst/>
+          </a:prstGeom>
+          <a:solidFill>
+            <a:schemeClr val="accent1">
+              <a:tint val="40000"/>
+              <a:alpha val="70000"/>
+            </a:schemeClr>
+          </a:solidFill>
+          <a:ln w="38100" cap="rnd" cmpd="sng" algn="ctr">
+            <a:noFill/>
+            <a:prstDash val="solid"/>
+          </a:ln>
+          <a:effectLst/>
+        </p:spPr>
+        <p:style>
+          <a:lnRef idx="3">
+            <a:schemeClr val="lt1"/>
+          </a:lnRef>
+          <a:fillRef idx="1">
+            <a:schemeClr val="accent1"/>
+          </a:fillRef>
+          <a:effectRef idx="1">
+            <a:schemeClr val="accent1"/>
+          </a:effectRef>
+          <a:fontRef idx="minor">
+            <a:schemeClr val="lt1"/>
+          </a:fontRef>
+        </p:style>
+        <p:txBody>
+          <a:bodyPr anchor="ctr"/>
+          <a:lstStyle/>
+          <a:p>
+            <a:pPr algn="ctr" eaLnBrk="1" latinLnBrk="0" hangingPunct="1"/>
+            <a:endParaRPr kumimoji="0" lang="en-US"/>
+          </a:p>
+        </p:txBody>
+      </p:sp>
+      <p:sp>
+        <p:nvSpPr>
+          <p:cNvPr id="12" name="Rectangle 11"/>
+          <p:cNvSpPr/>
+          <p:nvPr/>
+        </p:nvSpPr>
+        <p:spPr bwMode="auto">
+          <a:xfrm>
+            <a:off x="1141320" y="0"/>
+            <a:ext cx="230280" cy="6858000"/>
+          </a:xfrm>
+          <a:prstGeom prst="rect">
+            <a:avLst/>
+          </a:prstGeom>
+          <a:solidFill>
+            <a:schemeClr val="accent1">
+              <a:tint val="20000"/>
+              <a:alpha val="71000"/>
+            </a:schemeClr>
+          </a:solidFill>
+          <a:ln w="38100" cap="rnd" cmpd="sng" algn="ctr">
+            <a:noFill/>
+            <a:prstDash val="solid"/>
+          </a:ln>
+          <a:effectLst/>
+        </p:spPr>
+        <p:style>
+          <a:lnRef idx="3">
+            <a:schemeClr val="lt1"/>
+          </a:lnRef>
+          <a:fillRef idx="1">
+            <a:schemeClr val="accent1"/>
+          </a:fillRef>
+          <a:effectRef idx="1">
+            <a:schemeClr val="accent1"/>
+          </a:effectRef>
+          <a:fontRef idx="minor">
+            <a:schemeClr val="lt1"/>
+          </a:fontRef>
+        </p:style>
+        <p:txBody>
+          <a:bodyPr anchor="ctr"/>
+          <a:lstStyle/>
+          <a:p>
+            <a:pPr algn="ctr" eaLnBrk="1" latinLnBrk="0" hangingPunct="1"/>
+            <a:endParaRPr kumimoji="0" lang="en-US"/>
+          </a:p>
+        </p:txBody>
+      </p:sp>
+      <p:sp>
+        <p:nvSpPr>
+          <p:cNvPr id="13" name="Straight Connector 12"/>
+          <p:cNvSpPr>
+            <a:spLocks noChangeShapeType="1"/>
+          </p:cNvSpPr>
+          <p:nvPr/>
+        </p:nvSpPr>
+        <p:spPr bwMode="auto">
+          <a:xfrm>
+            <a:off x="106344" y="0"/>
+            <a:ext cx="0" cy="6858000"/>
+          </a:xfrm>
+          <a:prstGeom prst="line">
+            <a:avLst/>
+          </a:prstGeom>
+          <a:noFill/>
+          <a:ln w="57150" cap="flat" cmpd="sng" algn="ctr">
+            <a:solidFill>
+              <a:schemeClr val="accent1">
+                <a:tint val="60000"/>
+                <a:alpha val="73000"/>
+              </a:schemeClr>
+            </a:solidFill>
+            <a:prstDash val="solid"/>
+            <a:round/>
+            <a:headEnd type="none" w="med" len="med"/>
+            <a:tailEnd type="none" w="med" len="med"/>
+          </a:ln>
+          <a:effectLst/>
+        </p:spPr>
+        <p:txBody>
+          <a:bodyPr vert="horz" wrap="square" lIns="91440" tIns="45720" rIns="91440" bIns="45720" anchor="t" compatLnSpc="1"/>
+          <a:lstStyle/>
+          <a:p>
+            <a:endParaRPr kumimoji="0" lang="en-US"/>
+          </a:p>
+        </p:txBody>
+      </p:sp>
+      <p:sp>
+        <p:nvSpPr>
+          <p:cNvPr id="14" name="Straight Connector 13"/>
+          <p:cNvSpPr>
+            <a:spLocks noChangeShapeType="1"/>
+          </p:cNvSpPr>
+          <p:nvPr/>
+        </p:nvSpPr>
+        <p:spPr bwMode="auto">
+          <a:xfrm>
+            <a:off x="914400" y="0"/>
+            <a:ext cx="0" cy="6858000"/>
+          </a:xfrm>
+          <a:prstGeom prst="line">
+            <a:avLst/>
+          </a:prstGeom>
+          <a:noFill/>
+          <a:ln w="57150" cap="flat" cmpd="sng" algn="ctr">
+            <a:solidFill>
+              <a:schemeClr val="accent1">
+                <a:tint val="20000"/>
+                <a:alpha val="83000"/>
+              </a:schemeClr>
+            </a:solidFill>
+            <a:prstDash val="solid"/>
+            <a:round/>
+            <a:headEnd type="none" w="med" len="med"/>
+            <a:tailEnd type="none" w="med" len="med"/>
+          </a:ln>
+          <a:effectLst/>
+        </p:spPr>
+        <p:txBody>
+          <a:bodyPr vert="horz" wrap="square" lIns="91440" tIns="45720" rIns="91440" bIns="45720" anchor="t" compatLnSpc="1"/>
+          <a:lstStyle/>
+          <a:p>
+            <a:endParaRPr kumimoji="0" lang="en-US"/>
+          </a:p>
+        </p:txBody>
+      </p:sp>
+      <p:sp>
+        <p:nvSpPr>
+          <p:cNvPr id="15" name="Straight Connector 14"/>
+          <p:cNvSpPr>
+            <a:spLocks noChangeShapeType="1"/>
+          </p:cNvSpPr>
+          <p:nvPr/>
+        </p:nvSpPr>
+        <p:spPr bwMode="auto">
+          <a:xfrm>
+            <a:off x="854112" y="0"/>
+            <a:ext cx="0" cy="6858000"/>
+          </a:xfrm>
+          <a:prstGeom prst="line">
+            <a:avLst/>
+          </a:prstGeom>
+          <a:noFill/>
+          <a:ln w="57150" cap="flat" cmpd="sng" algn="ctr">
+            <a:solidFill>
+              <a:schemeClr val="accent1">
+                <a:tint val="60000"/>
+              </a:schemeClr>
+            </a:solidFill>
+            <a:prstDash val="solid"/>
+            <a:round/>
+            <a:headEnd type="none" w="med" len="med"/>
+            <a:tailEnd type="none" w="med" len="med"/>
+          </a:ln>
+          <a:effectLst/>
+        </p:spPr>
+        <p:txBody>
+          <a:bodyPr vert="horz" wrap="square" lIns="91440" tIns="45720" rIns="91440" bIns="45720" anchor="t" compatLnSpc="1"/>
+          <a:lstStyle/>
+          <a:p>
+            <a:endParaRPr kumimoji="0" lang="en-US"/>
+          </a:p>
+        </p:txBody>
+      </p:sp>
+      <p:sp>
+        <p:nvSpPr>
+          <p:cNvPr id="16" name="Straight Connector 15"/>
+          <p:cNvSpPr>
+            <a:spLocks noChangeShapeType="1"/>
+          </p:cNvSpPr>
+          <p:nvPr/>
+        </p:nvSpPr>
+        <p:spPr bwMode="auto">
+          <a:xfrm>
+            <a:off x="1726640" y="0"/>
+            <a:ext cx="0" cy="6858000"/>
+          </a:xfrm>
+          <a:prstGeom prst="line">
+            <a:avLst/>
+          </a:prstGeom>
+          <a:noFill/>
+          <a:ln w="28575" cap="flat" cmpd="sng" algn="ctr">
+            <a:solidFill>
+              <a:schemeClr val="accent1">
+                <a:tint val="60000"/>
+                <a:alpha val="82000"/>
+              </a:schemeClr>
+            </a:solidFill>
+            <a:prstDash val="solid"/>
+            <a:round/>
+            <a:headEnd type="none" w="med" len="med"/>
+            <a:tailEnd type="none" w="med" len="med"/>
+          </a:ln>
+          <a:effectLst/>
+        </p:spPr>
+        <p:txBody>
+          <a:bodyPr vert="horz" wrap="square" lIns="91440" tIns="45720" rIns="91440" bIns="45720" anchor="t" compatLnSpc="1"/>
+          <a:lstStyle/>
+          <a:p>
+            <a:endParaRPr kumimoji="0" lang="en-US"/>
+          </a:p>
+        </p:txBody>
+      </p:sp>
+      <p:sp>
+        <p:nvSpPr>
+          <p:cNvPr id="17" name="Straight Connector 16"/>
+          <p:cNvSpPr>
+            <a:spLocks noChangeShapeType="1"/>
+          </p:cNvSpPr>
+          <p:nvPr/>
+        </p:nvSpPr>
+        <p:spPr bwMode="auto">
+          <a:xfrm>
+            <a:off x="1066800" y="0"/>
+            <a:ext cx="0" cy="6858000"/>
+          </a:xfrm>
+          <a:prstGeom prst="line">
+            <a:avLst/>
+          </a:prstGeom>
+          <a:noFill/>
+          <a:ln w="9525" cap="flat" cmpd="sng" algn="ctr">
+            <a:solidFill>
+              <a:schemeClr val="accent1">
+                <a:tint val="60000"/>
+              </a:schemeClr>
+            </a:solidFill>
+            <a:prstDash val="solid"/>
+            <a:round/>
+            <a:headEnd type="none" w="med" len="med"/>
+            <a:tailEnd type="none" w="med" len="med"/>
+          </a:ln>
+          <a:effectLst/>
+        </p:spPr>
+        <p:txBody>
+          <a:bodyPr vert="horz" wrap="square" lIns="91440" tIns="45720" rIns="91440" bIns="45720" anchor="t" compatLnSpc="1"/>
+          <a:lstStyle/>
+          <a:p>
+            <a:endParaRPr kumimoji="0" lang="en-US"/>
+          </a:p>
+        </p:txBody>
+      </p:sp>
+      <p:sp>
+        <p:nvSpPr>
+          <p:cNvPr id="18" name="Rectangle 17"/>
+          <p:cNvSpPr/>
+          <p:nvPr/>
+        </p:nvSpPr>
+        <p:spPr bwMode="auto">
+          <a:xfrm>
+            <a:off x="1219200" y="0"/>
+            <a:ext cx="76200" cy="6858000"/>
+          </a:xfrm>
+          <a:prstGeom prst="rect">
+            <a:avLst/>
+          </a:prstGeom>
+          <a:solidFill>
+            <a:schemeClr val="accent1">
+              <a:tint val="60000"/>
+              <a:alpha val="51000"/>
+            </a:schemeClr>
+          </a:solidFill>
+          <a:ln w="38100" cap="rnd" cmpd="sng" algn="ctr">
+            <a:noFill/>
+            <a:prstDash val="solid"/>
+          </a:ln>
+          <a:effectLst/>
+        </p:spPr>
+        <p:style>
+          <a:lnRef idx="3">
+            <a:schemeClr val="lt1"/>
+          </a:lnRef>
+          <a:fillRef idx="1">
+            <a:schemeClr val="accent1"/>
+          </a:fillRef>
+          <a:effectRef idx="1">
+            <a:schemeClr val="accent1"/>
+          </a:effectRef>
+          <a:fontRef idx="minor">
+            <a:schemeClr val="lt1"/>
+          </a:fontRef>
+        </p:style>
+        <p:txBody>
+          <a:bodyPr anchor="ctr"/>
+          <a:lstStyle/>
+          <a:p>
+            <a:pPr algn="ctr" eaLnBrk="1" latinLnBrk="0" hangingPunct="1"/>
+            <a:endParaRPr kumimoji="0" lang="en-US" dirty="0"/>
+          </a:p>
+        </p:txBody>
+      </p:sp>
+      <p:sp>
+        <p:nvSpPr>
+          <p:cNvPr id="19" name="Oval 18"/>
+          <p:cNvSpPr/>
+          <p:nvPr/>
+        </p:nvSpPr>
+        <p:spPr bwMode="auto">
+          <a:xfrm>
+            <a:off x="609600" y="3429000"/>
+            <a:ext cx="1295400" cy="1295400"/>
+          </a:xfrm>
+          <a:prstGeom prst="ellipse">
+            <a:avLst/>
+          </a:prstGeom>
+          <a:ln w="38100" cap="rnd" cmpd="sng" algn="ctr">
+            <a:noFill/>
+            <a:prstDash val="solid"/>
+          </a:ln>
+          <a:effectLst/>
+        </p:spPr>
+        <p:style>
+          <a:lnRef idx="3">
+            <a:schemeClr val="lt1"/>
+          </a:lnRef>
+          <a:fillRef idx="1">
+            <a:schemeClr val="accent1"/>
+          </a:fillRef>
+          <a:effectRef idx="1">
+            <a:schemeClr val="accent1"/>
+          </a:effectRef>
+          <a:fontRef idx="minor">
+            <a:schemeClr val="lt1"/>
+          </a:fontRef>
+        </p:style>
+        <p:txBody>
+          <a:bodyPr anchor="ctr"/>
+          <a:lstStyle/>
+          <a:p>
+            <a:pPr algn="ctr" eaLnBrk="1" latinLnBrk="0" hangingPunct="1"/>
+            <a:endParaRPr kumimoji="0" lang="en-US" dirty="0"/>
+          </a:p>
+        </p:txBody>
+      </p:sp>
+      <p:sp>
+        <p:nvSpPr>
+          <p:cNvPr id="20" name="Oval 19"/>
+          <p:cNvSpPr/>
+          <p:nvPr/>
+        </p:nvSpPr>
+        <p:spPr bwMode="auto">
+          <a:xfrm>
+            <a:off x="1324704" y="4866752"/>
+            <a:ext cx="641424" cy="641424"/>
+          </a:xfrm>
+          <a:prstGeom prst="ellipse">
+            <a:avLst/>
+          </a:prstGeom>
+          <a:ln w="28575" cap="rnd" cmpd="sng" algn="ctr">
+            <a:noFill/>
+            <a:prstDash val="solid"/>
+          </a:ln>
+          <a:effectLst/>
+        </p:spPr>
+        <p:style>
+          <a:lnRef idx="3">
+            <a:schemeClr val="lt1"/>
+          </a:lnRef>
+          <a:fillRef idx="1">
+            <a:schemeClr val="accent1"/>
+          </a:fillRef>
+          <a:effectRef idx="1">
+            <a:schemeClr val="accent1"/>
+          </a:effectRef>
+          <a:fontRef idx="minor">
+            <a:schemeClr val="lt1"/>
+          </a:fontRef>
+        </p:style>
+        <p:txBody>
+          <a:bodyPr anchor="ctr"/>
+          <a:lstStyle/>
+          <a:p>
+            <a:pPr algn="ctr" eaLnBrk="1" latinLnBrk="0" hangingPunct="1"/>
+            <a:endParaRPr kumimoji="0" lang="en-US" dirty="0"/>
+          </a:p>
+        </p:txBody>
+      </p:sp>
+      <p:sp>
+        <p:nvSpPr>
+          <p:cNvPr id="21" name="Oval 20"/>
+          <p:cNvSpPr/>
+          <p:nvPr/>
+        </p:nvSpPr>
+        <p:spPr bwMode="auto">
+          <a:xfrm>
+            <a:off x="1091080" y="5500632"/>
+            <a:ext cx="137160" cy="137160"/>
+          </a:xfrm>
+          <a:prstGeom prst="ellipse">
+            <a:avLst/>
+          </a:prstGeom>
+          <a:ln w="12700" cap="rnd" cmpd="sng" algn="ctr">
+            <a:noFill/>
+            <a:prstDash val="solid"/>
+          </a:ln>
+          <a:effectLst/>
+        </p:spPr>
+        <p:style>
+          <a:lnRef idx="3">
+            <a:schemeClr val="lt1"/>
+          </a:lnRef>
+          <a:fillRef idx="1">
+            <a:schemeClr val="accent1"/>
+          </a:fillRef>
+          <a:effectRef idx="1">
+            <a:schemeClr val="accent1"/>
+          </a:effectRef>
+          <a:fontRef idx="minor">
+            <a:schemeClr val="lt1"/>
+          </a:fontRef>
+        </p:style>
+        <p:txBody>
+          <a:bodyPr anchor="ctr"/>
+          <a:lstStyle/>
+          <a:p>
+            <a:pPr algn="ctr" eaLnBrk="1" latinLnBrk="0" hangingPunct="1"/>
+            <a:endParaRPr kumimoji="0" lang="en-US" dirty="0"/>
+          </a:p>
+        </p:txBody>
+      </p:sp>
+      <p:sp>
+        <p:nvSpPr>
+          <p:cNvPr id="22" name="Oval 21"/>
+          <p:cNvSpPr/>
+          <p:nvPr/>
+        </p:nvSpPr>
+        <p:spPr bwMode="auto">
+          <a:xfrm>
+            <a:off x="1664208" y="5791200"/>
+            <a:ext cx="274320" cy="274320"/>
+          </a:xfrm>
+          <a:prstGeom prst="ellipse">
+            <a:avLst/>
+          </a:prstGeom>
+          <a:ln w="12700" cap="rnd" cmpd="sng" algn="ctr">
+            <a:noFill/>
+            <a:prstDash val="solid"/>
+          </a:ln>
+          <a:effectLst/>
+        </p:spPr>
+        <p:style>
+          <a:lnRef idx="3">
+            <a:schemeClr val="lt1"/>
+          </a:lnRef>
+          <a:fillRef idx="1">
+            <a:schemeClr val="accent1"/>
+          </a:fillRef>
+          <a:effectRef idx="1">
+            <a:schemeClr val="accent1"/>
+          </a:effectRef>
+          <a:fontRef idx="minor">
+            <a:schemeClr val="lt1"/>
+          </a:fontRef>
+        </p:style>
+        <p:txBody>
+          <a:bodyPr anchor="ctr"/>
+          <a:lstStyle/>
+          <a:p>
+            <a:pPr algn="ctr" eaLnBrk="1" latinLnBrk="0" hangingPunct="1"/>
+            <a:endParaRPr kumimoji="0" lang="en-US" dirty="0"/>
+          </a:p>
+        </p:txBody>
+      </p:sp>
+      <p:sp>
+        <p:nvSpPr>
+          <p:cNvPr id="23" name="Oval 22"/>
+          <p:cNvSpPr/>
+          <p:nvPr/>
+        </p:nvSpPr>
+        <p:spPr bwMode="auto">
+          <a:xfrm>
+            <a:off x="1879040" y="4479888"/>
+            <a:ext cx="365760" cy="365760"/>
+          </a:xfrm>
+          <a:prstGeom prst="ellipse">
+            <a:avLst/>
+          </a:prstGeom>
+          <a:ln w="28575" cap="rnd" cmpd="sng" algn="ctr">
+            <a:noFill/>
+            <a:prstDash val="solid"/>
+          </a:ln>
+          <a:effectLst/>
+        </p:spPr>
+        <p:style>
+          <a:lnRef idx="3">
+            <a:schemeClr val="lt1"/>
+          </a:lnRef>
+          <a:fillRef idx="1">
+            <a:schemeClr val="accent1"/>
+          </a:fillRef>
+          <a:effectRef idx="1">
+            <a:schemeClr val="accent1"/>
+          </a:effectRef>
+          <a:fontRef idx="minor">
+            <a:schemeClr val="lt1"/>
+          </a:fontRef>
+        </p:style>
+        <p:txBody>
+          <a:bodyPr anchor="ctr"/>
+          <a:lstStyle/>
+          <a:p>
+            <a:pPr algn="ctr" eaLnBrk="1" latinLnBrk="0" hangingPunct="1"/>
+            <a:endParaRPr kumimoji="0" lang="en-US" dirty="0"/>
+          </a:p>
+        </p:txBody>
+      </p:sp>
+      <p:sp>
+        <p:nvSpPr>
+          <p:cNvPr id="26" name="Straight Connector 25"/>
+          <p:cNvSpPr>
+            <a:spLocks noChangeShapeType="1"/>
+          </p:cNvSpPr>
+          <p:nvPr/>
+        </p:nvSpPr>
+        <p:spPr bwMode="auto">
+          <a:xfrm>
+            <a:off x="9097944" y="0"/>
+            <a:ext cx="0" cy="6858000"/>
+          </a:xfrm>
+          <a:prstGeom prst="line">
+            <a:avLst/>
+          </a:prstGeom>
+          <a:noFill/>
+          <a:ln w="57150" cap="flat" cmpd="thickThin" algn="ctr">
+            <a:solidFill>
+              <a:schemeClr val="accent1">
+                <a:tint val="60000"/>
+              </a:schemeClr>
+            </a:solidFill>
+            <a:prstDash val="solid"/>
+            <a:round/>
+            <a:headEnd type="none" w="med" len="med"/>
+            <a:tailEnd type="none" w="med" len="med"/>
+          </a:ln>
+          <a:effectLst/>
+        </p:spPr>
+        <p:txBody>
+          <a:bodyPr vert="horz" wrap="square" lIns="91440" tIns="45720" rIns="91440" bIns="45720" anchor="t" compatLnSpc="1"/>
+          <a:lstStyle/>
+          <a:p>
+            <a:endParaRPr kumimoji="0" lang="en-US"/>
+          </a:p>
+        </p:txBody>
+      </p:sp>
+      <p:sp>
+        <p:nvSpPr>
           <p:cNvPr id="6" name="Slide Number Placeholder 5"/>
           <p:cNvSpPr>
             <a:spLocks noGrp="1"/>
@@ -2082,7 +3587,12 @@
             <p:ph type="sldNum" sz="quarter" idx="12"/>
           </p:nvPr>
         </p:nvSpPr>
-        <p:spPr/>
+        <p:spPr bwMode="auto">
+          <a:xfrm>
+            <a:off x="1340616" y="4928702"/>
+            <a:ext cx="609600" cy="517524"/>
+          </a:xfrm>
+        </p:spPr>
         <p:txBody>
           <a:bodyPr/>
           <a:lstStyle/>
@@ -2099,7 +3609,7 @@
     </p:spTree>
   </p:cSld>
   <p:clrMapOvr>
-    <a:masterClrMapping/>
+    <a:overrideClrMapping bg1="dk1" tx1="lt1" bg2="dk2" tx2="lt2" accent1="accent1" accent2="accent2" accent3="accent3" accent4="accent4" accent5="accent5" accent6="accent6" hlink="hlink" folHlink="folHlink"/>
   </p:clrMapOvr>
 </p:sldLayout>
 </file>
@@ -2137,180 +3647,10 @@
           <a:lstStyle/>
           <a:p>
             <a:r>
-              <a:rPr lang="en-US" smtClean="0"/>
+              <a:rPr kumimoji="0" lang="en-US" smtClean="0"/>
               <a:t>Click to edit Master title style</a:t>
             </a:r>
-            <a:endParaRPr lang="en-US"/>
-          </a:p>
-        </p:txBody>
-      </p:sp>
-      <p:sp>
-        <p:nvSpPr>
-          <p:cNvPr id="3" name="Content Placeholder 2"/>
-          <p:cNvSpPr>
-            <a:spLocks noGrp="1"/>
-          </p:cNvSpPr>
-          <p:nvPr>
-            <p:ph sz="half" idx="1"/>
-          </p:nvPr>
-        </p:nvSpPr>
-        <p:spPr>
-          <a:xfrm>
-            <a:off x="457200" y="1600200"/>
-            <a:ext cx="4038600" cy="4525963"/>
-          </a:xfrm>
-        </p:spPr>
-        <p:txBody>
-          <a:bodyPr/>
-          <a:lstStyle>
-            <a:lvl1pPr>
-              <a:defRPr sz="2800"/>
-            </a:lvl1pPr>
-            <a:lvl2pPr>
-              <a:defRPr sz="2400"/>
-            </a:lvl2pPr>
-            <a:lvl3pPr>
-              <a:defRPr sz="2000"/>
-            </a:lvl3pPr>
-            <a:lvl4pPr>
-              <a:defRPr sz="1800"/>
-            </a:lvl4pPr>
-            <a:lvl5pPr>
-              <a:defRPr sz="1800"/>
-            </a:lvl5pPr>
-            <a:lvl6pPr>
-              <a:defRPr sz="1800"/>
-            </a:lvl6pPr>
-            <a:lvl7pPr>
-              <a:defRPr sz="1800"/>
-            </a:lvl7pPr>
-            <a:lvl8pPr>
-              <a:defRPr sz="1800"/>
-            </a:lvl8pPr>
-            <a:lvl9pPr>
-              <a:defRPr sz="1800"/>
-            </a:lvl9pPr>
-          </a:lstStyle>
-          <a:p>
-            <a:pPr lvl="0"/>
-            <a:r>
-              <a:rPr lang="en-US" smtClean="0"/>
-              <a:t>Click to edit Master text styles</a:t>
-            </a:r>
-          </a:p>
-          <a:p>
-            <a:pPr lvl="1"/>
-            <a:r>
-              <a:rPr lang="en-US" smtClean="0"/>
-              <a:t>Second level</a:t>
-            </a:r>
-          </a:p>
-          <a:p>
-            <a:pPr lvl="2"/>
-            <a:r>
-              <a:rPr lang="en-US" smtClean="0"/>
-              <a:t>Third level</a:t>
-            </a:r>
-          </a:p>
-          <a:p>
-            <a:pPr lvl="3"/>
-            <a:r>
-              <a:rPr lang="en-US" smtClean="0"/>
-              <a:t>Fourth level</a:t>
-            </a:r>
-          </a:p>
-          <a:p>
-            <a:pPr lvl="4"/>
-            <a:r>
-              <a:rPr lang="en-US" smtClean="0"/>
-              <a:t>Fifth level</a:t>
-            </a:r>
-            <a:endParaRPr lang="en-US"/>
-          </a:p>
-        </p:txBody>
-      </p:sp>
-      <p:sp>
-        <p:nvSpPr>
-          <p:cNvPr id="4" name="Content Placeholder 3"/>
-          <p:cNvSpPr>
-            <a:spLocks noGrp="1"/>
-          </p:cNvSpPr>
-          <p:nvPr>
-            <p:ph sz="half" idx="2"/>
-          </p:nvPr>
-        </p:nvSpPr>
-        <p:spPr>
-          <a:xfrm>
-            <a:off x="4648200" y="1600200"/>
-            <a:ext cx="4038600" cy="4525963"/>
-          </a:xfrm>
-        </p:spPr>
-        <p:txBody>
-          <a:bodyPr/>
-          <a:lstStyle>
-            <a:lvl1pPr>
-              <a:defRPr sz="2800"/>
-            </a:lvl1pPr>
-            <a:lvl2pPr>
-              <a:defRPr sz="2400"/>
-            </a:lvl2pPr>
-            <a:lvl3pPr>
-              <a:defRPr sz="2000"/>
-            </a:lvl3pPr>
-            <a:lvl4pPr>
-              <a:defRPr sz="1800"/>
-            </a:lvl4pPr>
-            <a:lvl5pPr>
-              <a:defRPr sz="1800"/>
-            </a:lvl5pPr>
-            <a:lvl6pPr>
-              <a:defRPr sz="1800"/>
-            </a:lvl6pPr>
-            <a:lvl7pPr>
-              <a:defRPr sz="1800"/>
-            </a:lvl7pPr>
-            <a:lvl8pPr>
-              <a:defRPr sz="1800"/>
-            </a:lvl8pPr>
-            <a:lvl9pPr>
-              <a:defRPr sz="1800"/>
-            </a:lvl9pPr>
-          </a:lstStyle>
-          <a:p>
-            <a:pPr lvl="0"/>
-            <a:r>
-              <a:rPr lang="en-US" smtClean="0"/>
-              <a:t>Click to edit Master text styles</a:t>
-            </a:r>
-          </a:p>
-          <a:p>
-            <a:pPr lvl="1"/>
-            <a:r>
-              <a:rPr lang="en-US" smtClean="0"/>
-              <a:t>Second level</a:t>
-            </a:r>
-          </a:p>
-          <a:p>
-            <a:pPr lvl="2"/>
-            <a:r>
-              <a:rPr lang="en-US" smtClean="0"/>
-              <a:t>Third level</a:t>
-            </a:r>
-          </a:p>
-          <a:p>
-            <a:pPr lvl="3"/>
-            <a:r>
-              <a:rPr lang="en-US" smtClean="0"/>
-              <a:t>Fourth level</a:t>
-            </a:r>
-          </a:p>
-          <a:p>
-            <a:pPr lvl="4"/>
-            <a:r>
-              <a:rPr lang="en-US" smtClean="0"/>
-              <a:t>Fifth level</a:t>
-            </a:r>
-            <a:endParaRPr lang="en-US"/>
+            <a:endParaRPr kumimoji="0" lang="en-US"/>
           </a:p>
         </p:txBody>
       </p:sp>
@@ -2378,6 +3718,120 @@
               <a:t>‹#›</a:t>
             </a:fld>
             <a:endParaRPr lang="en-US"/>
+          </a:p>
+        </p:txBody>
+      </p:sp>
+      <p:sp>
+        <p:nvSpPr>
+          <p:cNvPr id="9" name="Content Placeholder 8"/>
+          <p:cNvSpPr>
+            <a:spLocks noGrp="1"/>
+          </p:cNvSpPr>
+          <p:nvPr>
+            <p:ph sz="quarter" idx="1"/>
+          </p:nvPr>
+        </p:nvSpPr>
+        <p:spPr>
+          <a:xfrm>
+            <a:off x="457200" y="1600200"/>
+            <a:ext cx="3657600" cy="4572000"/>
+          </a:xfrm>
+        </p:spPr>
+        <p:txBody>
+          <a:bodyPr/>
+          <a:lstStyle/>
+          <a:p>
+            <a:pPr lvl="0" eaLnBrk="1" latinLnBrk="0" hangingPunct="1"/>
+            <a:r>
+              <a:rPr lang="en-US" smtClean="0"/>
+              <a:t>Click to edit Master text styles</a:t>
+            </a:r>
+          </a:p>
+          <a:p>
+            <a:pPr lvl="1" eaLnBrk="1" latinLnBrk="0" hangingPunct="1"/>
+            <a:r>
+              <a:rPr lang="en-US" smtClean="0"/>
+              <a:t>Second level</a:t>
+            </a:r>
+          </a:p>
+          <a:p>
+            <a:pPr lvl="2" eaLnBrk="1" latinLnBrk="0" hangingPunct="1"/>
+            <a:r>
+              <a:rPr lang="en-US" smtClean="0"/>
+              <a:t>Third level</a:t>
+            </a:r>
+          </a:p>
+          <a:p>
+            <a:pPr lvl="3" eaLnBrk="1" latinLnBrk="0" hangingPunct="1"/>
+            <a:r>
+              <a:rPr lang="en-US" smtClean="0"/>
+              <a:t>Fourth level</a:t>
+            </a:r>
+          </a:p>
+          <a:p>
+            <a:pPr lvl="4" eaLnBrk="1" latinLnBrk="0" hangingPunct="1"/>
+            <a:r>
+              <a:rPr lang="en-US" smtClean="0"/>
+              <a:t>Fifth level</a:t>
+            </a:r>
+            <a:endParaRPr kumimoji="0" lang="en-US"/>
+          </a:p>
+        </p:txBody>
+      </p:sp>
+      <p:sp>
+        <p:nvSpPr>
+          <p:cNvPr id="11" name="Content Placeholder 10"/>
+          <p:cNvSpPr>
+            <a:spLocks noGrp="1"/>
+          </p:cNvSpPr>
+          <p:nvPr>
+            <p:ph sz="quarter" idx="2"/>
+          </p:nvPr>
+        </p:nvSpPr>
+        <p:spPr>
+          <a:xfrm>
+            <a:off x="4270248" y="1600200"/>
+            <a:ext cx="3657600" cy="4572000"/>
+          </a:xfrm>
+        </p:spPr>
+        <p:txBody>
+          <a:bodyPr/>
+          <a:lstStyle/>
+          <a:p>
+            <a:pPr lvl="0" eaLnBrk="1" latinLnBrk="0" hangingPunct="1"/>
+            <a:r>
+              <a:rPr lang="en-US" smtClean="0"/>
+              <a:t>Click to edit Master text styles</a:t>
+            </a:r>
+          </a:p>
+          <a:p>
+            <a:pPr lvl="1" eaLnBrk="1" latinLnBrk="0" hangingPunct="1"/>
+            <a:r>
+              <a:rPr lang="en-US" smtClean="0"/>
+              <a:t>Second level</a:t>
+            </a:r>
+          </a:p>
+          <a:p>
+            <a:pPr lvl="2" eaLnBrk="1" latinLnBrk="0" hangingPunct="1"/>
+            <a:r>
+              <a:rPr lang="en-US" smtClean="0"/>
+              <a:t>Third level</a:t>
+            </a:r>
+          </a:p>
+          <a:p>
+            <a:pPr lvl="3" eaLnBrk="1" latinLnBrk="0" hangingPunct="1"/>
+            <a:r>
+              <a:rPr lang="en-US" smtClean="0"/>
+              <a:t>Fourth level</a:t>
+            </a:r>
+          </a:p>
+          <a:p>
+            <a:pPr lvl="4" eaLnBrk="1" latinLnBrk="0" hangingPunct="1"/>
+            <a:r>
+              <a:rPr lang="en-US" smtClean="0"/>
+              <a:t>Fifth level</a:t>
+            </a:r>
+            <a:endParaRPr kumimoji="0" lang="en-US"/>
           </a:p>
         </p:txBody>
       </p:sp>
@@ -2416,9 +3870,14 @@
             <p:ph type="title"/>
           </p:nvPr>
         </p:nvSpPr>
-        <p:spPr/>
-        <p:txBody>
-          <a:bodyPr/>
+        <p:spPr>
+          <a:xfrm>
+            <a:off x="457200" y="273050"/>
+            <a:ext cx="7543800" cy="1143000"/>
+          </a:xfrm>
+        </p:spPr>
+        <p:txBody>
+          <a:bodyPr anchor="b"/>
           <a:lstStyle>
             <a:lvl1pPr>
               <a:defRPr/>
@@ -2426,310 +3885,10 @@
           </a:lstStyle>
           <a:p>
             <a:r>
-              <a:rPr lang="en-US" smtClean="0"/>
+              <a:rPr kumimoji="0" lang="en-US" smtClean="0"/>
               <a:t>Click to edit Master title style</a:t>
             </a:r>
-            <a:endParaRPr lang="en-US"/>
-          </a:p>
-        </p:txBody>
-      </p:sp>
-      <p:sp>
-        <p:nvSpPr>
-          <p:cNvPr id="3" name="Text Placeholder 2"/>
-          <p:cNvSpPr>
-            <a:spLocks noGrp="1"/>
-          </p:cNvSpPr>
-          <p:nvPr>
-            <p:ph type="body" idx="1"/>
-          </p:nvPr>
-        </p:nvSpPr>
-        <p:spPr>
-          <a:xfrm>
-            <a:off x="457200" y="1535113"/>
-            <a:ext cx="4040188" cy="639762"/>
-          </a:xfrm>
-        </p:spPr>
-        <p:txBody>
-          <a:bodyPr anchor="b"/>
-          <a:lstStyle>
-            <a:lvl1pPr marL="0" indent="0">
-              <a:buNone/>
-              <a:defRPr sz="2400" b="1"/>
-            </a:lvl1pPr>
-            <a:lvl2pPr marL="457200" indent="0">
-              <a:buNone/>
-              <a:defRPr sz="2000" b="1"/>
-            </a:lvl2pPr>
-            <a:lvl3pPr marL="914400" indent="0">
-              <a:buNone/>
-              <a:defRPr sz="1800" b="1"/>
-            </a:lvl3pPr>
-            <a:lvl4pPr marL="1371600" indent="0">
-              <a:buNone/>
-              <a:defRPr sz="1600" b="1"/>
-            </a:lvl4pPr>
-            <a:lvl5pPr marL="1828800" indent="0">
-              <a:buNone/>
-              <a:defRPr sz="1600" b="1"/>
-            </a:lvl5pPr>
-            <a:lvl6pPr marL="2286000" indent="0">
-              <a:buNone/>
-              <a:defRPr sz="1600" b="1"/>
-            </a:lvl6pPr>
-            <a:lvl7pPr marL="2743200" indent="0">
-              <a:buNone/>
-              <a:defRPr sz="1600" b="1"/>
-            </a:lvl7pPr>
-            <a:lvl8pPr marL="3200400" indent="0">
-              <a:buNone/>
-              <a:defRPr sz="1600" b="1"/>
-            </a:lvl8pPr>
-            <a:lvl9pPr marL="3657600" indent="0">
-              <a:buNone/>
-              <a:defRPr sz="1600" b="1"/>
-            </a:lvl9pPr>
-          </a:lstStyle>
-          <a:p>
-            <a:pPr lvl="0"/>
-            <a:r>
-              <a:rPr lang="en-US" smtClean="0"/>
-              <a:t>Click to edit Master text styles</a:t>
-            </a:r>
-          </a:p>
-        </p:txBody>
-      </p:sp>
-      <p:sp>
-        <p:nvSpPr>
-          <p:cNvPr id="4" name="Content Placeholder 3"/>
-          <p:cNvSpPr>
-            <a:spLocks noGrp="1"/>
-          </p:cNvSpPr>
-          <p:nvPr>
-            <p:ph sz="half" idx="2"/>
-          </p:nvPr>
-        </p:nvSpPr>
-        <p:spPr>
-          <a:xfrm>
-            <a:off x="457200" y="2174875"/>
-            <a:ext cx="4040188" cy="3951288"/>
-          </a:xfrm>
-        </p:spPr>
-        <p:txBody>
-          <a:bodyPr/>
-          <a:lstStyle>
-            <a:lvl1pPr>
-              <a:defRPr sz="2400"/>
-            </a:lvl1pPr>
-            <a:lvl2pPr>
-              <a:defRPr sz="2000"/>
-            </a:lvl2pPr>
-            <a:lvl3pPr>
-              <a:defRPr sz="1800"/>
-            </a:lvl3pPr>
-            <a:lvl4pPr>
-              <a:defRPr sz="1600"/>
-            </a:lvl4pPr>
-            <a:lvl5pPr>
-              <a:defRPr sz="1600"/>
-            </a:lvl5pPr>
-            <a:lvl6pPr>
-              <a:defRPr sz="1600"/>
-            </a:lvl6pPr>
-            <a:lvl7pPr>
-              <a:defRPr sz="1600"/>
-            </a:lvl7pPr>
-            <a:lvl8pPr>
-              <a:defRPr sz="1600"/>
-            </a:lvl8pPr>
-            <a:lvl9pPr>
-              <a:defRPr sz="1600"/>
-            </a:lvl9pPr>
-          </a:lstStyle>
-          <a:p>
-            <a:pPr lvl="0"/>
-            <a:r>
-              <a:rPr lang="en-US" smtClean="0"/>
-              <a:t>Click to edit Master text styles</a:t>
-            </a:r>
-          </a:p>
-          <a:p>
-            <a:pPr lvl="1"/>
-            <a:r>
-              <a:rPr lang="en-US" smtClean="0"/>
-              <a:t>Second level</a:t>
-            </a:r>
-          </a:p>
-          <a:p>
-            <a:pPr lvl="2"/>
-            <a:r>
-              <a:rPr lang="en-US" smtClean="0"/>
-              <a:t>Third level</a:t>
-            </a:r>
-          </a:p>
-          <a:p>
-            <a:pPr lvl="3"/>
-            <a:r>
-              <a:rPr lang="en-US" smtClean="0"/>
-              <a:t>Fourth level</a:t>
-            </a:r>
-          </a:p>
-          <a:p>
-            <a:pPr lvl="4"/>
-            <a:r>
-              <a:rPr lang="en-US" smtClean="0"/>
-              <a:t>Fifth level</a:t>
-            </a:r>
-            <a:endParaRPr lang="en-US"/>
-          </a:p>
-        </p:txBody>
-      </p:sp>
-      <p:sp>
-        <p:nvSpPr>
-          <p:cNvPr id="5" name="Text Placeholder 4"/>
-          <p:cNvSpPr>
-            <a:spLocks noGrp="1"/>
-          </p:cNvSpPr>
-          <p:nvPr>
-            <p:ph type="body" sz="quarter" idx="3"/>
-          </p:nvPr>
-        </p:nvSpPr>
-        <p:spPr>
-          <a:xfrm>
-            <a:off x="4645025" y="1535113"/>
-            <a:ext cx="4041775" cy="639762"/>
-          </a:xfrm>
-        </p:spPr>
-        <p:txBody>
-          <a:bodyPr anchor="b"/>
-          <a:lstStyle>
-            <a:lvl1pPr marL="0" indent="0">
-              <a:buNone/>
-              <a:defRPr sz="2400" b="1"/>
-            </a:lvl1pPr>
-            <a:lvl2pPr marL="457200" indent="0">
-              <a:buNone/>
-              <a:defRPr sz="2000" b="1"/>
-            </a:lvl2pPr>
-            <a:lvl3pPr marL="914400" indent="0">
-              <a:buNone/>
-              <a:defRPr sz="1800" b="1"/>
-            </a:lvl3pPr>
-            <a:lvl4pPr marL="1371600" indent="0">
-              <a:buNone/>
-              <a:defRPr sz="1600" b="1"/>
-            </a:lvl4pPr>
-            <a:lvl5pPr marL="1828800" indent="0">
-              <a:buNone/>
-              <a:defRPr sz="1600" b="1"/>
-            </a:lvl5pPr>
-            <a:lvl6pPr marL="2286000" indent="0">
-              <a:buNone/>
-              <a:defRPr sz="1600" b="1"/>
-            </a:lvl6pPr>
-            <a:lvl7pPr marL="2743200" indent="0">
-              <a:buNone/>
-              <a:defRPr sz="1600" b="1"/>
-            </a:lvl7pPr>
-            <a:lvl8pPr marL="3200400" indent="0">
-              <a:buNone/>
-              <a:defRPr sz="1600" b="1"/>
-            </a:lvl8pPr>
-            <a:lvl9pPr marL="3657600" indent="0">
-              <a:buNone/>
-              <a:defRPr sz="1600" b="1"/>
-            </a:lvl9pPr>
-          </a:lstStyle>
-          <a:p>
-            <a:pPr lvl="0"/>
-            <a:r>
-              <a:rPr lang="en-US" smtClean="0"/>
-              <a:t>Click to edit Master text styles</a:t>
-            </a:r>
-          </a:p>
-        </p:txBody>
-      </p:sp>
-      <p:sp>
-        <p:nvSpPr>
-          <p:cNvPr id="6" name="Content Placeholder 5"/>
-          <p:cNvSpPr>
-            <a:spLocks noGrp="1"/>
-          </p:cNvSpPr>
-          <p:nvPr>
-            <p:ph sz="quarter" idx="4"/>
-          </p:nvPr>
-        </p:nvSpPr>
-        <p:spPr>
-          <a:xfrm>
-            <a:off x="4645025" y="2174875"/>
-            <a:ext cx="4041775" cy="3951288"/>
-          </a:xfrm>
-        </p:spPr>
-        <p:txBody>
-          <a:bodyPr/>
-          <a:lstStyle>
-            <a:lvl1pPr>
-              <a:defRPr sz="2400"/>
-            </a:lvl1pPr>
-            <a:lvl2pPr>
-              <a:defRPr sz="2000"/>
-            </a:lvl2pPr>
-            <a:lvl3pPr>
-              <a:defRPr sz="1800"/>
-            </a:lvl3pPr>
-            <a:lvl4pPr>
-              <a:defRPr sz="1600"/>
-            </a:lvl4pPr>
-            <a:lvl5pPr>
-              <a:defRPr sz="1600"/>
-            </a:lvl5pPr>
-            <a:lvl6pPr>
-              <a:defRPr sz="1600"/>
-            </a:lvl6pPr>
-            <a:lvl7pPr>
-              <a:defRPr sz="1600"/>
-            </a:lvl7pPr>
-            <a:lvl8pPr>
-              <a:defRPr sz="1600"/>
-            </a:lvl8pPr>
-            <a:lvl9pPr>
-              <a:defRPr sz="1600"/>
-            </a:lvl9pPr>
-          </a:lstStyle>
-          <a:p>
-            <a:pPr lvl="0"/>
-            <a:r>
-              <a:rPr lang="en-US" smtClean="0"/>
-              <a:t>Click to edit Master text styles</a:t>
-            </a:r>
-          </a:p>
-          <a:p>
-            <a:pPr lvl="1"/>
-            <a:r>
-              <a:rPr lang="en-US" smtClean="0"/>
-              <a:t>Second level</a:t>
-            </a:r>
-          </a:p>
-          <a:p>
-            <a:pPr lvl="2"/>
-            <a:r>
-              <a:rPr lang="en-US" smtClean="0"/>
-              <a:t>Third level</a:t>
-            </a:r>
-          </a:p>
-          <a:p>
-            <a:pPr lvl="3"/>
-            <a:r>
-              <a:rPr lang="en-US" smtClean="0"/>
-              <a:t>Fourth level</a:t>
-            </a:r>
-          </a:p>
-          <a:p>
-            <a:pPr lvl="4"/>
-            <a:r>
-              <a:rPr lang="en-US" smtClean="0"/>
-              <a:t>Fifth level</a:t>
-            </a:r>
-            <a:endParaRPr lang="en-US"/>
+            <a:endParaRPr kumimoji="0" lang="en-US"/>
           </a:p>
         </p:txBody>
       </p:sp>
@@ -2797,6 +3956,216 @@
               <a:t>‹#›</a:t>
             </a:fld>
             <a:endParaRPr lang="en-US"/>
+          </a:p>
+        </p:txBody>
+      </p:sp>
+      <p:sp>
+        <p:nvSpPr>
+          <p:cNvPr id="11" name="Content Placeholder 10"/>
+          <p:cNvSpPr>
+            <a:spLocks noGrp="1"/>
+          </p:cNvSpPr>
+          <p:nvPr>
+            <p:ph sz="quarter" idx="2"/>
+          </p:nvPr>
+        </p:nvSpPr>
+        <p:spPr>
+          <a:xfrm>
+            <a:off x="457200" y="2362200"/>
+            <a:ext cx="3657600" cy="3886200"/>
+          </a:xfrm>
+        </p:spPr>
+        <p:txBody>
+          <a:bodyPr/>
+          <a:lstStyle/>
+          <a:p>
+            <a:pPr lvl="0" eaLnBrk="1" latinLnBrk="0" hangingPunct="1"/>
+            <a:r>
+              <a:rPr lang="en-US" smtClean="0"/>
+              <a:t>Click to edit Master text styles</a:t>
+            </a:r>
+          </a:p>
+          <a:p>
+            <a:pPr lvl="1" eaLnBrk="1" latinLnBrk="0" hangingPunct="1"/>
+            <a:r>
+              <a:rPr lang="en-US" smtClean="0"/>
+              <a:t>Second level</a:t>
+            </a:r>
+          </a:p>
+          <a:p>
+            <a:pPr lvl="2" eaLnBrk="1" latinLnBrk="0" hangingPunct="1"/>
+            <a:r>
+              <a:rPr lang="en-US" smtClean="0"/>
+              <a:t>Third level</a:t>
+            </a:r>
+          </a:p>
+          <a:p>
+            <a:pPr lvl="3" eaLnBrk="1" latinLnBrk="0" hangingPunct="1"/>
+            <a:r>
+              <a:rPr lang="en-US" smtClean="0"/>
+              <a:t>Fourth level</a:t>
+            </a:r>
+          </a:p>
+          <a:p>
+            <a:pPr lvl="4" eaLnBrk="1" latinLnBrk="0" hangingPunct="1"/>
+            <a:r>
+              <a:rPr lang="en-US" smtClean="0"/>
+              <a:t>Fifth level</a:t>
+            </a:r>
+            <a:endParaRPr kumimoji="0" lang="en-US"/>
+          </a:p>
+        </p:txBody>
+      </p:sp>
+      <p:sp>
+        <p:nvSpPr>
+          <p:cNvPr id="13" name="Content Placeholder 12"/>
+          <p:cNvSpPr>
+            <a:spLocks noGrp="1"/>
+          </p:cNvSpPr>
+          <p:nvPr>
+            <p:ph sz="quarter" idx="4"/>
+          </p:nvPr>
+        </p:nvSpPr>
+        <p:spPr>
+          <a:xfrm>
+            <a:off x="4371975" y="2362200"/>
+            <a:ext cx="3657600" cy="3886200"/>
+          </a:xfrm>
+        </p:spPr>
+        <p:txBody>
+          <a:bodyPr/>
+          <a:lstStyle/>
+          <a:p>
+            <a:pPr lvl="0" eaLnBrk="1" latinLnBrk="0" hangingPunct="1"/>
+            <a:r>
+              <a:rPr lang="en-US" smtClean="0"/>
+              <a:t>Click to edit Master text styles</a:t>
+            </a:r>
+          </a:p>
+          <a:p>
+            <a:pPr lvl="1" eaLnBrk="1" latinLnBrk="0" hangingPunct="1"/>
+            <a:r>
+              <a:rPr lang="en-US" smtClean="0"/>
+              <a:t>Second level</a:t>
+            </a:r>
+          </a:p>
+          <a:p>
+            <a:pPr lvl="2" eaLnBrk="1" latinLnBrk="0" hangingPunct="1"/>
+            <a:r>
+              <a:rPr lang="en-US" smtClean="0"/>
+              <a:t>Third level</a:t>
+            </a:r>
+          </a:p>
+          <a:p>
+            <a:pPr lvl="3" eaLnBrk="1" latinLnBrk="0" hangingPunct="1"/>
+            <a:r>
+              <a:rPr lang="en-US" smtClean="0"/>
+              <a:t>Fourth level</a:t>
+            </a:r>
+          </a:p>
+          <a:p>
+            <a:pPr lvl="4" eaLnBrk="1" latinLnBrk="0" hangingPunct="1"/>
+            <a:r>
+              <a:rPr lang="en-US" smtClean="0"/>
+              <a:t>Fifth level</a:t>
+            </a:r>
+            <a:endParaRPr kumimoji="0" lang="en-US"/>
+          </a:p>
+        </p:txBody>
+      </p:sp>
+      <p:sp>
+        <p:nvSpPr>
+          <p:cNvPr id="12" name="Text Placeholder 11"/>
+          <p:cNvSpPr>
+            <a:spLocks noGrp="1"/>
+          </p:cNvSpPr>
+          <p:nvPr>
+            <p:ph type="body" sz="quarter" idx="1"/>
+          </p:nvPr>
+        </p:nvSpPr>
+        <p:spPr>
+          <a:xfrm>
+            <a:off x="457200" y="1569720"/>
+            <a:ext cx="3657600" cy="658368"/>
+          </a:xfrm>
+          <a:prstGeom prst="roundRect">
+            <a:avLst>
+              <a:gd name="adj" fmla="val 16667"/>
+            </a:avLst>
+          </a:prstGeom>
+          <a:solidFill>
+            <a:schemeClr val="accent1"/>
+          </a:solidFill>
+        </p:spPr>
+        <p:txBody>
+          <a:bodyPr rtlCol="0" anchor="ctr">
+            <a:noAutofit/>
+          </a:bodyPr>
+          <a:lstStyle>
+            <a:lvl1pPr marL="0" indent="0">
+              <a:buFontTx/>
+              <a:buNone/>
+              <a:defRPr sz="2000" b="1">
+                <a:solidFill>
+                  <a:srgbClr val="FFFFFF"/>
+                </a:solidFill>
+              </a:defRPr>
+            </a:lvl1pPr>
+          </a:lstStyle>
+          <a:p>
+            <a:pPr lvl="0" eaLnBrk="1" latinLnBrk="0" hangingPunct="1"/>
+            <a:r>
+              <a:rPr kumimoji="0" lang="en-US" smtClean="0"/>
+              <a:t>Click to edit Master text styles</a:t>
+            </a:r>
+          </a:p>
+        </p:txBody>
+      </p:sp>
+      <p:sp>
+        <p:nvSpPr>
+          <p:cNvPr id="14" name="Text Placeholder 13"/>
+          <p:cNvSpPr>
+            <a:spLocks noGrp="1"/>
+          </p:cNvSpPr>
+          <p:nvPr>
+            <p:ph type="body" sz="quarter" idx="3"/>
+          </p:nvPr>
+        </p:nvSpPr>
+        <p:spPr>
+          <a:xfrm>
+            <a:off x="4343400" y="1569720"/>
+            <a:ext cx="3657600" cy="658368"/>
+          </a:xfrm>
+          <a:prstGeom prst="roundRect">
+            <a:avLst>
+              <a:gd name="adj" fmla="val 16667"/>
+            </a:avLst>
+          </a:prstGeom>
+          <a:solidFill>
+            <a:schemeClr val="accent1"/>
+          </a:solidFill>
+        </p:spPr>
+        <p:txBody>
+          <a:bodyPr rtlCol="0" anchor="ctr">
+            <a:noAutofit/>
+          </a:bodyPr>
+          <a:lstStyle>
+            <a:lvl1pPr marL="0" indent="0">
+              <a:buFontTx/>
+              <a:buNone/>
+              <a:defRPr sz="2000" b="1">
+                <a:solidFill>
+                  <a:srgbClr val="FFFFFF"/>
+                </a:solidFill>
+              </a:defRPr>
+            </a:lvl1pPr>
+          </a:lstStyle>
+          <a:p>
+            <a:pPr lvl="0" eaLnBrk="1" latinLnBrk="0" hangingPunct="1"/>
+            <a:r>
+              <a:rPr kumimoji="0" lang="en-US" smtClean="0"/>
+              <a:t>Click to edit Master text styles</a:t>
+            </a:r>
           </a:p>
         </p:txBody>
       </p:sp>
@@ -2841,16 +4210,16 @@
           <a:lstStyle/>
           <a:p>
             <a:r>
-              <a:rPr lang="en-US" smtClean="0"/>
+              <a:rPr kumimoji="0" lang="en-US" smtClean="0"/>
               <a:t>Click to edit Master title style</a:t>
             </a:r>
-            <a:endParaRPr lang="en-US"/>
-          </a:p>
-        </p:txBody>
-      </p:sp>
-      <p:sp>
-        <p:nvSpPr>
-          <p:cNvPr id="3" name="Date Placeholder 2"/>
+            <a:endParaRPr kumimoji="0" lang="en-US"/>
+          </a:p>
+        </p:txBody>
+      </p:sp>
+      <p:sp>
+        <p:nvSpPr>
+          <p:cNvPr id="6" name="Date Placeholder 5"/>
           <p:cNvSpPr>
             <a:spLocks noGrp="1"/>
           </p:cNvSpPr>
@@ -2860,7 +4229,7 @@
         </p:nvSpPr>
         <p:spPr/>
         <p:txBody>
-          <a:bodyPr/>
+          <a:bodyPr rtlCol="0"/>
           <a:lstStyle/>
           <a:p>
             <a:fld id="{2F542E98-9E25-4A2D-9991-5E8BB5F8C050}" type="datetimeFigureOut">
@@ -2874,36 +4243,17 @@
       </p:sp>
       <p:sp>
         <p:nvSpPr>
-          <p:cNvPr id="4" name="Footer Placeholder 3"/>
-          <p:cNvSpPr>
-            <a:spLocks noGrp="1"/>
-          </p:cNvSpPr>
-          <p:nvPr>
-            <p:ph type="ftr" sz="quarter" idx="11"/>
-          </p:nvPr>
-        </p:nvSpPr>
-        <p:spPr/>
-        <p:txBody>
-          <a:bodyPr/>
-          <a:lstStyle/>
-          <a:p>
-            <a:endParaRPr lang="en-US"/>
-          </a:p>
-        </p:txBody>
-      </p:sp>
-      <p:sp>
-        <p:nvSpPr>
-          <p:cNvPr id="5" name="Slide Number Placeholder 4"/>
-          <p:cNvSpPr>
-            <a:spLocks noGrp="1"/>
-          </p:cNvSpPr>
-          <p:nvPr>
-            <p:ph type="sldNum" sz="quarter" idx="12"/>
-          </p:nvPr>
-        </p:nvSpPr>
-        <p:spPr/>
-        <p:txBody>
-          <a:bodyPr/>
+          <p:cNvPr id="7" name="Slide Number Placeholder 6"/>
+          <p:cNvSpPr>
+            <a:spLocks noGrp="1"/>
+          </p:cNvSpPr>
+          <p:nvPr>
+            <p:ph type="sldNum" sz="quarter" idx="11"/>
+          </p:nvPr>
+        </p:nvSpPr>
+        <p:spPr/>
+        <p:txBody>
+          <a:bodyPr rtlCol="0"/>
           <a:lstStyle/>
           <a:p>
             <a:fld id="{45C96AA5-07A0-4D73-BCFF-FDC697DF45E3}" type="slidenum">
@@ -2911,6 +4261,25 @@
               <a:pPr/>
               <a:t>‹#›</a:t>
             </a:fld>
+            <a:endParaRPr lang="en-US"/>
+          </a:p>
+        </p:txBody>
+      </p:sp>
+      <p:sp>
+        <p:nvSpPr>
+          <p:cNvPr id="8" name="Footer Placeholder 7"/>
+          <p:cNvSpPr>
+            <a:spLocks noGrp="1"/>
+          </p:cNvSpPr>
+          <p:nvPr>
+            <p:ph type="ftr" sz="quarter" idx="12"/>
+          </p:nvPr>
+        </p:nvSpPr>
+        <p:spPr/>
+        <p:txBody>
+          <a:bodyPr rtlCol="0"/>
+          <a:lstStyle/>
+          <a:p>
             <a:endParaRPr lang="en-US"/>
           </a:p>
         </p:txBody>
@@ -3016,8 +4385,13 @@
 </file>
 
 <file path=ppt/slideLayouts/slideLayout8.xml><?xml version="1.0" encoding="utf-8"?>
-<p:sldLayout xmlns:a="http://schemas.openxmlformats.org/drawingml/2006/main" xmlns:r="http://schemas.openxmlformats.org/officeDocument/2006/relationships" xmlns:p="http://schemas.openxmlformats.org/presentationml/2006/main" type="objTx" preserve="1">
+<p:sldLayout xmlns:a="http://schemas.openxmlformats.org/drawingml/2006/main" xmlns:r="http://schemas.openxmlformats.org/officeDocument/2006/relationships" xmlns:p="http://schemas.openxmlformats.org/presentationml/2006/main" showMasterSp="0" type="objTx" preserve="1">
   <p:cSld name="Content with Caption">
+    <p:bg>
+      <p:bgRef idx="1001">
+        <a:schemeClr val="bg1"/>
+      </p:bgRef>
+    </p:bg>
     <p:spTree>
       <p:nvGrpSpPr>
         <p:cNvPr id="1" name=""/>
@@ -3034,6 +4408,45 @@
       </p:grpSpPr>
       <p:sp>
         <p:nvSpPr>
+          <p:cNvPr id="10" name="Straight Connector 9"/>
+          <p:cNvSpPr>
+            <a:spLocks noChangeShapeType="1"/>
+          </p:cNvSpPr>
+          <p:nvPr/>
+        </p:nvSpPr>
+        <p:spPr bwMode="auto">
+          <a:xfrm>
+            <a:off x="8763000" y="0"/>
+            <a:ext cx="0" cy="6858000"/>
+          </a:xfrm>
+          <a:prstGeom prst="line">
+            <a:avLst/>
+          </a:prstGeom>
+          <a:noFill/>
+          <a:ln w="38100" cap="flat" cmpd="sng" algn="ctr">
+            <a:solidFill>
+              <a:schemeClr val="accent1">
+                <a:tint val="60000"/>
+                <a:alpha val="93000"/>
+              </a:schemeClr>
+            </a:solidFill>
+            <a:prstDash val="solid"/>
+            <a:round/>
+            <a:headEnd type="none" w="med" len="med"/>
+            <a:tailEnd type="none" w="med" len="med"/>
+          </a:ln>
+          <a:effectLst/>
+        </p:spPr>
+        <p:txBody>
+          <a:bodyPr vert="horz" wrap="square" lIns="91440" tIns="45720" rIns="91440" bIns="45720" anchor="t" compatLnSpc="1"/>
+          <a:lstStyle/>
+          <a:p>
+            <a:endParaRPr kumimoji="0" lang="en-US" dirty="0"/>
+          </a:p>
+        </p:txBody>
+      </p:sp>
+      <p:sp>
+        <p:nvSpPr>
           <p:cNvPr id="2" name="Title 1"/>
           <p:cNvSpPr>
             <a:spLocks noGrp="1"/>
@@ -3043,190 +4456,391 @@
           </p:nvPr>
         </p:nvSpPr>
         <p:spPr>
-          <a:xfrm>
-            <a:off x="457200" y="273050"/>
-            <a:ext cx="3008313" cy="1162050"/>
+          <a:xfrm rot="5400000">
+            <a:off x="3371850" y="3200400"/>
+            <a:ext cx="6309360" cy="457200"/>
           </a:xfrm>
         </p:spPr>
         <p:txBody>
           <a:bodyPr anchor="b"/>
           <a:lstStyle>
             <a:lvl1pPr algn="l">
-              <a:defRPr sz="2000" b="1"/>
+              <a:buNone/>
+              <a:defRPr sz="2000" b="1" cap="small" baseline="0"/>
             </a:lvl1pPr>
           </a:lstStyle>
           <a:p>
             <a:r>
-              <a:rPr lang="en-US" smtClean="0"/>
+              <a:rPr kumimoji="0" lang="en-US" smtClean="0"/>
               <a:t>Click to edit Master title style</a:t>
             </a:r>
-            <a:endParaRPr lang="en-US"/>
-          </a:p>
-        </p:txBody>
-      </p:sp>
-      <p:sp>
-        <p:nvSpPr>
-          <p:cNvPr id="3" name="Content Placeholder 2"/>
-          <p:cNvSpPr>
-            <a:spLocks noGrp="1"/>
-          </p:cNvSpPr>
-          <p:nvPr>
-            <p:ph idx="1"/>
+            <a:endParaRPr kumimoji="0" lang="en-US"/>
+          </a:p>
+        </p:txBody>
+      </p:sp>
+      <p:sp>
+        <p:nvSpPr>
+          <p:cNvPr id="3" name="Text Placeholder 2"/>
+          <p:cNvSpPr>
+            <a:spLocks noGrp="1"/>
+          </p:cNvSpPr>
+          <p:nvPr>
+            <p:ph type="body" idx="2"/>
           </p:nvPr>
         </p:nvSpPr>
         <p:spPr>
           <a:xfrm>
-            <a:off x="3575050" y="273050"/>
-            <a:ext cx="5111750" cy="5853113"/>
-          </a:xfrm>
-        </p:spPr>
-        <p:txBody>
-          <a:bodyPr/>
-          <a:lstStyle>
-            <a:lvl1pPr>
-              <a:defRPr sz="3200"/>
-            </a:lvl1pPr>
-            <a:lvl2pPr>
-              <a:defRPr sz="2800"/>
-            </a:lvl2pPr>
-            <a:lvl3pPr>
-              <a:defRPr sz="2400"/>
-            </a:lvl3pPr>
-            <a:lvl4pPr>
-              <a:defRPr sz="2000"/>
-            </a:lvl4pPr>
-            <a:lvl5pPr>
-              <a:defRPr sz="2000"/>
-            </a:lvl5pPr>
-            <a:lvl6pPr>
-              <a:defRPr sz="2000"/>
-            </a:lvl6pPr>
-            <a:lvl7pPr>
-              <a:defRPr sz="2000"/>
-            </a:lvl7pPr>
-            <a:lvl8pPr>
-              <a:defRPr sz="2000"/>
-            </a:lvl8pPr>
-            <a:lvl9pPr>
-              <a:defRPr sz="2000"/>
-            </a:lvl9pPr>
-          </a:lstStyle>
-          <a:p>
-            <a:pPr lvl="0"/>
-            <a:r>
-              <a:rPr lang="en-US" smtClean="0"/>
-              <a:t>Click to edit Master text styles</a:t>
-            </a:r>
-          </a:p>
-          <a:p>
-            <a:pPr lvl="1"/>
-            <a:r>
-              <a:rPr lang="en-US" smtClean="0"/>
-              <a:t>Second level</a:t>
-            </a:r>
-          </a:p>
-          <a:p>
-            <a:pPr lvl="2"/>
-            <a:r>
-              <a:rPr lang="en-US" smtClean="0"/>
-              <a:t>Third level</a:t>
-            </a:r>
-          </a:p>
-          <a:p>
-            <a:pPr lvl="3"/>
-            <a:r>
-              <a:rPr lang="en-US" smtClean="0"/>
-              <a:t>Fourth level</a:t>
-            </a:r>
-          </a:p>
-          <a:p>
-            <a:pPr lvl="4"/>
-            <a:r>
-              <a:rPr lang="en-US" smtClean="0"/>
-              <a:t>Fifth level</a:t>
-            </a:r>
-            <a:endParaRPr lang="en-US"/>
-          </a:p>
-        </p:txBody>
-      </p:sp>
-      <p:sp>
-        <p:nvSpPr>
-          <p:cNvPr id="4" name="Text Placeholder 3"/>
-          <p:cNvSpPr>
-            <a:spLocks noGrp="1"/>
-          </p:cNvSpPr>
-          <p:nvPr>
-            <p:ph type="body" sz="half" idx="2"/>
-          </p:nvPr>
-        </p:nvSpPr>
-        <p:spPr>
-          <a:xfrm>
-            <a:off x="457200" y="1435100"/>
-            <a:ext cx="3008313" cy="4691063"/>
+            <a:off x="6812280" y="274320"/>
+            <a:ext cx="1527048" cy="4983480"/>
           </a:xfrm>
         </p:spPr>
         <p:txBody>
           <a:bodyPr/>
           <a:lstStyle>
             <a:lvl1pPr marL="0" indent="0">
+              <a:spcBef>
+                <a:spcPts val="400"/>
+              </a:spcBef>
+              <a:spcAft>
+                <a:spcPts val="1000"/>
+              </a:spcAft>
               <a:buNone/>
-              <a:defRPr sz="1400"/>
+              <a:defRPr sz="1200"/>
             </a:lvl1pPr>
-            <a:lvl2pPr marL="457200" indent="0">
+            <a:lvl2pPr>
               <a:buNone/>
               <a:defRPr sz="1200"/>
             </a:lvl2pPr>
-            <a:lvl3pPr marL="914400" indent="0">
+            <a:lvl3pPr>
               <a:buNone/>
               <a:defRPr sz="1000"/>
             </a:lvl3pPr>
-            <a:lvl4pPr marL="1371600" indent="0">
+            <a:lvl4pPr>
               <a:buNone/>
               <a:defRPr sz="900"/>
             </a:lvl4pPr>
-            <a:lvl5pPr marL="1828800" indent="0">
+            <a:lvl5pPr>
               <a:buNone/>
               <a:defRPr sz="900"/>
             </a:lvl5pPr>
-            <a:lvl6pPr marL="2286000" indent="0">
-              <a:buNone/>
-              <a:defRPr sz="900"/>
-            </a:lvl6pPr>
-            <a:lvl7pPr marL="2743200" indent="0">
-              <a:buNone/>
-              <a:defRPr sz="900"/>
-            </a:lvl7pPr>
-            <a:lvl8pPr marL="3200400" indent="0">
-              <a:buNone/>
-              <a:defRPr sz="900"/>
-            </a:lvl8pPr>
-            <a:lvl9pPr marL="3657600" indent="0">
-              <a:buNone/>
-              <a:defRPr sz="900"/>
-            </a:lvl9pPr>
           </a:lstStyle>
           <a:p>
-            <a:pPr lvl="0"/>
+            <a:pPr lvl="0" eaLnBrk="1" latinLnBrk="0" hangingPunct="1"/>
+            <a:r>
+              <a:rPr kumimoji="0" lang="en-US" smtClean="0"/>
+              <a:t>Click to edit Master text styles</a:t>
+            </a:r>
+          </a:p>
+        </p:txBody>
+      </p:sp>
+      <p:sp>
+        <p:nvSpPr>
+          <p:cNvPr id="8" name="Straight Connector 7"/>
+          <p:cNvSpPr>
+            <a:spLocks noChangeShapeType="1"/>
+          </p:cNvSpPr>
+          <p:nvPr/>
+        </p:nvSpPr>
+        <p:spPr bwMode="auto">
+          <a:xfrm>
+            <a:off x="6248400" y="0"/>
+            <a:ext cx="0" cy="6858000"/>
+          </a:xfrm>
+          <a:prstGeom prst="line">
+            <a:avLst/>
+          </a:prstGeom>
+          <a:noFill/>
+          <a:ln w="38100" cap="flat" cmpd="sng" algn="ctr">
+            <a:solidFill>
+              <a:schemeClr val="accent1">
+                <a:tint val="60000"/>
+              </a:schemeClr>
+            </a:solidFill>
+            <a:prstDash val="solid"/>
+            <a:round/>
+            <a:headEnd type="none" w="med" len="med"/>
+            <a:tailEnd type="none" w="med" len="med"/>
+          </a:ln>
+          <a:effectLst/>
+        </p:spPr>
+        <p:txBody>
+          <a:bodyPr vert="horz" wrap="square" lIns="91440" tIns="45720" rIns="91440" bIns="45720" anchor="t" compatLnSpc="1"/>
+          <a:lstStyle/>
+          <a:p>
+            <a:endParaRPr kumimoji="0" lang="en-US" dirty="0"/>
+          </a:p>
+        </p:txBody>
+      </p:sp>
+      <p:sp>
+        <p:nvSpPr>
+          <p:cNvPr id="9" name="Straight Connector 8"/>
+          <p:cNvSpPr>
+            <a:spLocks noChangeShapeType="1"/>
+          </p:cNvSpPr>
+          <p:nvPr/>
+        </p:nvSpPr>
+        <p:spPr bwMode="auto">
+          <a:xfrm>
+            <a:off x="6192296" y="0"/>
+            <a:ext cx="0" cy="6858000"/>
+          </a:xfrm>
+          <a:prstGeom prst="line">
+            <a:avLst/>
+          </a:prstGeom>
+          <a:noFill/>
+          <a:ln w="12700" cap="flat" cmpd="sng" algn="ctr">
+            <a:solidFill>
+              <a:schemeClr val="accent1"/>
+            </a:solidFill>
+            <a:prstDash val="solid"/>
+            <a:round/>
+            <a:headEnd type="none" w="med" len="med"/>
+            <a:tailEnd type="none" w="med" len="med"/>
+          </a:ln>
+          <a:effectLst/>
+        </p:spPr>
+        <p:txBody>
+          <a:bodyPr vert="horz" wrap="square" lIns="91440" tIns="45720" rIns="91440" bIns="45720" anchor="t" compatLnSpc="1"/>
+          <a:lstStyle/>
+          <a:p>
+            <a:endParaRPr kumimoji="0" lang="en-US" dirty="0"/>
+          </a:p>
+        </p:txBody>
+      </p:sp>
+      <p:sp>
+        <p:nvSpPr>
+          <p:cNvPr id="11" name="Straight Connector 10"/>
+          <p:cNvSpPr>
+            <a:spLocks noChangeShapeType="1"/>
+          </p:cNvSpPr>
+          <p:nvPr/>
+        </p:nvSpPr>
+        <p:spPr bwMode="auto">
+          <a:xfrm>
+            <a:off x="8991600" y="0"/>
+            <a:ext cx="0" cy="6858000"/>
+          </a:xfrm>
+          <a:prstGeom prst="line">
+            <a:avLst/>
+          </a:prstGeom>
+          <a:noFill/>
+          <a:ln w="19050" cap="flat" cmpd="sng" algn="ctr">
+            <a:solidFill>
+              <a:schemeClr val="accent1"/>
+            </a:solidFill>
+            <a:prstDash val="solid"/>
+            <a:round/>
+            <a:headEnd type="none" w="med" len="med"/>
+            <a:tailEnd type="none" w="med" len="med"/>
+          </a:ln>
+          <a:effectLst/>
+        </p:spPr>
+        <p:txBody>
+          <a:bodyPr vert="horz" wrap="square" lIns="91440" tIns="45720" rIns="91440" bIns="45720" anchor="t" compatLnSpc="1"/>
+          <a:lstStyle/>
+          <a:p>
+            <a:endParaRPr kumimoji="0" lang="en-US"/>
+          </a:p>
+        </p:txBody>
+      </p:sp>
+      <p:sp>
+        <p:nvSpPr>
+          <p:cNvPr id="12" name="Rectangle 11"/>
+          <p:cNvSpPr/>
+          <p:nvPr/>
+        </p:nvSpPr>
+        <p:spPr bwMode="auto">
+          <a:xfrm>
+            <a:off x="8839200" y="0"/>
+            <a:ext cx="304800" cy="6858000"/>
+          </a:xfrm>
+          <a:prstGeom prst="rect">
+            <a:avLst/>
+          </a:prstGeom>
+          <a:solidFill>
+            <a:schemeClr val="accent1">
+              <a:tint val="60000"/>
+              <a:alpha val="87000"/>
+            </a:schemeClr>
+          </a:solidFill>
+          <a:ln w="38100" cap="rnd" cmpd="sng" algn="ctr">
+            <a:noFill/>
+            <a:prstDash val="solid"/>
+          </a:ln>
+          <a:effectLst/>
+        </p:spPr>
+        <p:style>
+          <a:lnRef idx="3">
+            <a:schemeClr val="lt1"/>
+          </a:lnRef>
+          <a:fillRef idx="1">
+            <a:schemeClr val="accent1"/>
+          </a:fillRef>
+          <a:effectRef idx="1">
+            <a:schemeClr val="accent1"/>
+          </a:effectRef>
+          <a:fontRef idx="minor">
+            <a:schemeClr val="lt1"/>
+          </a:fontRef>
+        </p:style>
+        <p:txBody>
+          <a:bodyPr anchor="ctr"/>
+          <a:lstStyle/>
+          <a:p>
+            <a:pPr algn="ctr" eaLnBrk="1" latinLnBrk="0" hangingPunct="1"/>
+            <a:endParaRPr kumimoji="0" lang="en-US"/>
+          </a:p>
+        </p:txBody>
+      </p:sp>
+      <p:sp>
+        <p:nvSpPr>
+          <p:cNvPr id="13" name="Straight Connector 12"/>
+          <p:cNvSpPr>
+            <a:spLocks noChangeShapeType="1"/>
+          </p:cNvSpPr>
+          <p:nvPr/>
+        </p:nvSpPr>
+        <p:spPr bwMode="auto">
+          <a:xfrm>
+            <a:off x="8915400" y="0"/>
+            <a:ext cx="0" cy="6858000"/>
+          </a:xfrm>
+          <a:prstGeom prst="line">
+            <a:avLst/>
+          </a:prstGeom>
+          <a:noFill/>
+          <a:ln w="9525" cap="flat" cmpd="sng" algn="ctr">
+            <a:solidFill>
+              <a:schemeClr val="accent1"/>
+            </a:solidFill>
+            <a:prstDash val="solid"/>
+            <a:round/>
+            <a:headEnd type="none" w="med" len="med"/>
+            <a:tailEnd type="none" w="med" len="med"/>
+          </a:ln>
+          <a:effectLst/>
+        </p:spPr>
+        <p:txBody>
+          <a:bodyPr vert="horz" wrap="square" lIns="91440" tIns="45720" rIns="91440" bIns="45720" anchor="t" compatLnSpc="1"/>
+          <a:lstStyle/>
+          <a:p>
+            <a:endParaRPr kumimoji="0" lang="en-US"/>
+          </a:p>
+        </p:txBody>
+      </p:sp>
+      <p:sp>
+        <p:nvSpPr>
+          <p:cNvPr id="14" name="Oval 13"/>
+          <p:cNvSpPr/>
+          <p:nvPr/>
+        </p:nvSpPr>
+        <p:spPr>
+          <a:xfrm>
+            <a:off x="8156448" y="5715000"/>
+            <a:ext cx="548640" cy="548640"/>
+          </a:xfrm>
+          <a:prstGeom prst="ellipse">
+            <a:avLst/>
+          </a:prstGeom>
+          <a:ln w="38100" cap="rnd" cmpd="sng" algn="ctr">
+            <a:noFill/>
+            <a:prstDash val="solid"/>
+          </a:ln>
+          <a:effectLst/>
+        </p:spPr>
+        <p:style>
+          <a:lnRef idx="3">
+            <a:schemeClr val="lt1"/>
+          </a:lnRef>
+          <a:fillRef idx="1">
+            <a:schemeClr val="accent1"/>
+          </a:fillRef>
+          <a:effectRef idx="1">
+            <a:schemeClr val="accent1"/>
+          </a:effectRef>
+          <a:fontRef idx="minor">
+            <a:schemeClr val="lt1"/>
+          </a:fontRef>
+        </p:style>
+        <p:txBody>
+          <a:bodyPr anchor="ctr"/>
+          <a:lstStyle/>
+          <a:p>
+            <a:pPr algn="ctr" eaLnBrk="1" latinLnBrk="0" hangingPunct="1"/>
+            <a:endParaRPr kumimoji="0" lang="en-US" dirty="0"/>
+          </a:p>
+        </p:txBody>
+      </p:sp>
+      <p:sp>
+        <p:nvSpPr>
+          <p:cNvPr id="18" name="Content Placeholder 17"/>
+          <p:cNvSpPr>
+            <a:spLocks noGrp="1"/>
+          </p:cNvSpPr>
+          <p:nvPr>
+            <p:ph sz="quarter" idx="1"/>
+          </p:nvPr>
+        </p:nvSpPr>
+        <p:spPr>
+          <a:xfrm>
+            <a:off x="304800" y="274320"/>
+            <a:ext cx="5638800" cy="6327648"/>
+          </a:xfrm>
+        </p:spPr>
+        <p:txBody>
+          <a:bodyPr/>
+          <a:lstStyle/>
+          <a:p>
+            <a:pPr lvl="0" eaLnBrk="1" latinLnBrk="0" hangingPunct="1"/>
             <a:r>
               <a:rPr lang="en-US" smtClean="0"/>
               <a:t>Click to edit Master text styles</a:t>
             </a:r>
           </a:p>
-        </p:txBody>
-      </p:sp>
-      <p:sp>
-        <p:nvSpPr>
-          <p:cNvPr id="5" name="Date Placeholder 4"/>
-          <p:cNvSpPr>
-            <a:spLocks noGrp="1"/>
-          </p:cNvSpPr>
-          <p:nvPr>
-            <p:ph type="dt" sz="half" idx="10"/>
-          </p:nvPr>
-        </p:nvSpPr>
-        <p:spPr/>
-        <p:txBody>
-          <a:bodyPr/>
+          <a:p>
+            <a:pPr lvl="1" eaLnBrk="1" latinLnBrk="0" hangingPunct="1"/>
+            <a:r>
+              <a:rPr lang="en-US" smtClean="0"/>
+              <a:t>Second level</a:t>
+            </a:r>
+          </a:p>
+          <a:p>
+            <a:pPr lvl="2" eaLnBrk="1" latinLnBrk="0" hangingPunct="1"/>
+            <a:r>
+              <a:rPr lang="en-US" smtClean="0"/>
+              <a:t>Third level</a:t>
+            </a:r>
+          </a:p>
+          <a:p>
+            <a:pPr lvl="3" eaLnBrk="1" latinLnBrk="0" hangingPunct="1"/>
+            <a:r>
+              <a:rPr lang="en-US" smtClean="0"/>
+              <a:t>Fourth level</a:t>
+            </a:r>
+          </a:p>
+          <a:p>
+            <a:pPr lvl="4" eaLnBrk="1" latinLnBrk="0" hangingPunct="1"/>
+            <a:r>
+              <a:rPr lang="en-US" smtClean="0"/>
+              <a:t>Fifth level</a:t>
+            </a:r>
+            <a:endParaRPr kumimoji="0" lang="en-US"/>
+          </a:p>
+        </p:txBody>
+      </p:sp>
+      <p:sp>
+        <p:nvSpPr>
+          <p:cNvPr id="21" name="Date Placeholder 20"/>
+          <p:cNvSpPr>
+            <a:spLocks noGrp="1"/>
+          </p:cNvSpPr>
+          <p:nvPr>
+            <p:ph type="dt" sz="half" idx="14"/>
+          </p:nvPr>
+        </p:nvSpPr>
+        <p:spPr/>
+        <p:txBody>
+          <a:bodyPr rtlCol="0"/>
           <a:lstStyle/>
           <a:p>
             <a:fld id="{2F542E98-9E25-4A2D-9991-5E8BB5F8C050}" type="datetimeFigureOut">
@@ -3240,36 +4854,17 @@
       </p:sp>
       <p:sp>
         <p:nvSpPr>
-          <p:cNvPr id="6" name="Footer Placeholder 5"/>
-          <p:cNvSpPr>
-            <a:spLocks noGrp="1"/>
-          </p:cNvSpPr>
-          <p:nvPr>
-            <p:ph type="ftr" sz="quarter" idx="11"/>
-          </p:nvPr>
-        </p:nvSpPr>
-        <p:spPr/>
-        <p:txBody>
-          <a:bodyPr/>
-          <a:lstStyle/>
-          <a:p>
-            <a:endParaRPr lang="en-US"/>
-          </a:p>
-        </p:txBody>
-      </p:sp>
-      <p:sp>
-        <p:nvSpPr>
-          <p:cNvPr id="7" name="Slide Number Placeholder 6"/>
-          <p:cNvSpPr>
-            <a:spLocks noGrp="1"/>
-          </p:cNvSpPr>
-          <p:nvPr>
-            <p:ph type="sldNum" sz="quarter" idx="12"/>
-          </p:nvPr>
-        </p:nvSpPr>
-        <p:spPr/>
-        <p:txBody>
-          <a:bodyPr/>
+          <p:cNvPr id="22" name="Slide Number Placeholder 21"/>
+          <p:cNvSpPr>
+            <a:spLocks noGrp="1"/>
+          </p:cNvSpPr>
+          <p:nvPr>
+            <p:ph type="sldNum" sz="quarter" idx="15"/>
+          </p:nvPr>
+        </p:nvSpPr>
+        <p:spPr/>
+        <p:txBody>
+          <a:bodyPr rtlCol="0"/>
           <a:lstStyle/>
           <a:p>
             <a:fld id="{45C96AA5-07A0-4D73-BCFF-FDC697DF45E3}" type="slidenum">
@@ -3281,16 +4876,35 @@
           </a:p>
         </p:txBody>
       </p:sp>
+      <p:sp>
+        <p:nvSpPr>
+          <p:cNvPr id="23" name="Footer Placeholder 22"/>
+          <p:cNvSpPr>
+            <a:spLocks noGrp="1"/>
+          </p:cNvSpPr>
+          <p:nvPr>
+            <p:ph type="ftr" sz="quarter" idx="16"/>
+          </p:nvPr>
+        </p:nvSpPr>
+        <p:spPr/>
+        <p:txBody>
+          <a:bodyPr rtlCol="0"/>
+          <a:lstStyle/>
+          <a:p>
+            <a:endParaRPr lang="en-US"/>
+          </a:p>
+        </p:txBody>
+      </p:sp>
     </p:spTree>
   </p:cSld>
   <p:clrMapOvr>
-    <a:masterClrMapping/>
+    <a:overrideClrMapping bg1="lt1" tx1="dk1" bg2="lt2" tx2="dk2" accent1="accent1" accent2="accent2" accent3="accent3" accent4="accent4" accent5="accent5" accent6="accent6" hlink="hlink" folHlink="folHlink"/>
   </p:clrMapOvr>
 </p:sldLayout>
 </file>
 
 <file path=ppt/slideLayouts/slideLayout9.xml><?xml version="1.0" encoding="utf-8"?>
-<p:sldLayout xmlns:a="http://schemas.openxmlformats.org/drawingml/2006/main" xmlns:r="http://schemas.openxmlformats.org/officeDocument/2006/relationships" xmlns:p="http://schemas.openxmlformats.org/presentationml/2006/main" type="picTx" preserve="1">
+<p:sldLayout xmlns:a="http://schemas.openxmlformats.org/drawingml/2006/main" xmlns:r="http://schemas.openxmlformats.org/officeDocument/2006/relationships" xmlns:p="http://schemas.openxmlformats.org/presentationml/2006/main" showMasterSp="0" type="picTx" preserve="1">
   <p:cSld name="Picture with Caption">
     <p:spTree>
       <p:nvGrpSpPr>
@@ -3308,33 +4922,115 @@
       </p:grpSpPr>
       <p:sp>
         <p:nvSpPr>
-          <p:cNvPr id="2" name="Title 1"/>
-          <p:cNvSpPr>
-            <a:spLocks noGrp="1"/>
-          </p:cNvSpPr>
-          <p:nvPr>
-            <p:ph type="title"/>
-          </p:nvPr>
+          <p:cNvPr id="9" name="Straight Connector 8"/>
+          <p:cNvSpPr>
+            <a:spLocks noChangeShapeType="1"/>
+          </p:cNvSpPr>
+          <p:nvPr/>
+        </p:nvSpPr>
+        <p:spPr bwMode="auto">
+          <a:xfrm>
+            <a:off x="8763000" y="0"/>
+            <a:ext cx="0" cy="6858000"/>
+          </a:xfrm>
+          <a:prstGeom prst="line">
+            <a:avLst/>
+          </a:prstGeom>
+          <a:noFill/>
+          <a:ln w="38100" cap="flat" cmpd="sng" algn="ctr">
+            <a:solidFill>
+              <a:schemeClr val="accent1">
+                <a:tint val="60000"/>
+              </a:schemeClr>
+            </a:solidFill>
+            <a:prstDash val="solid"/>
+            <a:round/>
+            <a:headEnd type="none" w="med" len="med"/>
+            <a:tailEnd type="none" w="med" len="med"/>
+          </a:ln>
+          <a:effectLst/>
+        </p:spPr>
+        <p:txBody>
+          <a:bodyPr vert="horz" wrap="square" lIns="91440" tIns="45720" rIns="91440" bIns="45720" anchor="t" compatLnSpc="1"/>
+          <a:lstStyle/>
+          <a:p>
+            <a:endParaRPr kumimoji="0" lang="en-US"/>
+          </a:p>
+        </p:txBody>
+      </p:sp>
+      <p:sp>
+        <p:nvSpPr>
+          <p:cNvPr id="13" name="Oval 12"/>
+          <p:cNvSpPr/>
+          <p:nvPr/>
         </p:nvSpPr>
         <p:spPr>
           <a:xfrm>
-            <a:off x="1792288" y="4800600"/>
-            <a:ext cx="5486400" cy="566738"/>
+            <a:off x="8156448" y="5715000"/>
+            <a:ext cx="548640" cy="548640"/>
+          </a:xfrm>
+          <a:prstGeom prst="ellipse">
+            <a:avLst/>
+          </a:prstGeom>
+          <a:ln w="38100" cap="rnd" cmpd="sng" algn="ctr">
+            <a:noFill/>
+            <a:prstDash val="solid"/>
+          </a:ln>
+          <a:effectLst/>
+        </p:spPr>
+        <p:style>
+          <a:lnRef idx="3">
+            <a:schemeClr val="lt1"/>
+          </a:lnRef>
+          <a:fillRef idx="1">
+            <a:schemeClr val="accent1"/>
+          </a:fillRef>
+          <a:effectRef idx="1">
+            <a:schemeClr val="accent1"/>
+          </a:effectRef>
+          <a:fontRef idx="minor">
+            <a:schemeClr val="lt1"/>
+          </a:fontRef>
+        </p:style>
+        <p:txBody>
+          <a:bodyPr anchor="ctr"/>
+          <a:lstStyle/>
+          <a:p>
+            <a:pPr algn="ctr" eaLnBrk="1" latinLnBrk="0" hangingPunct="1"/>
+            <a:endParaRPr kumimoji="0" lang="en-US" dirty="0"/>
+          </a:p>
+        </p:txBody>
+      </p:sp>
+      <p:sp>
+        <p:nvSpPr>
+          <p:cNvPr id="2" name="Title 1"/>
+          <p:cNvSpPr>
+            <a:spLocks noGrp="1"/>
+          </p:cNvSpPr>
+          <p:nvPr>
+            <p:ph type="title"/>
+          </p:nvPr>
+        </p:nvSpPr>
+        <p:spPr>
+          <a:xfrm rot="5400000">
+            <a:off x="3350133" y="3200400"/>
+            <a:ext cx="6309360" cy="457200"/>
           </a:xfrm>
         </p:spPr>
         <p:txBody>
           <a:bodyPr anchor="b"/>
           <a:lstStyle>
             <a:lvl1pPr algn="l">
+              <a:buNone/>
               <a:defRPr sz="2000" b="1"/>
             </a:lvl1pPr>
           </a:lstStyle>
           <a:p>
             <a:r>
-              <a:rPr lang="en-US" smtClean="0"/>
+              <a:rPr kumimoji="0" lang="en-US" smtClean="0"/>
               <a:t>Click to edit Master title style</a:t>
             </a:r>
-            <a:endParaRPr lang="en-US"/>
+            <a:endParaRPr kumimoji="0" lang="en-US"/>
           </a:p>
         </p:txBody>
       </p:sp>
@@ -3350,10 +5046,32 @@
         </p:nvSpPr>
         <p:spPr>
           <a:xfrm>
-            <a:off x="1792288" y="612775"/>
-            <a:ext cx="5486400" cy="4114800"/>
-          </a:xfrm>
-        </p:spPr>
+            <a:off x="0" y="0"/>
+            <a:ext cx="6172200" cy="6858000"/>
+          </a:xfrm>
+          <a:solidFill>
+            <a:schemeClr val="bg2"/>
+          </a:solidFill>
+          <a:ln w="127000" cap="rnd" cmpd="sng" algn="ctr">
+            <a:noFill/>
+            <a:prstDash val="solid"/>
+          </a:ln>
+          <a:effectLst/>
+        </p:spPr>
+        <p:style>
+          <a:lnRef idx="3">
+            <a:schemeClr val="lt1"/>
+          </a:lnRef>
+          <a:fillRef idx="1">
+            <a:schemeClr val="accent1"/>
+          </a:fillRef>
+          <a:effectRef idx="1">
+            <a:schemeClr val="accent1"/>
+          </a:effectRef>
+          <a:fontRef idx="minor">
+            <a:schemeClr val="lt1"/>
+          </a:fontRef>
+        </p:style>
         <p:txBody>
           <a:bodyPr/>
           <a:lstStyle>
@@ -3361,41 +5079,17 @@
               <a:buNone/>
               <a:defRPr sz="3200"/>
             </a:lvl1pPr>
-            <a:lvl2pPr marL="457200" indent="0">
+          </a:lstStyle>
+          <a:p>
+            <a:pPr algn="ctr" eaLnBrk="1" latinLnBrk="0" hangingPunct="1">
+              <a:buFontTx/>
               <a:buNone/>
-              <a:defRPr sz="2800"/>
-            </a:lvl2pPr>
-            <a:lvl3pPr marL="914400" indent="0">
-              <a:buNone/>
-              <a:defRPr sz="2400"/>
-            </a:lvl3pPr>
-            <a:lvl4pPr marL="1371600" indent="0">
-              <a:buNone/>
-              <a:defRPr sz="2000"/>
-            </a:lvl4pPr>
-            <a:lvl5pPr marL="1828800" indent="0">
-              <a:buNone/>
-              <a:defRPr sz="2000"/>
-            </a:lvl5pPr>
-            <a:lvl6pPr marL="2286000" indent="0">
-              <a:buNone/>
-              <a:defRPr sz="2000"/>
-            </a:lvl6pPr>
-            <a:lvl7pPr marL="2743200" indent="0">
-              <a:buNone/>
-              <a:defRPr sz="2000"/>
-            </a:lvl7pPr>
-            <a:lvl8pPr marL="3200400" indent="0">
-              <a:buNone/>
-              <a:defRPr sz="2000"/>
-            </a:lvl8pPr>
-            <a:lvl9pPr marL="3657600" indent="0">
-              <a:buNone/>
-              <a:defRPr sz="2000"/>
-            </a:lvl9pPr>
-          </a:lstStyle>
-          <a:p>
-            <a:endParaRPr lang="en-US"/>
+            </a:pPr>
+            <a:r>
+              <a:rPr kumimoji="0" lang="en-US" smtClean="0"/>
+              <a:t>Click icon to add picture</a:t>
+            </a:r>
+            <a:endParaRPr kumimoji="0" lang="en-US" dirty="0"/>
           </a:p>
         </p:txBody>
       </p:sp>
@@ -3411,54 +5105,43 @@
         </p:nvSpPr>
         <p:spPr>
           <a:xfrm>
-            <a:off x="1792288" y="5367338"/>
-            <a:ext cx="5486400" cy="804862"/>
-          </a:xfrm>
-        </p:spPr>
-        <p:txBody>
-          <a:bodyPr/>
+            <a:off x="6765798" y="264795"/>
+            <a:ext cx="1524000" cy="4956048"/>
+          </a:xfrm>
+        </p:spPr>
+        <p:txBody>
+          <a:bodyPr rot="0" spcFirstLastPara="0" vertOverflow="overflow" horzOverflow="overflow" vert="horz" wrap="square" lIns="91440" tIns="45720" rIns="91440" bIns="45720" numCol="1" spcCol="274320" rtlCol="0" fromWordArt="0" anchor="t" anchorCtr="0" forceAA="0" compatLnSpc="1">
+            <a:normAutofit/>
+          </a:bodyPr>
           <a:lstStyle>
             <a:lvl1pPr marL="0" indent="0">
-              <a:buNone/>
-              <a:defRPr sz="1400"/>
-            </a:lvl1pPr>
-            <a:lvl2pPr marL="457200" indent="0">
+              <a:spcBef>
+                <a:spcPts val="100"/>
+              </a:spcBef>
+              <a:spcAft>
+                <a:spcPts val="400"/>
+              </a:spcAft>
+              <a:buFontTx/>
               <a:buNone/>
               <a:defRPr sz="1200"/>
+            </a:lvl1pPr>
+            <a:lvl2pPr>
+              <a:defRPr sz="1200"/>
             </a:lvl2pPr>
-            <a:lvl3pPr marL="914400" indent="0">
-              <a:buNone/>
+            <a:lvl3pPr>
               <a:defRPr sz="1000"/>
             </a:lvl3pPr>
-            <a:lvl4pPr marL="1371600" indent="0">
-              <a:buNone/>
+            <a:lvl4pPr>
               <a:defRPr sz="900"/>
             </a:lvl4pPr>
-            <a:lvl5pPr marL="1828800" indent="0">
-              <a:buNone/>
+            <a:lvl5pPr>
               <a:defRPr sz="900"/>
             </a:lvl5pPr>
-            <a:lvl6pPr marL="2286000" indent="0">
-              <a:buNone/>
-              <a:defRPr sz="900"/>
-            </a:lvl6pPr>
-            <a:lvl7pPr marL="2743200" indent="0">
-              <a:buNone/>
-              <a:defRPr sz="900"/>
-            </a:lvl7pPr>
-            <a:lvl8pPr marL="3200400" indent="0">
-              <a:buNone/>
-              <a:defRPr sz="900"/>
-            </a:lvl8pPr>
-            <a:lvl9pPr marL="3657600" indent="0">
-              <a:buNone/>
-              <a:defRPr sz="900"/>
-            </a:lvl9pPr>
           </a:lstStyle>
           <a:p>
-            <a:pPr lvl="0"/>
-            <a:r>
-              <a:rPr lang="en-US" smtClean="0"/>
+            <a:pPr lvl="0" eaLnBrk="1" latinLnBrk="0" hangingPunct="1"/>
+            <a:r>
+              <a:rPr kumimoji="0" lang="en-US" smtClean="0"/>
               <a:t>Click to edit Master text styles</a:t>
             </a:r>
           </a:p>
@@ -3466,7 +5149,201 @@
       </p:sp>
       <p:sp>
         <p:nvSpPr>
-          <p:cNvPr id="5" name="Date Placeholder 4"/>
+          <p:cNvPr id="10" name="Straight Connector 9"/>
+          <p:cNvSpPr>
+            <a:spLocks noChangeShapeType="1"/>
+          </p:cNvSpPr>
+          <p:nvPr/>
+        </p:nvSpPr>
+        <p:spPr bwMode="auto">
+          <a:xfrm>
+            <a:off x="8991600" y="0"/>
+            <a:ext cx="0" cy="6858000"/>
+          </a:xfrm>
+          <a:prstGeom prst="line">
+            <a:avLst/>
+          </a:prstGeom>
+          <a:noFill/>
+          <a:ln w="9525" cap="flat" cmpd="sng" algn="ctr">
+            <a:solidFill>
+              <a:schemeClr val="tx1"/>
+            </a:solidFill>
+            <a:prstDash val="solid"/>
+            <a:round/>
+            <a:headEnd type="none" w="med" len="med"/>
+            <a:tailEnd type="none" w="med" len="med"/>
+          </a:ln>
+          <a:effectLst/>
+        </p:spPr>
+        <p:txBody>
+          <a:bodyPr vert="horz" wrap="square" lIns="91440" tIns="45720" rIns="91440" bIns="45720" anchor="t" compatLnSpc="1"/>
+          <a:lstStyle/>
+          <a:p>
+            <a:endParaRPr kumimoji="0" lang="en-US"/>
+          </a:p>
+        </p:txBody>
+      </p:sp>
+      <p:sp>
+        <p:nvSpPr>
+          <p:cNvPr id="11" name="Rectangle 10"/>
+          <p:cNvSpPr/>
+          <p:nvPr/>
+        </p:nvSpPr>
+        <p:spPr bwMode="auto">
+          <a:xfrm>
+            <a:off x="8839200" y="0"/>
+            <a:ext cx="304800" cy="6858000"/>
+          </a:xfrm>
+          <a:prstGeom prst="rect">
+            <a:avLst/>
+          </a:prstGeom>
+          <a:solidFill>
+            <a:schemeClr val="accent1">
+              <a:tint val="60000"/>
+            </a:schemeClr>
+          </a:solidFill>
+          <a:ln w="38100" cap="rnd" cmpd="sng" algn="ctr">
+            <a:noFill/>
+            <a:prstDash val="solid"/>
+          </a:ln>
+          <a:effectLst/>
+        </p:spPr>
+        <p:style>
+          <a:lnRef idx="3">
+            <a:schemeClr val="lt1"/>
+          </a:lnRef>
+          <a:fillRef idx="1">
+            <a:schemeClr val="accent1"/>
+          </a:fillRef>
+          <a:effectRef idx="1">
+            <a:schemeClr val="accent1"/>
+          </a:effectRef>
+          <a:fontRef idx="minor">
+            <a:schemeClr val="lt1"/>
+          </a:fontRef>
+        </p:style>
+        <p:txBody>
+          <a:bodyPr anchor="ctr"/>
+          <a:lstStyle/>
+          <a:p>
+            <a:pPr algn="ctr" eaLnBrk="1" latinLnBrk="0" hangingPunct="1"/>
+            <a:endParaRPr kumimoji="0" lang="en-US"/>
+          </a:p>
+        </p:txBody>
+      </p:sp>
+      <p:sp>
+        <p:nvSpPr>
+          <p:cNvPr id="12" name="Straight Connector 11"/>
+          <p:cNvSpPr>
+            <a:spLocks noChangeShapeType="1"/>
+          </p:cNvSpPr>
+          <p:nvPr/>
+        </p:nvSpPr>
+        <p:spPr bwMode="auto">
+          <a:xfrm>
+            <a:off x="8915400" y="0"/>
+            <a:ext cx="0" cy="6858000"/>
+          </a:xfrm>
+          <a:prstGeom prst="line">
+            <a:avLst/>
+          </a:prstGeom>
+          <a:noFill/>
+          <a:ln w="9525" cap="flat" cmpd="sng" algn="ctr">
+            <a:solidFill>
+              <a:schemeClr val="accent1"/>
+            </a:solidFill>
+            <a:prstDash val="solid"/>
+            <a:round/>
+            <a:headEnd type="none" w="med" len="med"/>
+            <a:tailEnd type="none" w="med" len="med"/>
+          </a:ln>
+          <a:effectLst/>
+        </p:spPr>
+        <p:txBody>
+          <a:bodyPr vert="horz" wrap="square" lIns="91440" tIns="45720" rIns="91440" bIns="45720" anchor="t" compatLnSpc="1"/>
+          <a:lstStyle/>
+          <a:p>
+            <a:endParaRPr kumimoji="0" lang="en-US"/>
+          </a:p>
+        </p:txBody>
+      </p:sp>
+      <p:sp>
+        <p:nvSpPr>
+          <p:cNvPr id="19" name="Straight Connector 18"/>
+          <p:cNvSpPr>
+            <a:spLocks noChangeShapeType="1"/>
+          </p:cNvSpPr>
+          <p:nvPr/>
+        </p:nvSpPr>
+        <p:spPr bwMode="auto">
+          <a:xfrm>
+            <a:off x="6248400" y="0"/>
+            <a:ext cx="0" cy="6858000"/>
+          </a:xfrm>
+          <a:prstGeom prst="line">
+            <a:avLst/>
+          </a:prstGeom>
+          <a:noFill/>
+          <a:ln w="38100" cap="flat" cmpd="sng" algn="ctr">
+            <a:solidFill>
+              <a:schemeClr val="accent1">
+                <a:tint val="60000"/>
+              </a:schemeClr>
+            </a:solidFill>
+            <a:prstDash val="solid"/>
+            <a:round/>
+            <a:headEnd type="none" w="med" len="med"/>
+            <a:tailEnd type="none" w="med" len="med"/>
+          </a:ln>
+          <a:effectLst/>
+        </p:spPr>
+        <p:txBody>
+          <a:bodyPr vert="horz" wrap="square" lIns="91440" tIns="45720" rIns="91440" bIns="45720" anchor="t" compatLnSpc="1"/>
+          <a:lstStyle/>
+          <a:p>
+            <a:endParaRPr kumimoji="0" lang="en-US" dirty="0"/>
+          </a:p>
+        </p:txBody>
+      </p:sp>
+      <p:sp>
+        <p:nvSpPr>
+          <p:cNvPr id="20" name="Straight Connector 19"/>
+          <p:cNvSpPr>
+            <a:spLocks noChangeShapeType="1"/>
+          </p:cNvSpPr>
+          <p:nvPr/>
+        </p:nvSpPr>
+        <p:spPr bwMode="auto">
+          <a:xfrm>
+            <a:off x="6192296" y="0"/>
+            <a:ext cx="0" cy="6858000"/>
+          </a:xfrm>
+          <a:prstGeom prst="line">
+            <a:avLst/>
+          </a:prstGeom>
+          <a:noFill/>
+          <a:ln w="12700" cap="flat" cmpd="sng" algn="ctr">
+            <a:solidFill>
+              <a:schemeClr val="accent1"/>
+            </a:solidFill>
+            <a:prstDash val="solid"/>
+            <a:round/>
+            <a:headEnd type="none" w="med" len="med"/>
+            <a:tailEnd type="none" w="med" len="med"/>
+          </a:ln>
+          <a:effectLst/>
+        </p:spPr>
+        <p:txBody>
+          <a:bodyPr vert="horz" wrap="square" lIns="91440" tIns="45720" rIns="91440" bIns="45720" anchor="t" compatLnSpc="1"/>
+          <a:lstStyle/>
+          <a:p>
+            <a:endParaRPr kumimoji="0" lang="en-US" dirty="0"/>
+          </a:p>
+        </p:txBody>
+      </p:sp>
+      <p:sp>
+        <p:nvSpPr>
+          <p:cNvPr id="17" name="Date Placeholder 16"/>
           <p:cNvSpPr>
             <a:spLocks noGrp="1"/>
           </p:cNvSpPr>
@@ -3476,7 +5353,7 @@
         </p:nvSpPr>
         <p:spPr/>
         <p:txBody>
-          <a:bodyPr/>
+          <a:bodyPr rtlCol="0"/>
           <a:lstStyle/>
           <a:p>
             <a:fld id="{2F542E98-9E25-4A2D-9991-5E8BB5F8C050}" type="datetimeFigureOut">
@@ -3490,36 +5367,17 @@
       </p:sp>
       <p:sp>
         <p:nvSpPr>
-          <p:cNvPr id="6" name="Footer Placeholder 5"/>
-          <p:cNvSpPr>
-            <a:spLocks noGrp="1"/>
-          </p:cNvSpPr>
-          <p:nvPr>
-            <p:ph type="ftr" sz="quarter" idx="11"/>
-          </p:nvPr>
-        </p:nvSpPr>
-        <p:spPr/>
-        <p:txBody>
-          <a:bodyPr/>
-          <a:lstStyle/>
-          <a:p>
-            <a:endParaRPr lang="en-US"/>
-          </a:p>
-        </p:txBody>
-      </p:sp>
-      <p:sp>
-        <p:nvSpPr>
-          <p:cNvPr id="7" name="Slide Number Placeholder 6"/>
-          <p:cNvSpPr>
-            <a:spLocks noGrp="1"/>
-          </p:cNvSpPr>
-          <p:nvPr>
-            <p:ph type="sldNum" sz="quarter" idx="12"/>
-          </p:nvPr>
-        </p:nvSpPr>
-        <p:spPr/>
-        <p:txBody>
-          <a:bodyPr/>
+          <p:cNvPr id="18" name="Slide Number Placeholder 17"/>
+          <p:cNvSpPr>
+            <a:spLocks noGrp="1"/>
+          </p:cNvSpPr>
+          <p:nvPr>
+            <p:ph type="sldNum" sz="quarter" idx="11"/>
+          </p:nvPr>
+        </p:nvSpPr>
+        <p:spPr/>
+        <p:txBody>
+          <a:bodyPr rtlCol="0"/>
           <a:lstStyle/>
           <a:p>
             <a:fld id="{45C96AA5-07A0-4D73-BCFF-FDC697DF45E3}" type="slidenum">
@@ -3527,6 +5385,25 @@
               <a:pPr/>
               <a:t>‹#›</a:t>
             </a:fld>
+            <a:endParaRPr lang="en-US"/>
+          </a:p>
+        </p:txBody>
+      </p:sp>
+      <p:sp>
+        <p:nvSpPr>
+          <p:cNvPr id="21" name="Footer Placeholder 20"/>
+          <p:cNvSpPr>
+            <a:spLocks noGrp="1"/>
+          </p:cNvSpPr>
+          <p:nvPr>
+            <p:ph type="ftr" sz="quarter" idx="12"/>
+          </p:nvPr>
+        </p:nvSpPr>
+        <p:spPr/>
+        <p:txBody>
+          <a:bodyPr rtlCol="0"/>
+          <a:lstStyle/>
+          <a:p>
             <a:endParaRPr lang="en-US"/>
           </a:p>
         </p:txBody>
@@ -3563,7 +5440,46 @@
       </p:grpSpPr>
       <p:sp>
         <p:nvSpPr>
-          <p:cNvPr id="2" name="Title Placeholder 1"/>
+          <p:cNvPr id="16" name="Straight Connector 15"/>
+          <p:cNvSpPr>
+            <a:spLocks noChangeShapeType="1"/>
+          </p:cNvSpPr>
+          <p:nvPr/>
+        </p:nvSpPr>
+        <p:spPr bwMode="auto">
+          <a:xfrm>
+            <a:off x="8763000" y="0"/>
+            <a:ext cx="0" cy="6858000"/>
+          </a:xfrm>
+          <a:prstGeom prst="line">
+            <a:avLst/>
+          </a:prstGeom>
+          <a:noFill/>
+          <a:ln w="38100" cap="flat" cmpd="sng" algn="ctr">
+            <a:solidFill>
+              <a:schemeClr val="accent1">
+                <a:tint val="60000"/>
+                <a:alpha val="93000"/>
+              </a:schemeClr>
+            </a:solidFill>
+            <a:prstDash val="solid"/>
+            <a:round/>
+            <a:headEnd type="none" w="med" len="med"/>
+            <a:tailEnd type="none" w="med" len="med"/>
+          </a:ln>
+          <a:effectLst/>
+        </p:spPr>
+        <p:txBody>
+          <a:bodyPr vert="horz" wrap="square" lIns="91440" tIns="45720" rIns="91440" bIns="45720" anchor="t" compatLnSpc="1"/>
+          <a:lstStyle/>
+          <a:p>
+            <a:endParaRPr kumimoji="0" lang="en-US" dirty="0"/>
+          </a:p>
+        </p:txBody>
+      </p:sp>
+      <p:sp>
+        <p:nvSpPr>
+          <p:cNvPr id="22" name="Title Placeholder 21"/>
           <p:cNvSpPr>
             <a:spLocks noGrp="1"/>
           </p:cNvSpPr>
@@ -3574,29 +5490,29 @@
         <p:spPr>
           <a:xfrm>
             <a:off x="457200" y="274638"/>
-            <a:ext cx="8229600" cy="1143000"/>
+            <a:ext cx="7467600" cy="1143000"/>
           </a:xfrm>
           <a:prstGeom prst="rect">
             <a:avLst/>
           </a:prstGeom>
         </p:spPr>
         <p:txBody>
-          <a:bodyPr vert="horz" lIns="91440" tIns="45720" rIns="91440" bIns="45720" rtlCol="0" anchor="ctr">
+          <a:bodyPr vert="horz" anchor="b">
             <a:normAutofit/>
           </a:bodyPr>
           <a:lstStyle/>
           <a:p>
             <a:r>
-              <a:rPr lang="en-US" smtClean="0"/>
+              <a:rPr kumimoji="0" lang="en-US" smtClean="0"/>
               <a:t>Click to edit Master title style</a:t>
             </a:r>
-            <a:endParaRPr lang="en-US"/>
-          </a:p>
-        </p:txBody>
-      </p:sp>
-      <p:sp>
-        <p:nvSpPr>
-          <p:cNvPr id="3" name="Text Placeholder 2"/>
+            <a:endParaRPr kumimoji="0" lang="en-US"/>
+          </a:p>
+        </p:txBody>
+      </p:sp>
+      <p:sp>
+        <p:nvSpPr>
+          <p:cNvPr id="13" name="Text Placeholder 12"/>
           <p:cNvSpPr>
             <a:spLocks noGrp="1"/>
           </p:cNvSpPr>
@@ -3607,58 +5523,58 @@
         <p:spPr>
           <a:xfrm>
             <a:off x="457200" y="1600200"/>
-            <a:ext cx="8229600" cy="4525963"/>
+            <a:ext cx="7467600" cy="4873752"/>
           </a:xfrm>
           <a:prstGeom prst="rect">
             <a:avLst/>
           </a:prstGeom>
         </p:spPr>
         <p:txBody>
-          <a:bodyPr vert="horz" lIns="91440" tIns="45720" rIns="91440" bIns="45720" rtlCol="0">
+          <a:bodyPr vert="horz">
             <a:normAutofit/>
           </a:bodyPr>
           <a:lstStyle/>
           <a:p>
-            <a:pPr lvl="0"/>
-            <a:r>
-              <a:rPr lang="en-US" smtClean="0"/>
+            <a:pPr lvl="0" eaLnBrk="1" latinLnBrk="0" hangingPunct="1"/>
+            <a:r>
+              <a:rPr kumimoji="0" lang="en-US" smtClean="0"/>
               <a:t>Click to edit Master text styles</a:t>
             </a:r>
           </a:p>
           <a:p>
-            <a:pPr lvl="1"/>
-            <a:r>
-              <a:rPr lang="en-US" smtClean="0"/>
+            <a:pPr lvl="1" eaLnBrk="1" latinLnBrk="0" hangingPunct="1"/>
+            <a:r>
+              <a:rPr kumimoji="0" lang="en-US" smtClean="0"/>
               <a:t>Second level</a:t>
             </a:r>
           </a:p>
           <a:p>
-            <a:pPr lvl="2"/>
-            <a:r>
-              <a:rPr lang="en-US" smtClean="0"/>
+            <a:pPr lvl="2" eaLnBrk="1" latinLnBrk="0" hangingPunct="1"/>
+            <a:r>
+              <a:rPr kumimoji="0" lang="en-US" smtClean="0"/>
               <a:t>Third level</a:t>
             </a:r>
           </a:p>
           <a:p>
-            <a:pPr lvl="3"/>
-            <a:r>
-              <a:rPr lang="en-US" smtClean="0"/>
+            <a:pPr lvl="3" eaLnBrk="1" latinLnBrk="0" hangingPunct="1"/>
+            <a:r>
+              <a:rPr kumimoji="0" lang="en-US" smtClean="0"/>
               <a:t>Fourth level</a:t>
             </a:r>
           </a:p>
           <a:p>
-            <a:pPr lvl="4"/>
-            <a:r>
-              <a:rPr lang="en-US" smtClean="0"/>
+            <a:pPr lvl="4" eaLnBrk="1" latinLnBrk="0" hangingPunct="1"/>
+            <a:r>
+              <a:rPr kumimoji="0" lang="en-US" smtClean="0"/>
               <a:t>Fifth level</a:t>
             </a:r>
-            <a:endParaRPr lang="en-US"/>
-          </a:p>
-        </p:txBody>
-      </p:sp>
-      <p:sp>
-        <p:nvSpPr>
-          <p:cNvPr id="4" name="Date Placeholder 3"/>
+            <a:endParaRPr kumimoji="0" lang="en-US"/>
+          </a:p>
+        </p:txBody>
+      </p:sp>
+      <p:sp>
+        <p:nvSpPr>
+          <p:cNvPr id="14" name="Date Placeholder 13"/>
           <p:cNvSpPr>
             <a:spLocks noGrp="1"/>
           </p:cNvSpPr>
@@ -3667,23 +5583,21 @@
           </p:nvPr>
         </p:nvSpPr>
         <p:spPr>
-          <a:xfrm>
-            <a:off x="457200" y="6356350"/>
-            <a:ext cx="2133600" cy="365125"/>
+          <a:xfrm rot="5400000">
+            <a:off x="7589520" y="1081851"/>
+            <a:ext cx="2011680" cy="384048"/>
           </a:xfrm>
           <a:prstGeom prst="rect">
             <a:avLst/>
           </a:prstGeom>
         </p:spPr>
         <p:txBody>
-          <a:bodyPr vert="horz" lIns="91440" tIns="45720" rIns="91440" bIns="45720" rtlCol="0" anchor="ctr"/>
+          <a:bodyPr vert="horz" anchor="ctr" anchorCtr="0"/>
           <a:lstStyle>
-            <a:lvl1pPr algn="l">
-              <a:defRPr sz="1200">
+            <a:lvl1pPr algn="r" eaLnBrk="1" latinLnBrk="0" hangingPunct="1">
+              <a:defRPr kumimoji="0" sz="1200">
                 <a:solidFill>
-                  <a:schemeClr val="tx1">
-                    <a:tint val="75000"/>
-                  </a:schemeClr>
+                  <a:schemeClr val="tx2"/>
                 </a:solidFill>
               </a:defRPr>
             </a:lvl1pPr>
@@ -3700,7 +5614,7 @@
       </p:sp>
       <p:sp>
         <p:nvSpPr>
-          <p:cNvPr id="5" name="Footer Placeholder 4"/>
+          <p:cNvPr id="3" name="Footer Placeholder 2"/>
           <p:cNvSpPr>
             <a:spLocks noGrp="1"/>
           </p:cNvSpPr>
@@ -3709,23 +5623,21 @@
           </p:nvPr>
         </p:nvSpPr>
         <p:spPr>
-          <a:xfrm>
-            <a:off x="3124200" y="6356350"/>
-            <a:ext cx="2895600" cy="365125"/>
+          <a:xfrm rot="5400000">
+            <a:off x="6990186" y="3737240"/>
+            <a:ext cx="3200400" cy="365760"/>
           </a:xfrm>
           <a:prstGeom prst="rect">
             <a:avLst/>
           </a:prstGeom>
         </p:spPr>
         <p:txBody>
-          <a:bodyPr vert="horz" lIns="91440" tIns="45720" rIns="91440" bIns="45720" rtlCol="0" anchor="ctr"/>
+          <a:bodyPr vert="horz" anchor="ctr" anchorCtr="0"/>
           <a:lstStyle>
-            <a:lvl1pPr algn="ctr">
-              <a:defRPr sz="1200">
+            <a:lvl1pPr algn="l" eaLnBrk="1" latinLnBrk="0" hangingPunct="1">
+              <a:defRPr kumimoji="0" sz="1200">
                 <a:solidFill>
-                  <a:schemeClr val="tx1">
-                    <a:tint val="75000"/>
-                  </a:schemeClr>
+                  <a:schemeClr val="tx2"/>
                 </a:solidFill>
               </a:defRPr>
             </a:lvl1pPr>
@@ -3737,32 +5649,232 @@
       </p:sp>
       <p:sp>
         <p:nvSpPr>
-          <p:cNvPr id="6" name="Slide Number Placeholder 5"/>
-          <p:cNvSpPr>
-            <a:spLocks noGrp="1"/>
-          </p:cNvSpPr>
-          <p:nvPr>
-            <p:ph type="sldNum" sz="quarter" idx="4"/>
-          </p:nvPr>
-        </p:nvSpPr>
-        <p:spPr>
+          <p:cNvPr id="7" name="Straight Connector 6"/>
+          <p:cNvSpPr>
+            <a:spLocks noChangeShapeType="1"/>
+          </p:cNvSpPr>
+          <p:nvPr/>
+        </p:nvSpPr>
+        <p:spPr bwMode="auto">
           <a:xfrm>
-            <a:off x="6553200" y="6356350"/>
-            <a:ext cx="2133600" cy="365125"/>
+            <a:off x="76200" y="0"/>
+            <a:ext cx="0" cy="6858000"/>
+          </a:xfrm>
+          <a:prstGeom prst="line">
+            <a:avLst/>
+          </a:prstGeom>
+          <a:noFill/>
+          <a:ln w="57150" cap="flat" cmpd="thickThin" algn="ctr">
+            <a:solidFill>
+              <a:schemeClr val="accent1">
+                <a:tint val="60000"/>
+              </a:schemeClr>
+            </a:solidFill>
+            <a:prstDash val="solid"/>
+            <a:round/>
+            <a:headEnd type="none" w="med" len="med"/>
+            <a:tailEnd type="none" w="med" len="med"/>
+          </a:ln>
+          <a:effectLst/>
+        </p:spPr>
+        <p:txBody>
+          <a:bodyPr vert="horz" wrap="square" lIns="91440" tIns="45720" rIns="91440" bIns="45720" anchor="t" compatLnSpc="1"/>
+          <a:lstStyle/>
+          <a:p>
+            <a:endParaRPr kumimoji="0" lang="en-US"/>
+          </a:p>
+        </p:txBody>
+      </p:sp>
+      <p:sp>
+        <p:nvSpPr>
+          <p:cNvPr id="9" name="Straight Connector 8"/>
+          <p:cNvSpPr>
+            <a:spLocks noChangeShapeType="1"/>
+          </p:cNvSpPr>
+          <p:nvPr/>
+        </p:nvSpPr>
+        <p:spPr bwMode="auto">
+          <a:xfrm>
+            <a:off x="8991600" y="0"/>
+            <a:ext cx="0" cy="6858000"/>
+          </a:xfrm>
+          <a:prstGeom prst="line">
+            <a:avLst/>
+          </a:prstGeom>
+          <a:noFill/>
+          <a:ln w="19050" cap="flat" cmpd="sng" algn="ctr">
+            <a:solidFill>
+              <a:schemeClr val="accent1"/>
+            </a:solidFill>
+            <a:prstDash val="solid"/>
+            <a:round/>
+            <a:headEnd type="none" w="med" len="med"/>
+            <a:tailEnd type="none" w="med" len="med"/>
+          </a:ln>
+          <a:effectLst/>
+        </p:spPr>
+        <p:txBody>
+          <a:bodyPr vert="horz" wrap="square" lIns="91440" tIns="45720" rIns="91440" bIns="45720" anchor="t" compatLnSpc="1"/>
+          <a:lstStyle/>
+          <a:p>
+            <a:endParaRPr kumimoji="0" lang="en-US"/>
+          </a:p>
+        </p:txBody>
+      </p:sp>
+      <p:sp>
+        <p:nvSpPr>
+          <p:cNvPr id="10" name="Rectangle 9"/>
+          <p:cNvSpPr/>
+          <p:nvPr/>
+        </p:nvSpPr>
+        <p:spPr bwMode="auto">
+          <a:xfrm>
+            <a:off x="8839200" y="0"/>
+            <a:ext cx="304800" cy="6858000"/>
           </a:xfrm>
           <a:prstGeom prst="rect">
             <a:avLst/>
           </a:prstGeom>
-        </p:spPr>
-        <p:txBody>
-          <a:bodyPr vert="horz" lIns="91440" tIns="45720" rIns="91440" bIns="45720" rtlCol="0" anchor="ctr"/>
+          <a:solidFill>
+            <a:schemeClr val="accent1">
+              <a:tint val="60000"/>
+              <a:alpha val="87000"/>
+            </a:schemeClr>
+          </a:solidFill>
+          <a:ln w="38100" cap="rnd" cmpd="sng" algn="ctr">
+            <a:noFill/>
+            <a:prstDash val="solid"/>
+          </a:ln>
+          <a:effectLst/>
+        </p:spPr>
+        <p:style>
+          <a:lnRef idx="3">
+            <a:schemeClr val="lt1"/>
+          </a:lnRef>
+          <a:fillRef idx="1">
+            <a:schemeClr val="accent1"/>
+          </a:fillRef>
+          <a:effectRef idx="1">
+            <a:schemeClr val="accent1"/>
+          </a:effectRef>
+          <a:fontRef idx="minor">
+            <a:schemeClr val="lt1"/>
+          </a:fontRef>
+        </p:style>
+        <p:txBody>
+          <a:bodyPr anchor="ctr"/>
+          <a:lstStyle/>
+          <a:p>
+            <a:pPr algn="ctr" eaLnBrk="1" latinLnBrk="0" hangingPunct="1"/>
+            <a:endParaRPr kumimoji="0" lang="en-US"/>
+          </a:p>
+        </p:txBody>
+      </p:sp>
+      <p:sp>
+        <p:nvSpPr>
+          <p:cNvPr id="11" name="Straight Connector 10"/>
+          <p:cNvSpPr>
+            <a:spLocks noChangeShapeType="1"/>
+          </p:cNvSpPr>
+          <p:nvPr/>
+        </p:nvSpPr>
+        <p:spPr bwMode="auto">
+          <a:xfrm>
+            <a:off x="8915400" y="0"/>
+            <a:ext cx="0" cy="6858000"/>
+          </a:xfrm>
+          <a:prstGeom prst="line">
+            <a:avLst/>
+          </a:prstGeom>
+          <a:noFill/>
+          <a:ln w="9525" cap="flat" cmpd="sng" algn="ctr">
+            <a:solidFill>
+              <a:schemeClr val="accent1"/>
+            </a:solidFill>
+            <a:prstDash val="solid"/>
+            <a:round/>
+            <a:headEnd type="none" w="med" len="med"/>
+            <a:tailEnd type="none" w="med" len="med"/>
+          </a:ln>
+          <a:effectLst/>
+        </p:spPr>
+        <p:txBody>
+          <a:bodyPr vert="horz" wrap="square" lIns="91440" tIns="45720" rIns="91440" bIns="45720" anchor="t" compatLnSpc="1"/>
+          <a:lstStyle/>
+          <a:p>
+            <a:endParaRPr kumimoji="0" lang="en-US"/>
+          </a:p>
+        </p:txBody>
+      </p:sp>
+      <p:sp>
+        <p:nvSpPr>
+          <p:cNvPr id="12" name="Oval 11"/>
+          <p:cNvSpPr/>
+          <p:nvPr/>
+        </p:nvSpPr>
+        <p:spPr>
+          <a:xfrm>
+            <a:off x="8156448" y="5715000"/>
+            <a:ext cx="548640" cy="548640"/>
+          </a:xfrm>
+          <a:prstGeom prst="ellipse">
+            <a:avLst/>
+          </a:prstGeom>
+          <a:ln w="38100" cap="rnd" cmpd="sng" algn="ctr">
+            <a:noFill/>
+            <a:prstDash val="solid"/>
+          </a:ln>
+          <a:effectLst/>
+        </p:spPr>
+        <p:style>
+          <a:lnRef idx="3">
+            <a:schemeClr val="lt1"/>
+          </a:lnRef>
+          <a:fillRef idx="1">
+            <a:schemeClr val="accent1"/>
+          </a:fillRef>
+          <a:effectRef idx="1">
+            <a:schemeClr val="accent1"/>
+          </a:effectRef>
+          <a:fontRef idx="minor">
+            <a:schemeClr val="lt1"/>
+          </a:fontRef>
+        </p:style>
+        <p:txBody>
+          <a:bodyPr anchor="ctr"/>
+          <a:lstStyle/>
+          <a:p>
+            <a:pPr algn="ctr" eaLnBrk="1" latinLnBrk="0" hangingPunct="1"/>
+            <a:endParaRPr kumimoji="0" lang="en-US" dirty="0"/>
+          </a:p>
+        </p:txBody>
+      </p:sp>
+      <p:sp>
+        <p:nvSpPr>
+          <p:cNvPr id="23" name="Slide Number Placeholder 22"/>
+          <p:cNvSpPr>
+            <a:spLocks noGrp="1"/>
+          </p:cNvSpPr>
+          <p:nvPr>
+            <p:ph type="sldNum" sz="quarter" idx="4"/>
+          </p:nvPr>
+        </p:nvSpPr>
+        <p:spPr>
+          <a:xfrm>
+            <a:off x="8129016" y="5734050"/>
+            <a:ext cx="609600" cy="521208"/>
+          </a:xfrm>
+          <a:prstGeom prst="rect">
+            <a:avLst/>
+          </a:prstGeom>
+        </p:spPr>
+        <p:txBody>
+          <a:bodyPr vert="horz" anchor="ctr"/>
           <a:lstStyle>
-            <a:lvl1pPr algn="r">
-              <a:defRPr sz="1200">
+            <a:lvl1pPr algn="ctr" eaLnBrk="1" latinLnBrk="0" hangingPunct="1">
+              <a:defRPr kumimoji="0" sz="1400" b="1">
                 <a:solidFill>
-                  <a:schemeClr val="tx1">
-                    <a:tint val="75000"/>
-                  </a:schemeClr>
+                  <a:srgbClr val="FFFFFF"/>
                 </a:solidFill>
               </a:defRPr>
             </a:lvl1pPr>
@@ -3781,28 +5893,28 @@
   </p:cSld>
   <p:clrMap bg1="lt1" tx1="dk1" bg2="lt2" tx2="dk2" accent1="accent1" accent2="accent2" accent3="accent3" accent4="accent4" accent5="accent5" accent6="accent6" hlink="hlink" folHlink="folHlink"/>
   <p:sldLayoutIdLst>
-    <p:sldLayoutId id="2147483649" r:id="rId1"/>
-    <p:sldLayoutId id="2147483650" r:id="rId2"/>
-    <p:sldLayoutId id="2147483651" r:id="rId3"/>
-    <p:sldLayoutId id="2147483652" r:id="rId4"/>
-    <p:sldLayoutId id="2147483653" r:id="rId5"/>
-    <p:sldLayoutId id="2147483654" r:id="rId6"/>
-    <p:sldLayoutId id="2147483655" r:id="rId7"/>
-    <p:sldLayoutId id="2147483656" r:id="rId8"/>
-    <p:sldLayoutId id="2147483657" r:id="rId9"/>
-    <p:sldLayoutId id="2147483658" r:id="rId10"/>
-    <p:sldLayoutId id="2147483659" r:id="rId11"/>
+    <p:sldLayoutId id="2147483733" r:id="rId1"/>
+    <p:sldLayoutId id="2147483734" r:id="rId2"/>
+    <p:sldLayoutId id="2147483735" r:id="rId3"/>
+    <p:sldLayoutId id="2147483736" r:id="rId4"/>
+    <p:sldLayoutId id="2147483737" r:id="rId5"/>
+    <p:sldLayoutId id="2147483738" r:id="rId6"/>
+    <p:sldLayoutId id="2147483739" r:id="rId7"/>
+    <p:sldLayoutId id="2147483740" r:id="rId8"/>
+    <p:sldLayoutId id="2147483741" r:id="rId9"/>
+    <p:sldLayoutId id="2147483742" r:id="rId10"/>
+    <p:sldLayoutId id="2147483743" r:id="rId11"/>
   </p:sldLayoutIdLst>
   <p:txStyles>
     <p:titleStyle>
-      <a:lvl1pPr algn="ctr" defTabSz="914400" rtl="0" eaLnBrk="1" latinLnBrk="0" hangingPunct="1">
+      <a:lvl1pPr algn="l" rtl="0" eaLnBrk="1" latinLnBrk="0" hangingPunct="1">
         <a:spcBef>
           <a:spcPct val="0"/>
         </a:spcBef>
         <a:buNone/>
-        <a:defRPr sz="4400" kern="1200">
+        <a:defRPr kumimoji="0" sz="3000" b="0" kern="1200" cap="small" baseline="0">
           <a:solidFill>
-            <a:schemeClr val="tx1"/>
+            <a:schemeClr val="tx2"/>
           </a:solidFill>
           <a:latin typeface="+mj-lt"/>
           <a:ea typeface="+mj-ea"/>
@@ -3811,13 +5923,17 @@
       </a:lvl1pPr>
     </p:titleStyle>
     <p:bodyStyle>
-      <a:lvl1pPr marL="342900" indent="-342900" algn="l" defTabSz="914400" rtl="0" eaLnBrk="1" latinLnBrk="0" hangingPunct="1">
+      <a:lvl1pPr marL="274320" indent="-274320" algn="l" rtl="0" eaLnBrk="1" latinLnBrk="0" hangingPunct="1">
         <a:spcBef>
-          <a:spcPct val="20000"/>
+          <a:spcPts val="600"/>
         </a:spcBef>
-        <a:buFont typeface="Arial" pitchFamily="34" charset="0"/>
-        <a:buChar char="•"/>
-        <a:defRPr sz="3200" kern="1200">
+        <a:buClr>
+          <a:schemeClr val="accent1"/>
+        </a:buClr>
+        <a:buSzPct val="70000"/>
+        <a:buFont typeface="Wingdings"/>
+        <a:buChar char=""/>
+        <a:defRPr kumimoji="0" sz="2400" kern="1200">
           <a:solidFill>
             <a:schemeClr val="tx1"/>
           </a:solidFill>
@@ -3826,13 +5942,17 @@
           <a:cs typeface="+mn-cs"/>
         </a:defRPr>
       </a:lvl1pPr>
-      <a:lvl2pPr marL="742950" indent="-285750" algn="l" defTabSz="914400" rtl="0" eaLnBrk="1" latinLnBrk="0" hangingPunct="1">
+      <a:lvl2pPr marL="640080" indent="-274320" algn="l" rtl="0" eaLnBrk="1" latinLnBrk="0" hangingPunct="1">
         <a:spcBef>
           <a:spcPct val="20000"/>
         </a:spcBef>
-        <a:buFont typeface="Arial" pitchFamily="34" charset="0"/>
-        <a:buChar char="–"/>
-        <a:defRPr sz="2800" kern="1200">
+        <a:buClr>
+          <a:schemeClr val="accent1"/>
+        </a:buClr>
+        <a:buSzPct val="80000"/>
+        <a:buFont typeface="Wingdings 2"/>
+        <a:buChar char=""/>
+        <a:defRPr kumimoji="0" sz="2100" kern="1200">
           <a:solidFill>
             <a:schemeClr val="tx1"/>
           </a:solidFill>
@@ -3841,13 +5961,19 @@
           <a:cs typeface="+mn-cs"/>
         </a:defRPr>
       </a:lvl2pPr>
-      <a:lvl3pPr marL="1143000" indent="-228600" algn="l" defTabSz="914400" rtl="0" eaLnBrk="1" latinLnBrk="0" hangingPunct="1">
+      <a:lvl3pPr marL="914400" indent="-182880" algn="l" rtl="0" eaLnBrk="1" latinLnBrk="0" hangingPunct="1">
         <a:spcBef>
           <a:spcPct val="20000"/>
         </a:spcBef>
-        <a:buFont typeface="Arial" pitchFamily="34" charset="0"/>
-        <a:buChar char="•"/>
-        <a:defRPr sz="2400" kern="1200">
+        <a:buClr>
+          <a:schemeClr val="accent1">
+            <a:shade val="75000"/>
+          </a:schemeClr>
+        </a:buClr>
+        <a:buSzPct val="60000"/>
+        <a:buFont typeface="Wingdings"/>
+        <a:buChar char=""/>
+        <a:defRPr kumimoji="0" sz="1800" kern="1200">
           <a:solidFill>
             <a:schemeClr val="tx1"/>
           </a:solidFill>
@@ -3856,13 +5982,19 @@
           <a:cs typeface="+mn-cs"/>
         </a:defRPr>
       </a:lvl3pPr>
-      <a:lvl4pPr marL="1600200" indent="-228600" algn="l" defTabSz="914400" rtl="0" eaLnBrk="1" latinLnBrk="0" hangingPunct="1">
+      <a:lvl4pPr marL="1188720" indent="-182880" algn="l" rtl="0" eaLnBrk="1" latinLnBrk="0" hangingPunct="1">
         <a:spcBef>
           <a:spcPct val="20000"/>
         </a:spcBef>
-        <a:buFont typeface="Arial" pitchFamily="34" charset="0"/>
-        <a:buChar char="–"/>
-        <a:defRPr sz="2000" kern="1200">
+        <a:buClr>
+          <a:schemeClr val="accent1">
+            <a:tint val="60000"/>
+          </a:schemeClr>
+        </a:buClr>
+        <a:buSzPct val="60000"/>
+        <a:buFont typeface="Wingdings"/>
+        <a:buChar char=""/>
+        <a:defRPr kumimoji="0" sz="1800" kern="1200">
           <a:solidFill>
             <a:schemeClr val="tx1"/>
           </a:solidFill>
@@ -3871,13 +6003,19 @@
           <a:cs typeface="+mn-cs"/>
         </a:defRPr>
       </a:lvl4pPr>
-      <a:lvl5pPr marL="2057400" indent="-228600" algn="l" defTabSz="914400" rtl="0" eaLnBrk="1" latinLnBrk="0" hangingPunct="1">
+      <a:lvl5pPr marL="1463040" indent="-182880" algn="l" rtl="0" eaLnBrk="1" latinLnBrk="0" hangingPunct="1">
         <a:spcBef>
           <a:spcPct val="20000"/>
         </a:spcBef>
-        <a:buFont typeface="Arial" pitchFamily="34" charset="0"/>
-        <a:buChar char="»"/>
-        <a:defRPr sz="2000" kern="1200">
+        <a:buClr>
+          <a:schemeClr val="accent2">
+            <a:tint val="60000"/>
+          </a:schemeClr>
+        </a:buClr>
+        <a:buSzPct val="68000"/>
+        <a:buFont typeface="Wingdings 2"/>
+        <a:buChar char=""/>
+        <a:defRPr kumimoji="0" sz="1600" kern="1200">
           <a:solidFill>
             <a:schemeClr val="tx1"/>
           </a:solidFill>
@@ -3886,13 +6024,134 @@
           <a:cs typeface="+mn-cs"/>
         </a:defRPr>
       </a:lvl5pPr>
-      <a:lvl6pPr marL="2514600" indent="-228600" algn="l" defTabSz="914400" rtl="0" eaLnBrk="1" latinLnBrk="0" hangingPunct="1">
+      <a:lvl6pPr marL="1737360" indent="-182880" algn="l" rtl="0" eaLnBrk="1" latinLnBrk="0" hangingPunct="1">
         <a:spcBef>
           <a:spcPct val="20000"/>
         </a:spcBef>
-        <a:buFont typeface="Arial" pitchFamily="34" charset="0"/>
+        <a:buClr>
+          <a:schemeClr val="accent1"/>
+        </a:buClr>
         <a:buChar char="•"/>
-        <a:defRPr sz="2000" kern="1200">
+        <a:defRPr kumimoji="0" sz="1600" kern="1200">
+          <a:solidFill>
+            <a:schemeClr val="tx2"/>
+          </a:solidFill>
+          <a:latin typeface="+mn-lt"/>
+          <a:ea typeface="+mn-ea"/>
+          <a:cs typeface="+mn-cs"/>
+        </a:defRPr>
+      </a:lvl6pPr>
+      <a:lvl7pPr marL="2011680" indent="-182880" algn="l" rtl="0" eaLnBrk="1" latinLnBrk="0" hangingPunct="1">
+        <a:spcBef>
+          <a:spcPct val="20000"/>
+        </a:spcBef>
+        <a:buClr>
+          <a:schemeClr val="accent1">
+            <a:tint val="60000"/>
+          </a:schemeClr>
+        </a:buClr>
+        <a:buSzPct val="60000"/>
+        <a:buFont typeface="Wingdings"/>
+        <a:buChar char=""/>
+        <a:defRPr kumimoji="0" sz="1400" kern="1200" baseline="0">
+          <a:solidFill>
+            <a:schemeClr val="tx2"/>
+          </a:solidFill>
+          <a:latin typeface="+mn-lt"/>
+          <a:ea typeface="+mn-ea"/>
+          <a:cs typeface="+mn-cs"/>
+        </a:defRPr>
+      </a:lvl7pPr>
+      <a:lvl8pPr marL="2286000" indent="-182880" algn="l" rtl="0" eaLnBrk="1" latinLnBrk="0" hangingPunct="1">
+        <a:spcBef>
+          <a:spcPct val="20000"/>
+        </a:spcBef>
+        <a:buClr>
+          <a:schemeClr val="accent2"/>
+        </a:buClr>
+        <a:buChar char="•"/>
+        <a:defRPr kumimoji="0" sz="1400" kern="1200" cap="small" baseline="0">
+          <a:solidFill>
+            <a:schemeClr val="tx2"/>
+          </a:solidFill>
+          <a:latin typeface="+mn-lt"/>
+          <a:ea typeface="+mn-ea"/>
+          <a:cs typeface="+mn-cs"/>
+        </a:defRPr>
+      </a:lvl8pPr>
+      <a:lvl9pPr marL="2560320" indent="-182880" algn="l" rtl="0" eaLnBrk="1" latinLnBrk="0" hangingPunct="1">
+        <a:spcBef>
+          <a:spcPct val="20000"/>
+        </a:spcBef>
+        <a:buClr>
+          <a:schemeClr val="accent1">
+            <a:shade val="75000"/>
+          </a:schemeClr>
+        </a:buClr>
+        <a:buChar char="•"/>
+        <a:defRPr kumimoji="0" sz="1400" kern="1200" baseline="0">
+          <a:solidFill>
+            <a:schemeClr val="tx2"/>
+          </a:solidFill>
+          <a:latin typeface="+mn-lt"/>
+          <a:ea typeface="+mn-ea"/>
+          <a:cs typeface="+mn-cs"/>
+        </a:defRPr>
+      </a:lvl9pPr>
+    </p:bodyStyle>
+    <p:otherStyle>
+      <a:lvl1pPr marL="0" algn="l" rtl="0" eaLnBrk="1" latinLnBrk="0" hangingPunct="1">
+        <a:defRPr kumimoji="0" kern="1200">
+          <a:solidFill>
+            <a:schemeClr val="tx1"/>
+          </a:solidFill>
+          <a:latin typeface="+mn-lt"/>
+          <a:ea typeface="+mn-ea"/>
+          <a:cs typeface="+mn-cs"/>
+        </a:defRPr>
+      </a:lvl1pPr>
+      <a:lvl2pPr marL="457200" algn="l" rtl="0" eaLnBrk="1" latinLnBrk="0" hangingPunct="1">
+        <a:defRPr kumimoji="0" kern="1200">
+          <a:solidFill>
+            <a:schemeClr val="tx1"/>
+          </a:solidFill>
+          <a:latin typeface="+mn-lt"/>
+          <a:ea typeface="+mn-ea"/>
+          <a:cs typeface="+mn-cs"/>
+        </a:defRPr>
+      </a:lvl2pPr>
+      <a:lvl3pPr marL="914400" algn="l" rtl="0" eaLnBrk="1" latinLnBrk="0" hangingPunct="1">
+        <a:defRPr kumimoji="0" kern="1200">
+          <a:solidFill>
+            <a:schemeClr val="tx1"/>
+          </a:solidFill>
+          <a:latin typeface="+mn-lt"/>
+          <a:ea typeface="+mn-ea"/>
+          <a:cs typeface="+mn-cs"/>
+        </a:defRPr>
+      </a:lvl3pPr>
+      <a:lvl4pPr marL="1371600" algn="l" rtl="0" eaLnBrk="1" latinLnBrk="0" hangingPunct="1">
+        <a:defRPr kumimoji="0" kern="1200">
+          <a:solidFill>
+            <a:schemeClr val="tx1"/>
+          </a:solidFill>
+          <a:latin typeface="+mn-lt"/>
+          <a:ea typeface="+mn-ea"/>
+          <a:cs typeface="+mn-cs"/>
+        </a:defRPr>
+      </a:lvl4pPr>
+      <a:lvl5pPr marL="1828800" algn="l" rtl="0" eaLnBrk="1" latinLnBrk="0" hangingPunct="1">
+        <a:defRPr kumimoji="0" kern="1200">
+          <a:solidFill>
+            <a:schemeClr val="tx1"/>
+          </a:solidFill>
+          <a:latin typeface="+mn-lt"/>
+          <a:ea typeface="+mn-ea"/>
+          <a:cs typeface="+mn-cs"/>
+        </a:defRPr>
+      </a:lvl5pPr>
+      <a:lvl6pPr marL="2286000" algn="l" rtl="0" eaLnBrk="1" latinLnBrk="0" hangingPunct="1">
+        <a:defRPr kumimoji="0" kern="1200">
           <a:solidFill>
             <a:schemeClr val="tx1"/>
           </a:solidFill>
@@ -3901,13 +6160,8 @@
           <a:cs typeface="+mn-cs"/>
         </a:defRPr>
       </a:lvl6pPr>
-      <a:lvl7pPr marL="2971800" indent="-228600" algn="l" defTabSz="914400" rtl="0" eaLnBrk="1" latinLnBrk="0" hangingPunct="1">
-        <a:spcBef>
-          <a:spcPct val="20000"/>
-        </a:spcBef>
-        <a:buFont typeface="Arial" pitchFamily="34" charset="0"/>
-        <a:buChar char="•"/>
-        <a:defRPr sz="2000" kern="1200">
+      <a:lvl7pPr marL="2743200" algn="l" rtl="0" eaLnBrk="1" latinLnBrk="0" hangingPunct="1">
+        <a:defRPr kumimoji="0" kern="1200">
           <a:solidFill>
             <a:schemeClr val="tx1"/>
           </a:solidFill>
@@ -3916,13 +6170,8 @@
           <a:cs typeface="+mn-cs"/>
         </a:defRPr>
       </a:lvl7pPr>
-      <a:lvl8pPr marL="3429000" indent="-228600" algn="l" defTabSz="914400" rtl="0" eaLnBrk="1" latinLnBrk="0" hangingPunct="1">
-        <a:spcBef>
-          <a:spcPct val="20000"/>
-        </a:spcBef>
-        <a:buFont typeface="Arial" pitchFamily="34" charset="0"/>
-        <a:buChar char="•"/>
-        <a:defRPr sz="2000" kern="1200">
+      <a:lvl8pPr marL="3200400" algn="l" rtl="0" eaLnBrk="1" latinLnBrk="0" hangingPunct="1">
+        <a:defRPr kumimoji="0" kern="1200">
           <a:solidFill>
             <a:schemeClr val="tx1"/>
           </a:solidFill>
@@ -3931,108 +6180,8 @@
           <a:cs typeface="+mn-cs"/>
         </a:defRPr>
       </a:lvl8pPr>
-      <a:lvl9pPr marL="3886200" indent="-228600" algn="l" defTabSz="914400" rtl="0" eaLnBrk="1" latinLnBrk="0" hangingPunct="1">
-        <a:spcBef>
-          <a:spcPct val="20000"/>
-        </a:spcBef>
-        <a:buFont typeface="Arial" pitchFamily="34" charset="0"/>
-        <a:buChar char="•"/>
-        <a:defRPr sz="2000" kern="1200">
-          <a:solidFill>
-            <a:schemeClr val="tx1"/>
-          </a:solidFill>
-          <a:latin typeface="+mn-lt"/>
-          <a:ea typeface="+mn-ea"/>
-          <a:cs typeface="+mn-cs"/>
-        </a:defRPr>
-      </a:lvl9pPr>
-    </p:bodyStyle>
-    <p:otherStyle>
-      <a:defPPr>
-        <a:defRPr lang="en-US"/>
-      </a:defPPr>
-      <a:lvl1pPr marL="0" algn="l" defTabSz="914400" rtl="0" eaLnBrk="1" latinLnBrk="0" hangingPunct="1">
-        <a:defRPr sz="1800" kern="1200">
-          <a:solidFill>
-            <a:schemeClr val="tx1"/>
-          </a:solidFill>
-          <a:latin typeface="+mn-lt"/>
-          <a:ea typeface="+mn-ea"/>
-          <a:cs typeface="+mn-cs"/>
-        </a:defRPr>
-      </a:lvl1pPr>
-      <a:lvl2pPr marL="457200" algn="l" defTabSz="914400" rtl="0" eaLnBrk="1" latinLnBrk="0" hangingPunct="1">
-        <a:defRPr sz="1800" kern="1200">
-          <a:solidFill>
-            <a:schemeClr val="tx1"/>
-          </a:solidFill>
-          <a:latin typeface="+mn-lt"/>
-          <a:ea typeface="+mn-ea"/>
-          <a:cs typeface="+mn-cs"/>
-        </a:defRPr>
-      </a:lvl2pPr>
-      <a:lvl3pPr marL="914400" algn="l" defTabSz="914400" rtl="0" eaLnBrk="1" latinLnBrk="0" hangingPunct="1">
-        <a:defRPr sz="1800" kern="1200">
-          <a:solidFill>
-            <a:schemeClr val="tx1"/>
-          </a:solidFill>
-          <a:latin typeface="+mn-lt"/>
-          <a:ea typeface="+mn-ea"/>
-          <a:cs typeface="+mn-cs"/>
-        </a:defRPr>
-      </a:lvl3pPr>
-      <a:lvl4pPr marL="1371600" algn="l" defTabSz="914400" rtl="0" eaLnBrk="1" latinLnBrk="0" hangingPunct="1">
-        <a:defRPr sz="1800" kern="1200">
-          <a:solidFill>
-            <a:schemeClr val="tx1"/>
-          </a:solidFill>
-          <a:latin typeface="+mn-lt"/>
-          <a:ea typeface="+mn-ea"/>
-          <a:cs typeface="+mn-cs"/>
-        </a:defRPr>
-      </a:lvl4pPr>
-      <a:lvl5pPr marL="1828800" algn="l" defTabSz="914400" rtl="0" eaLnBrk="1" latinLnBrk="0" hangingPunct="1">
-        <a:defRPr sz="1800" kern="1200">
-          <a:solidFill>
-            <a:schemeClr val="tx1"/>
-          </a:solidFill>
-          <a:latin typeface="+mn-lt"/>
-          <a:ea typeface="+mn-ea"/>
-          <a:cs typeface="+mn-cs"/>
-        </a:defRPr>
-      </a:lvl5pPr>
-      <a:lvl6pPr marL="2286000" algn="l" defTabSz="914400" rtl="0" eaLnBrk="1" latinLnBrk="0" hangingPunct="1">
-        <a:defRPr sz="1800" kern="1200">
-          <a:solidFill>
-            <a:schemeClr val="tx1"/>
-          </a:solidFill>
-          <a:latin typeface="+mn-lt"/>
-          <a:ea typeface="+mn-ea"/>
-          <a:cs typeface="+mn-cs"/>
-        </a:defRPr>
-      </a:lvl6pPr>
-      <a:lvl7pPr marL="2743200" algn="l" defTabSz="914400" rtl="0" eaLnBrk="1" latinLnBrk="0" hangingPunct="1">
-        <a:defRPr sz="1800" kern="1200">
-          <a:solidFill>
-            <a:schemeClr val="tx1"/>
-          </a:solidFill>
-          <a:latin typeface="+mn-lt"/>
-          <a:ea typeface="+mn-ea"/>
-          <a:cs typeface="+mn-cs"/>
-        </a:defRPr>
-      </a:lvl7pPr>
-      <a:lvl8pPr marL="3200400" algn="l" defTabSz="914400" rtl="0" eaLnBrk="1" latinLnBrk="0" hangingPunct="1">
-        <a:defRPr sz="1800" kern="1200">
-          <a:solidFill>
-            <a:schemeClr val="tx1"/>
-          </a:solidFill>
-          <a:latin typeface="+mn-lt"/>
-          <a:ea typeface="+mn-ea"/>
-          <a:cs typeface="+mn-cs"/>
-        </a:defRPr>
-      </a:lvl8pPr>
-      <a:lvl9pPr marL="3657600" algn="l" defTabSz="914400" rtl="0" eaLnBrk="1" latinLnBrk="0" hangingPunct="1">
-        <a:defRPr sz="1800" kern="1200">
+      <a:lvl9pPr marL="3657600" algn="l" rtl="0" eaLnBrk="1" latinLnBrk="0" hangingPunct="1">
+        <a:defRPr kumimoji="0" kern="1200">
           <a:solidFill>
             <a:schemeClr val="tx1"/>
           </a:solidFill>
@@ -4125,6 +6274,32 @@
           </a:p>
         </p:txBody>
       </p:sp>
+      <p:pic>
+        <p:nvPicPr>
+          <p:cNvPr id="37890" name="Picture 2" descr="https://upload.wikimedia.org/wikipedia/commons/thumb/d/d2/Oauth_logo.svg/180px-Oauth_logo.svg.png"/>
+          <p:cNvPicPr>
+            <a:picLocks noChangeAspect="1" noChangeArrowheads="1"/>
+          </p:cNvPicPr>
+          <p:nvPr/>
+        </p:nvPicPr>
+        <p:blipFill>
+          <a:blip r:embed="rId2" cstate="print"/>
+          <a:srcRect/>
+          <a:stretch>
+            <a:fillRect/>
+          </a:stretch>
+        </p:blipFill>
+        <p:spPr bwMode="auto">
+          <a:xfrm>
+            <a:off x="3810000" y="1447800"/>
+            <a:ext cx="1714500" cy="1724025"/>
+          </a:xfrm>
+          <a:prstGeom prst="rect">
+            <a:avLst/>
+          </a:prstGeom>
+          <a:noFill/>
+        </p:spPr>
+      </p:pic>
     </p:spTree>
   </p:cSld>
   <p:clrMapOvr>
@@ -4162,70 +6337,68 @@
         </p:nvSpPr>
         <p:spPr/>
         <p:txBody>
+          <a:bodyPr/>
+          <a:lstStyle/>
+          <a:p>
+            <a:r>
+              <a:rPr lang="en-US" dirty="0" smtClean="0"/>
+              <a:t>OWIN</a:t>
+            </a:r>
+            <a:endParaRPr lang="en-US" dirty="0"/>
+          </a:p>
+        </p:txBody>
+      </p:sp>
+      <p:sp>
+        <p:nvSpPr>
+          <p:cNvPr id="3" name="Content Placeholder 2"/>
+          <p:cNvSpPr>
+            <a:spLocks noGrp="1"/>
+          </p:cNvSpPr>
+          <p:nvPr>
+            <p:ph sz="quarter" idx="1"/>
+          </p:nvPr>
+        </p:nvSpPr>
+        <p:spPr/>
+        <p:txBody>
           <a:bodyPr>
-            <a:normAutofit fontScale="90000"/>
+            <a:normAutofit/>
           </a:bodyPr>
           <a:lstStyle/>
           <a:p>
             <a:r>
               <a:rPr lang="en-US" dirty="0" smtClean="0"/>
-              <a:t>Setting Up </a:t>
-            </a:r>
+              <a:t>Meant to be OS independent and can self-host. With </a:t>
+            </a:r>
+            <a:r>
+              <a:rPr lang="en-US" dirty="0"/>
+              <a:t>OWIN, your code is not related to the OS (specifically to </a:t>
+            </a:r>
+            <a:r>
+              <a:rPr lang="en-US" dirty="0" err="1"/>
+              <a:t>System.Web</a:t>
+            </a:r>
+            <a:r>
+              <a:rPr lang="en-US" dirty="0"/>
+              <a:t>, the “huge” monolithic library that lies behind the execution of ASP.NET). This means that you can use whatever you want instead of IIS (i.e. Katana or </a:t>
+            </a:r>
+            <a:r>
+              <a:rPr lang="en-US" dirty="0" err="1"/>
+              <a:t>Nowin</a:t>
+            </a:r>
+            <a:r>
+              <a:rPr lang="en-US" dirty="0"/>
+              <a:t>) and update it when necessary, instead of updating the OS. Moreover, if you need it, you can build your custom host and insert whatever you want in the HTTP request processing pipeline (i.e. your custom authentication logic). </a:t>
+            </a:r>
+            <a:endParaRPr lang="en-US" dirty="0" smtClean="0"/>
+          </a:p>
+          <a:p>
             <a:r>
               <a:rPr lang="en-US" dirty="0" err="1" smtClean="0"/>
               <a:t>OAuth</a:t>
             </a:r>
             <a:r>
               <a:rPr lang="en-US" dirty="0" smtClean="0"/>
-              <a:t> Authorization Server</a:t>
-            </a:r>
-            <a:endParaRPr lang="en-US" dirty="0"/>
-          </a:p>
-        </p:txBody>
-      </p:sp>
-      <p:sp>
-        <p:nvSpPr>
-          <p:cNvPr id="3" name="Content Placeholder 2"/>
-          <p:cNvSpPr>
-            <a:spLocks noGrp="1"/>
-          </p:cNvSpPr>
-          <p:nvPr>
-            <p:ph idx="1"/>
-          </p:nvPr>
-        </p:nvSpPr>
-        <p:spPr/>
-        <p:txBody>
-          <a:bodyPr/>
-          <a:lstStyle/>
-          <a:p>
-            <a:r>
-              <a:rPr lang="en-US" dirty="0" smtClean="0"/>
-              <a:t>Register OWIN </a:t>
-            </a:r>
-            <a:r>
-              <a:rPr lang="en-US" dirty="0" err="1" smtClean="0"/>
-              <a:t>OAuth</a:t>
-            </a:r>
-            <a:r>
-              <a:rPr lang="en-US" dirty="0" smtClean="0"/>
-              <a:t> </a:t>
-            </a:r>
-            <a:r>
-              <a:rPr lang="en-US" dirty="0" smtClean="0"/>
-              <a:t>middleware</a:t>
-            </a:r>
-          </a:p>
-          <a:p>
-            <a:r>
-              <a:rPr lang="en-US" dirty="0" smtClean="0"/>
-              <a:t>Define options for token format, expiration</a:t>
-            </a:r>
-            <a:endParaRPr lang="en-US" dirty="0" smtClean="0"/>
-          </a:p>
-          <a:p>
-            <a:r>
-              <a:rPr lang="en-US" dirty="0" smtClean="0"/>
-              <a:t>Setup endpoint to receive authorization grant</a:t>
+              <a:t> is an OWIN middleware component</a:t>
             </a:r>
             <a:endParaRPr lang="en-US" dirty="0"/>
           </a:p>
@@ -4268,40 +6441,183 @@
         </p:nvSpPr>
         <p:spPr/>
         <p:txBody>
-          <a:bodyPr/>
+          <a:bodyPr>
+            <a:normAutofit/>
+          </a:bodyPr>
+          <a:lstStyle/>
+          <a:p>
+            <a:r>
+              <a:rPr lang="en-US" b="1" dirty="0"/>
+              <a:t>Setting up ASP.NET Web API with </a:t>
+            </a:r>
+            <a:r>
+              <a:rPr lang="en-US" b="1" dirty="0" err="1" smtClean="0"/>
+              <a:t>Owin</a:t>
+            </a:r>
+            <a:endParaRPr lang="en-US" dirty="0"/>
+          </a:p>
+        </p:txBody>
+      </p:sp>
+      <p:sp>
+        <p:nvSpPr>
+          <p:cNvPr id="3" name="Content Placeholder 2"/>
+          <p:cNvSpPr>
+            <a:spLocks noGrp="1"/>
+          </p:cNvSpPr>
+          <p:nvPr>
+            <p:ph sz="quarter" idx="1"/>
+          </p:nvPr>
+        </p:nvSpPr>
+        <p:spPr/>
+        <p:txBody>
+          <a:bodyPr>
+            <a:normAutofit fontScale="92500" lnSpcReduction="20000"/>
+          </a:bodyPr>
           <a:lstStyle/>
           <a:p>
             <a:r>
               <a:rPr lang="en-US" dirty="0" smtClean="0"/>
-              <a:t>Installing Angular</a:t>
-            </a:r>
-            <a:endParaRPr lang="en-US" dirty="0"/>
-          </a:p>
-        </p:txBody>
-      </p:sp>
-      <p:sp>
-        <p:nvSpPr>
-          <p:cNvPr id="3" name="Content Placeholder 2"/>
-          <p:cNvSpPr>
-            <a:spLocks noGrp="1"/>
-          </p:cNvSpPr>
-          <p:nvPr>
-            <p:ph idx="1"/>
-          </p:nvPr>
-        </p:nvSpPr>
-        <p:spPr/>
-        <p:txBody>
-          <a:bodyPr/>
-          <a:lstStyle/>
+              <a:t>Create </a:t>
+            </a:r>
+            <a:r>
+              <a:rPr lang="en-US" dirty="0"/>
+              <a:t>a new </a:t>
+            </a:r>
+            <a:r>
+              <a:rPr lang="en-US" b="1" dirty="0"/>
+              <a:t>ASP.NET Web Application</a:t>
+            </a:r>
+            <a:r>
+              <a:rPr lang="en-US" dirty="0"/>
+              <a:t>, choose the </a:t>
+            </a:r>
+            <a:r>
+              <a:rPr lang="en-US" b="1" dirty="0"/>
+              <a:t>Empty</a:t>
+            </a:r>
+            <a:r>
+              <a:rPr lang="en-US" dirty="0"/>
+              <a:t> template, and tick the </a:t>
+            </a:r>
+            <a:r>
+              <a:rPr lang="en-US" b="1" dirty="0"/>
+              <a:t>Web API</a:t>
+            </a:r>
+            <a:r>
+              <a:rPr lang="en-US" dirty="0"/>
+              <a:t> option under “Add folders and core references for”: this will install all the </a:t>
+            </a:r>
+            <a:r>
+              <a:rPr lang="en-US" dirty="0" err="1"/>
+              <a:t>Nuget</a:t>
+            </a:r>
+            <a:r>
+              <a:rPr lang="en-US" dirty="0"/>
+              <a:t> packages needed for a Web API project, and will setup the folder structure;</a:t>
+            </a:r>
+          </a:p>
           <a:p>
             <a:r>
               <a:rPr lang="en-US" dirty="0" smtClean="0"/>
-              <a:t>bower install </a:t>
+              <a:t>Install </a:t>
+            </a:r>
+            <a:r>
+              <a:rPr lang="en-US" dirty="0"/>
+              <a:t>the </a:t>
+            </a:r>
+            <a:r>
+              <a:rPr lang="en-US" dirty="0" err="1"/>
+              <a:t>Owin</a:t>
+            </a:r>
+            <a:r>
+              <a:rPr lang="en-US" dirty="0"/>
+              <a:t> packages and the </a:t>
+            </a:r>
+            <a:r>
+              <a:rPr lang="en-US" dirty="0" err="1"/>
+              <a:t>Owin</a:t>
+            </a:r>
+            <a:r>
+              <a:rPr lang="en-US" dirty="0"/>
+              <a:t>-Web API “bridge”: by installing </a:t>
             </a:r>
             <a:r>
               <a:rPr lang="en-US" dirty="0" smtClean="0"/>
-              <a:t>angular (preferably Angular 1.4+)</a:t>
-            </a:r>
+              <a:t>the </a:t>
+            </a:r>
+            <a:r>
+              <a:rPr lang="en-US" b="1" dirty="0" err="1" smtClean="0"/>
+              <a:t>Microsoft.AspNet.WebApi.Owin</a:t>
+            </a:r>
+            <a:r>
+              <a:rPr lang="en-US" dirty="0"/>
+              <a:t> you’ll get everything you need;</a:t>
+            </a:r>
+          </a:p>
+          <a:p>
+            <a:r>
+              <a:rPr lang="en-US" dirty="0" smtClean="0"/>
+              <a:t>Install</a:t>
+            </a:r>
+            <a:r>
+              <a:rPr lang="en-US" dirty="0"/>
+              <a:t> </a:t>
+            </a:r>
+            <a:r>
+              <a:rPr lang="en-US" b="1" dirty="0" err="1"/>
+              <a:t>Microsoft.Owin.Host.SystemWeb</a:t>
+            </a:r>
+            <a:r>
+              <a:rPr lang="en-US" dirty="0"/>
+              <a:t> </a:t>
+            </a:r>
+            <a:r>
+              <a:rPr lang="en-US" dirty="0" smtClean="0"/>
+              <a:t>to run the within </a:t>
+            </a:r>
+            <a:r>
+              <a:rPr lang="en-US" dirty="0"/>
+              <a:t>IIS.</a:t>
+            </a:r>
+          </a:p>
+          <a:p>
+            <a:r>
+              <a:rPr lang="en-US" dirty="0" smtClean="0"/>
+              <a:t>Configure </a:t>
+            </a:r>
+            <a:r>
+              <a:rPr lang="en-US" dirty="0"/>
+              <a:t>the </a:t>
+            </a:r>
+            <a:r>
+              <a:rPr lang="en-US" dirty="0" err="1"/>
+              <a:t>Owin</a:t>
+            </a:r>
+            <a:r>
+              <a:rPr lang="en-US" dirty="0"/>
+              <a:t> Startup class to fire up Web API: just add a </a:t>
+            </a:r>
+            <a:r>
+              <a:rPr lang="en-US" b="1" dirty="0"/>
+              <a:t>OWIN Startup class</a:t>
+            </a:r>
+            <a:r>
+              <a:rPr lang="en-US" dirty="0"/>
+              <a:t> from Visual Studio contextual menu and add to </a:t>
+            </a:r>
+            <a:r>
+              <a:rPr lang="en-US" dirty="0" smtClean="0"/>
+              <a:t>the Configuration</a:t>
+            </a:r>
+            <a:r>
+              <a:rPr lang="en-US" dirty="0"/>
+              <a:t> method the right configuration for Web API.</a:t>
+            </a:r>
+          </a:p>
+          <a:p>
+            <a:pPr>
+              <a:buNone/>
+            </a:pPr>
             <a:endParaRPr lang="en-US" dirty="0"/>
           </a:p>
         </p:txBody>
@@ -4343,79 +6659,110 @@
         </p:nvSpPr>
         <p:spPr/>
         <p:txBody>
+          <a:bodyPr>
+            <a:normAutofit/>
+          </a:bodyPr>
+          <a:lstStyle/>
+          <a:p>
+            <a:r>
+              <a:rPr lang="en-US" dirty="0" smtClean="0"/>
+              <a:t>Setting Up </a:t>
+            </a:r>
+            <a:r>
+              <a:rPr lang="en-US" dirty="0" err="1" smtClean="0"/>
+              <a:t>OAuth</a:t>
+            </a:r>
+            <a:r>
+              <a:rPr lang="en-US" dirty="0" smtClean="0"/>
+              <a:t> Authorization Server</a:t>
+            </a:r>
+            <a:endParaRPr lang="en-US" dirty="0"/>
+          </a:p>
+        </p:txBody>
+      </p:sp>
+      <p:sp>
+        <p:nvSpPr>
+          <p:cNvPr id="3" name="Content Placeholder 2"/>
+          <p:cNvSpPr>
+            <a:spLocks noGrp="1"/>
+          </p:cNvSpPr>
+          <p:nvPr>
+            <p:ph sz="quarter" idx="1"/>
+          </p:nvPr>
+        </p:nvSpPr>
+        <p:spPr/>
+        <p:txBody>
           <a:bodyPr/>
           <a:lstStyle/>
           <a:p>
             <a:r>
               <a:rPr lang="en-US" dirty="0" smtClean="0"/>
-              <a:t>Authentication Flow</a:t>
-            </a:r>
-            <a:endParaRPr lang="en-US" dirty="0"/>
-          </a:p>
-        </p:txBody>
-      </p:sp>
-      <p:sp>
-        <p:nvSpPr>
-          <p:cNvPr id="3" name="Content Placeholder 2"/>
-          <p:cNvSpPr>
-            <a:spLocks noGrp="1"/>
-          </p:cNvSpPr>
-          <p:nvPr>
-            <p:ph idx="1"/>
-          </p:nvPr>
-        </p:nvSpPr>
-        <p:spPr/>
-        <p:txBody>
-          <a:bodyPr>
-            <a:normAutofit fontScale="92500" lnSpcReduction="20000"/>
-          </a:bodyPr>
-          <a:lstStyle/>
-          <a:p>
+              <a:t>Register OWIN </a:t>
+            </a:r>
+            <a:r>
+              <a:rPr lang="en-US" dirty="0" err="1" smtClean="0"/>
+              <a:t>OAuth</a:t>
+            </a:r>
             <a:r>
               <a:rPr lang="en-US" dirty="0" smtClean="0"/>
-              <a:t>Both the API (resource server) and authorization server are owned by the same company and are trusted.</a:t>
-            </a:r>
+              <a:t> middleware</a:t>
+            </a:r>
+          </a:p>
+          <a:p>
+            <a:endParaRPr lang="en-US" dirty="0" smtClean="0"/>
+          </a:p>
+          <a:p>
+            <a:pPr>
+              <a:buNone/>
+            </a:pPr>
+            <a:r>
+              <a:rPr lang="en-US" dirty="0" err="1" smtClean="0">
+                <a:latin typeface="Courier New" pitchFamily="49" charset="0"/>
+                <a:cs typeface="Courier New" pitchFamily="49" charset="0"/>
+              </a:rPr>
+              <a:t>app.UseOAuthAuthorizationServer</a:t>
+            </a:r>
+            <a:r>
+              <a:rPr lang="en-US" dirty="0" smtClean="0">
+                <a:latin typeface="Courier New" pitchFamily="49" charset="0"/>
+                <a:cs typeface="Courier New" pitchFamily="49" charset="0"/>
+              </a:rPr>
+              <a:t> </a:t>
+            </a:r>
+          </a:p>
+          <a:p>
+            <a:pPr>
+              <a:buNone/>
+            </a:pPr>
+            <a:r>
+              <a:rPr lang="en-US" dirty="0" err="1" smtClean="0">
+                <a:latin typeface="Courier New" pitchFamily="49" charset="0"/>
+                <a:cs typeface="Courier New" pitchFamily="49" charset="0"/>
+              </a:rPr>
+              <a:t>app.UseOAuthBearerAuthentication</a:t>
+            </a:r>
+            <a:r>
+              <a:rPr lang="en-US" dirty="0" smtClean="0">
+                <a:latin typeface="Courier New" pitchFamily="49" charset="0"/>
+                <a:cs typeface="Courier New" pitchFamily="49" charset="0"/>
+              </a:rPr>
+              <a:t> </a:t>
+            </a:r>
+          </a:p>
+          <a:p>
+            <a:endParaRPr lang="en-US" dirty="0" smtClean="0"/>
           </a:p>
           <a:p>
             <a:r>
               <a:rPr lang="en-US" dirty="0" smtClean="0"/>
-              <a:t>Authentication over HTTPS to public </a:t>
-            </a:r>
+              <a:t>Define options for token format, expiration</a:t>
+            </a:r>
+          </a:p>
+          <a:p>
             <a:r>
               <a:rPr lang="en-US" dirty="0" smtClean="0"/>
-              <a:t>client</a:t>
-            </a:r>
-          </a:p>
-          <a:p>
-            <a:r>
-              <a:rPr lang="en-US" dirty="0" smtClean="0"/>
-              <a:t>Upon login, user/password is sent to auth server and access token is returned.  </a:t>
-            </a:r>
-            <a:r>
-              <a:rPr lang="en-US" dirty="0" smtClean="0"/>
-              <a:t>A</a:t>
-            </a:r>
-            <a:r>
-              <a:rPr lang="en-US" dirty="0" smtClean="0"/>
-              <a:t>ccess token in HTML5 local storage.</a:t>
-            </a:r>
-          </a:p>
-          <a:p>
-            <a:r>
-              <a:rPr lang="en-US" dirty="0" smtClean="0"/>
-              <a:t>Requests are made to the API with the access token in the header.</a:t>
-            </a:r>
-          </a:p>
-          <a:p>
-            <a:r>
-              <a:rPr lang="en-US" dirty="0" smtClean="0"/>
-              <a:t>When an access token expires, a new one is generated.</a:t>
-            </a:r>
-          </a:p>
-          <a:p>
-            <a:endParaRPr lang="en-US" dirty="0" smtClean="0"/>
-          </a:p>
-          <a:p>
+              <a:t>Setup endpoint to receive authorization grant</a:t>
+            </a:r>
             <a:endParaRPr lang="en-US" dirty="0"/>
           </a:p>
         </p:txBody>
@@ -4461,12 +6808,8 @@
           <a:lstStyle/>
           <a:p>
             <a:r>
-              <a:rPr lang="en-US" dirty="0" err="1" smtClean="0"/>
-              <a:t>Oauth</a:t>
-            </a:r>
-            <a:r>
               <a:rPr lang="en-US" dirty="0" smtClean="0"/>
-              <a:t> Access Tokens</a:t>
+              <a:t>Installing Angular</a:t>
             </a:r>
             <a:endParaRPr lang="en-US" dirty="0"/>
           </a:p>
@@ -4479,82 +6822,23 @@
             <a:spLocks noGrp="1"/>
           </p:cNvSpPr>
           <p:nvPr>
-            <p:ph idx="1"/>
-          </p:nvPr>
-        </p:nvSpPr>
-        <p:spPr/>
-        <p:txBody>
-          <a:bodyPr>
-            <a:normAutofit/>
-          </a:bodyPr>
+            <p:ph sz="quarter" idx="1"/>
+          </p:nvPr>
+        </p:nvSpPr>
+        <p:spPr/>
+        <p:txBody>
+          <a:bodyPr/>
           <a:lstStyle/>
           <a:p>
             <a:r>
               <a:rPr lang="en-US" dirty="0" smtClean="0"/>
-              <a:t>Encrypt </a:t>
-            </a:r>
-            <a:r>
-              <a:rPr lang="en-US" dirty="0"/>
-              <a:t>Bearer Tokens</a:t>
-            </a:r>
-          </a:p>
-          <a:p>
-            <a:r>
-              <a:rPr lang="en-US" dirty="0" smtClean="0"/>
-              <a:t>Bearer </a:t>
-            </a:r>
-            <a:r>
-              <a:rPr lang="en-US" dirty="0"/>
-              <a:t>Tokens must be short lived</a:t>
-            </a:r>
-          </a:p>
-          <a:p>
-            <a:r>
-              <a:rPr lang="en-US" dirty="0"/>
-              <a:t>Don't pass in </a:t>
-            </a:r>
-            <a:r>
-              <a:rPr lang="en-US" dirty="0" err="1"/>
-              <a:t>urls</a:t>
-            </a:r>
-            <a:r>
-              <a:rPr lang="en-US" dirty="0"/>
-              <a:t>, put in header</a:t>
-            </a:r>
-          </a:p>
-          <a:p>
-            <a:r>
-              <a:rPr lang="en-US" dirty="0"/>
-              <a:t>Refresh tokens </a:t>
-            </a:r>
-            <a:r>
-              <a:rPr lang="en-US" dirty="0" smtClean="0"/>
-              <a:t>periodically</a:t>
-            </a:r>
-          </a:p>
-          <a:p>
-            <a:r>
-              <a:rPr lang="en-US" dirty="0" smtClean="0"/>
-              <a:t>Validate </a:t>
-            </a:r>
-            <a:r>
-              <a:rPr lang="en-US" dirty="0"/>
-              <a:t>SSL </a:t>
-            </a:r>
-            <a:r>
-              <a:rPr lang="en-US" dirty="0" smtClean="0"/>
-              <a:t>Certs</a:t>
+              <a:t>bower install angular (preferably Angular 1.4+)</a:t>
             </a:r>
             <a:endParaRPr lang="en-US" dirty="0"/>
           </a:p>
         </p:txBody>
       </p:sp>
     </p:spTree>
-    <p:extLst>
-      <p:ext uri="{BB962C8B-B14F-4D97-AF65-F5344CB8AC3E}">
-        <p14:creationId xmlns="" xmlns:p14="http://schemas.microsoft.com/office/powerpoint/2010/main" val="1535832740"/>
-      </p:ext>
-    </p:extLst>
   </p:cSld>
   <p:clrMapOvr>
     <a:masterClrMapping/>
@@ -4596,70 +6880,79 @@
           <a:p>
             <a:r>
               <a:rPr lang="en-US" dirty="0" smtClean="0"/>
-              <a:t>Third Party </a:t>
-            </a:r>
-            <a:r>
-              <a:rPr lang="en-US" dirty="0" err="1" smtClean="0"/>
-              <a:t>Oauth</a:t>
-            </a:r>
+              <a:t>Authentication Flow</a:t>
+            </a:r>
+            <a:endParaRPr lang="en-US" dirty="0"/>
+          </a:p>
+        </p:txBody>
+      </p:sp>
+      <p:sp>
+        <p:nvSpPr>
+          <p:cNvPr id="3" name="Content Placeholder 2"/>
+          <p:cNvSpPr>
+            <a:spLocks noGrp="1"/>
+          </p:cNvSpPr>
+          <p:nvPr>
+            <p:ph sz="quarter" idx="1"/>
+          </p:nvPr>
+        </p:nvSpPr>
+        <p:spPr/>
+        <p:txBody>
+          <a:bodyPr>
+            <a:normAutofit/>
+          </a:bodyPr>
+          <a:lstStyle/>
+          <a:p>
             <a:r>
               <a:rPr lang="en-US" dirty="0" smtClean="0"/>
-              <a:t> Solutions</a:t>
-            </a:r>
-            <a:endParaRPr lang="en-US" dirty="0"/>
-          </a:p>
-        </p:txBody>
-      </p:sp>
-      <p:sp>
-        <p:nvSpPr>
-          <p:cNvPr id="3" name="Content Placeholder 2"/>
-          <p:cNvSpPr>
-            <a:spLocks noGrp="1"/>
-          </p:cNvSpPr>
-          <p:nvPr>
-            <p:ph idx="1"/>
-          </p:nvPr>
-        </p:nvSpPr>
-        <p:spPr/>
-        <p:txBody>
-          <a:bodyPr/>
-          <a:lstStyle/>
-          <a:p>
-            <a:r>
-              <a:rPr lang="en-US" b="1" dirty="0" smtClean="0"/>
-              <a:t>IdentityServer3</a:t>
-            </a:r>
+              <a:t>Both the API (resource server) and authorization server are owned by the same company and are trusted.</a:t>
+            </a:r>
+          </a:p>
+          <a:p>
             <a:r>
               <a:rPr lang="en-US" dirty="0" smtClean="0"/>
-              <a:t>: </a:t>
-            </a:r>
-            <a:r>
-              <a:rPr lang="en-US" dirty="0" smtClean="0">
-                <a:hlinkClick r:id="rId2"/>
-              </a:rPr>
-              <a:t>https://</a:t>
-            </a:r>
-            <a:r>
-              <a:rPr lang="en-US" dirty="0" smtClean="0">
-                <a:hlinkClick r:id="rId2"/>
-              </a:rPr>
-              <a:t>github.com/IdentityServer/IdentityServer3</a:t>
+              <a:t>Authentication over HTTPS to public client</a:t>
+            </a:r>
+          </a:p>
+          <a:p>
+            <a:r>
+              <a:rPr lang="en-US" dirty="0" smtClean="0"/>
+              <a:t>Upon login, </a:t>
+            </a:r>
+            <a:r>
+              <a:rPr lang="en-US" dirty="0" smtClean="0"/>
+              <a:t>user/password and client id </a:t>
+            </a:r>
+            <a:r>
+              <a:rPr lang="en-US" dirty="0" smtClean="0"/>
+              <a:t>is sent to auth server and access token is returned.  Access token in HTML5 local storage</a:t>
+            </a:r>
+            <a:r>
+              <a:rPr lang="en-US" dirty="0" smtClean="0"/>
+              <a:t>.</a:t>
+            </a:r>
+          </a:p>
+          <a:p>
+            <a:r>
+              <a:rPr lang="en-US" dirty="0" smtClean="0"/>
+              <a:t>Client id is used to validate the user.</a:t>
             </a:r>
             <a:endParaRPr lang="en-US" dirty="0" smtClean="0"/>
           </a:p>
           <a:p>
             <a:r>
-              <a:rPr lang="en-US" b="1" dirty="0" smtClean="0"/>
-              <a:t>Auth0</a:t>
-            </a:r>
-            <a:r>
               <a:rPr lang="en-US" dirty="0" smtClean="0"/>
-              <a:t>: https://</a:t>
-            </a:r>
+              <a:t>Requests are made to the API with the access token in the header.</a:t>
+            </a:r>
+          </a:p>
+          <a:p>
             <a:r>
               <a:rPr lang="en-US" dirty="0" smtClean="0"/>
-              <a:t>auth0.com</a:t>
-            </a:r>
+              <a:t>When an access token expires, a new one is generated.</a:t>
+            </a:r>
+          </a:p>
+          <a:p>
+            <a:endParaRPr lang="en-US" dirty="0" smtClean="0"/>
           </a:p>
           <a:p>
             <a:endParaRPr lang="en-US" dirty="0"/>
@@ -4707,6 +7000,380 @@
           <a:lstStyle/>
           <a:p>
             <a:r>
+              <a:rPr lang="en-US" dirty="0" err="1" smtClean="0"/>
+              <a:t>Oauth</a:t>
+            </a:r>
+            <a:r>
+              <a:rPr lang="en-US" dirty="0" smtClean="0"/>
+              <a:t> Access Tokens</a:t>
+            </a:r>
+            <a:endParaRPr lang="en-US" dirty="0"/>
+          </a:p>
+        </p:txBody>
+      </p:sp>
+      <p:sp>
+        <p:nvSpPr>
+          <p:cNvPr id="3" name="Content Placeholder 2"/>
+          <p:cNvSpPr>
+            <a:spLocks noGrp="1"/>
+          </p:cNvSpPr>
+          <p:nvPr>
+            <p:ph sz="quarter" idx="1"/>
+          </p:nvPr>
+        </p:nvSpPr>
+        <p:spPr/>
+        <p:txBody>
+          <a:bodyPr>
+            <a:normAutofit/>
+          </a:bodyPr>
+          <a:lstStyle/>
+          <a:p>
+            <a:r>
+              <a:rPr lang="en-US" dirty="0" smtClean="0"/>
+              <a:t>Encrypt </a:t>
+            </a:r>
+            <a:r>
+              <a:rPr lang="en-US" dirty="0"/>
+              <a:t>Bearer Tokens</a:t>
+            </a:r>
+          </a:p>
+          <a:p>
+            <a:r>
+              <a:rPr lang="en-US" dirty="0" smtClean="0"/>
+              <a:t>Bearer </a:t>
+            </a:r>
+            <a:r>
+              <a:rPr lang="en-US" dirty="0"/>
+              <a:t>Tokens must be short </a:t>
+            </a:r>
+            <a:r>
+              <a:rPr lang="en-US" dirty="0" smtClean="0"/>
+              <a:t>lived (several hours to days)</a:t>
+            </a:r>
+            <a:endParaRPr lang="en-US" dirty="0"/>
+          </a:p>
+          <a:p>
+            <a:r>
+              <a:rPr lang="en-US" dirty="0"/>
+              <a:t>Don't pass in </a:t>
+            </a:r>
+            <a:r>
+              <a:rPr lang="en-US" dirty="0" err="1"/>
+              <a:t>urls</a:t>
+            </a:r>
+            <a:r>
+              <a:rPr lang="en-US" dirty="0"/>
+              <a:t>, put in header</a:t>
+            </a:r>
+          </a:p>
+          <a:p>
+            <a:r>
+              <a:rPr lang="en-US" dirty="0"/>
+              <a:t>Refresh tokens </a:t>
+            </a:r>
+            <a:r>
+              <a:rPr lang="en-US" dirty="0" smtClean="0"/>
+              <a:t>periodically</a:t>
+            </a:r>
+          </a:p>
+          <a:p>
+            <a:r>
+              <a:rPr lang="en-US" dirty="0" smtClean="0"/>
+              <a:t>Validate </a:t>
+            </a:r>
+            <a:r>
+              <a:rPr lang="en-US" dirty="0"/>
+              <a:t>SSL </a:t>
+            </a:r>
+            <a:r>
+              <a:rPr lang="en-US" dirty="0" smtClean="0"/>
+              <a:t>Certs</a:t>
+            </a:r>
+            <a:endParaRPr lang="en-US" dirty="0"/>
+          </a:p>
+        </p:txBody>
+      </p:sp>
+    </p:spTree>
+    <p:extLst>
+      <p:ext uri="{BB962C8B-B14F-4D97-AF65-F5344CB8AC3E}">
+        <p14:creationId xmlns="" xmlns:p14="http://schemas.microsoft.com/office/powerpoint/2010/main" val="1535832740"/>
+      </p:ext>
+    </p:extLst>
+  </p:cSld>
+  <p:clrMapOvr>
+    <a:masterClrMapping/>
+  </p:clrMapOvr>
+</p:sld>
+</file>
+
+<file path=ppt/slides/slide16.xml><?xml version="1.0" encoding="utf-8"?>
+<p:sld xmlns:a="http://schemas.openxmlformats.org/drawingml/2006/main" xmlns:r="http://schemas.openxmlformats.org/officeDocument/2006/relationships" xmlns:p="http://schemas.openxmlformats.org/presentationml/2006/main">
+  <p:cSld>
+    <p:spTree>
+      <p:nvGrpSpPr>
+        <p:cNvPr id="1" name=""/>
+        <p:cNvGrpSpPr/>
+        <p:nvPr/>
+      </p:nvGrpSpPr>
+      <p:grpSpPr>
+        <a:xfrm>
+          <a:off x="0" y="0"/>
+          <a:ext cx="0" cy="0"/>
+          <a:chOff x="0" y="0"/>
+          <a:chExt cx="0" cy="0"/>
+        </a:xfrm>
+      </p:grpSpPr>
+      <p:sp>
+        <p:nvSpPr>
+          <p:cNvPr id="2" name="Title 1"/>
+          <p:cNvSpPr>
+            <a:spLocks noGrp="1"/>
+          </p:cNvSpPr>
+          <p:nvPr>
+            <p:ph type="title"/>
+          </p:nvPr>
+        </p:nvSpPr>
+        <p:spPr/>
+        <p:txBody>
+          <a:bodyPr/>
+          <a:lstStyle/>
+          <a:p>
+            <a:r>
+              <a:rPr lang="en-US" dirty="0" smtClean="0"/>
+              <a:t>Third Party </a:t>
+            </a:r>
+            <a:r>
+              <a:rPr lang="en-US" dirty="0" err="1" smtClean="0"/>
+              <a:t>Oauth</a:t>
+            </a:r>
+            <a:r>
+              <a:rPr lang="en-US" dirty="0" smtClean="0"/>
+              <a:t> Solutions</a:t>
+            </a:r>
+            <a:endParaRPr lang="en-US" dirty="0"/>
+          </a:p>
+        </p:txBody>
+      </p:sp>
+      <p:sp>
+        <p:nvSpPr>
+          <p:cNvPr id="3" name="Content Placeholder 2"/>
+          <p:cNvSpPr>
+            <a:spLocks noGrp="1"/>
+          </p:cNvSpPr>
+          <p:nvPr>
+            <p:ph sz="quarter" idx="1"/>
+          </p:nvPr>
+        </p:nvSpPr>
+        <p:spPr/>
+        <p:txBody>
+          <a:bodyPr/>
+          <a:lstStyle/>
+          <a:p>
+            <a:r>
+              <a:rPr lang="en-US" b="1" dirty="0" smtClean="0"/>
+              <a:t>IdentityServer3</a:t>
+            </a:r>
+            <a:r>
+              <a:rPr lang="en-US" dirty="0" smtClean="0"/>
+              <a:t>: </a:t>
+            </a:r>
+            <a:r>
+              <a:rPr lang="en-US" dirty="0" smtClean="0">
+                <a:hlinkClick r:id="rId2"/>
+              </a:rPr>
+              <a:t>https://github.com/IdentityServer/IdentityServer3</a:t>
+            </a:r>
+            <a:endParaRPr lang="en-US" dirty="0" smtClean="0"/>
+          </a:p>
+          <a:p>
+            <a:r>
+              <a:rPr lang="en-US" b="1" dirty="0" smtClean="0"/>
+              <a:t>Auth0</a:t>
+            </a:r>
+            <a:r>
+              <a:rPr lang="en-US" dirty="0" smtClean="0"/>
+              <a:t>: https://auth0.com</a:t>
+            </a:r>
+          </a:p>
+          <a:p>
+            <a:endParaRPr lang="en-US" dirty="0"/>
+          </a:p>
+        </p:txBody>
+      </p:sp>
+    </p:spTree>
+  </p:cSld>
+  <p:clrMapOvr>
+    <a:masterClrMapping/>
+  </p:clrMapOvr>
+</p:sld>
+</file>
+
+<file path=ppt/slides/slide17.xml><?xml version="1.0" encoding="utf-8"?>
+<p:sld xmlns:a="http://schemas.openxmlformats.org/drawingml/2006/main" xmlns:r="http://schemas.openxmlformats.org/officeDocument/2006/relationships" xmlns:p="http://schemas.openxmlformats.org/presentationml/2006/main">
+  <p:cSld>
+    <p:spTree>
+      <p:nvGrpSpPr>
+        <p:cNvPr id="1" name=""/>
+        <p:cNvGrpSpPr/>
+        <p:nvPr/>
+      </p:nvGrpSpPr>
+      <p:grpSpPr>
+        <a:xfrm>
+          <a:off x="0" y="0"/>
+          <a:ext cx="0" cy="0"/>
+          <a:chOff x="0" y="0"/>
+          <a:chExt cx="0" cy="0"/>
+        </a:xfrm>
+      </p:grpSpPr>
+      <p:sp>
+        <p:nvSpPr>
+          <p:cNvPr id="2" name="Title 1"/>
+          <p:cNvSpPr>
+            <a:spLocks noGrp="1"/>
+          </p:cNvSpPr>
+          <p:nvPr>
+            <p:ph type="title"/>
+          </p:nvPr>
+        </p:nvSpPr>
+        <p:spPr/>
+        <p:txBody>
+          <a:bodyPr/>
+          <a:lstStyle/>
+          <a:p>
+            <a:r>
+              <a:rPr lang="en-US" dirty="0" smtClean="0"/>
+              <a:t>Tips and Tricks</a:t>
+            </a:r>
+            <a:endParaRPr lang="en-US" dirty="0"/>
+          </a:p>
+        </p:txBody>
+      </p:sp>
+      <p:sp>
+        <p:nvSpPr>
+          <p:cNvPr id="3" name="Content Placeholder 2"/>
+          <p:cNvSpPr>
+            <a:spLocks noGrp="1"/>
+          </p:cNvSpPr>
+          <p:nvPr>
+            <p:ph sz="quarter" idx="1"/>
+          </p:nvPr>
+        </p:nvSpPr>
+        <p:spPr/>
+        <p:txBody>
+          <a:bodyPr/>
+          <a:lstStyle/>
+          <a:p>
+            <a:r>
+              <a:rPr lang="en-US" dirty="0" smtClean="0"/>
+              <a:t>Prevent hot linking of sensitive images by returning a Base64 string and placing it has a background-image on a div. Authorize the request using [</a:t>
+            </a:r>
+            <a:r>
+              <a:rPr lang="en-US" dirty="0" err="1" smtClean="0"/>
+              <a:t>AuthorizeAttribute</a:t>
+            </a:r>
+            <a:r>
+              <a:rPr lang="en-US" dirty="0" smtClean="0"/>
+              <a:t>].</a:t>
+            </a:r>
+          </a:p>
+          <a:p>
+            <a:r>
+              <a:rPr lang="en-US" dirty="0" smtClean="0"/>
+              <a:t>If writing your own auth server</a:t>
+            </a:r>
+          </a:p>
+          <a:p>
+            <a:pPr lvl="1"/>
+            <a:r>
+              <a:rPr lang="en-US" dirty="0" smtClean="0"/>
+              <a:t>validate requests for access tokens and refresh tokens on a database</a:t>
+            </a:r>
+          </a:p>
+          <a:p>
+            <a:pPr lvl="1"/>
+            <a:r>
+              <a:rPr lang="en-US" dirty="0" smtClean="0"/>
+              <a:t>Include the option to </a:t>
+            </a:r>
+            <a:r>
+              <a:rPr lang="en-US" smtClean="0"/>
+              <a:t>disable </a:t>
+            </a:r>
+            <a:r>
+              <a:rPr lang="en-US" smtClean="0"/>
+              <a:t>client ids </a:t>
+            </a:r>
+            <a:r>
+              <a:rPr lang="en-US" dirty="0" smtClean="0"/>
+              <a:t>or users if compromised.</a:t>
+            </a:r>
+          </a:p>
+          <a:p>
+            <a:pPr lvl="1"/>
+            <a:r>
+              <a:rPr lang="en-US" dirty="0" smtClean="0"/>
+              <a:t>Use strong encryptions such as </a:t>
+            </a:r>
+            <a:r>
+              <a:rPr lang="en-US" dirty="0" err="1" smtClean="0"/>
+              <a:t>rijndael</a:t>
+            </a:r>
+            <a:r>
+              <a:rPr lang="en-US" dirty="0" smtClean="0"/>
+              <a:t>. </a:t>
+            </a:r>
+            <a:r>
+              <a:rPr lang="en-US" dirty="0" err="1" smtClean="0"/>
+              <a:t>Asynmetric</a:t>
+            </a:r>
+            <a:r>
+              <a:rPr lang="en-US" dirty="0" smtClean="0"/>
+              <a:t> keys are also possible but difficult to do it, just like writing your own auth server.</a:t>
+            </a:r>
+          </a:p>
+        </p:txBody>
+      </p:sp>
+    </p:spTree>
+  </p:cSld>
+  <p:clrMapOvr>
+    <a:masterClrMapping/>
+  </p:clrMapOvr>
+</p:sld>
+</file>
+
+<file path=ppt/slides/slide18.xml><?xml version="1.0" encoding="utf-8"?>
+<p:sld xmlns:a="http://schemas.openxmlformats.org/drawingml/2006/main" xmlns:r="http://schemas.openxmlformats.org/officeDocument/2006/relationships" xmlns:p="http://schemas.openxmlformats.org/presentationml/2006/main">
+  <p:cSld>
+    <p:spTree>
+      <p:nvGrpSpPr>
+        <p:cNvPr id="1" name=""/>
+        <p:cNvGrpSpPr/>
+        <p:nvPr/>
+      </p:nvGrpSpPr>
+      <p:grpSpPr>
+        <a:xfrm>
+          <a:off x="0" y="0"/>
+          <a:ext cx="0" cy="0"/>
+          <a:chOff x="0" y="0"/>
+          <a:chExt cx="0" cy="0"/>
+        </a:xfrm>
+      </p:grpSpPr>
+      <p:sp>
+        <p:nvSpPr>
+          <p:cNvPr id="2" name="Title 1"/>
+          <p:cNvSpPr>
+            <a:spLocks noGrp="1"/>
+          </p:cNvSpPr>
+          <p:nvPr>
+            <p:ph type="title"/>
+          </p:nvPr>
+        </p:nvSpPr>
+        <p:spPr/>
+        <p:txBody>
+          <a:bodyPr/>
+          <a:lstStyle/>
+          <a:p>
+            <a:r>
               <a:rPr lang="en-US" dirty="0" smtClean="0"/>
               <a:t>Useful Links</a:t>
             </a:r>
@@ -4721,7 +7388,7 @@
             <a:spLocks noGrp="1"/>
           </p:cNvSpPr>
           <p:nvPr>
-            <p:ph idx="1"/>
+            <p:ph sz="quarter" idx="1"/>
           </p:nvPr>
         </p:nvSpPr>
         <p:spPr/>
@@ -4732,165 +7399,143 @@
           <a:lstStyle/>
           <a:p>
             <a:r>
-              <a:rPr lang="en-US" sz="1800" b="1" dirty="0" err="1" smtClean="0"/>
+              <a:rPr lang="en-US" sz="1600" b="1" dirty="0" err="1" smtClean="0"/>
               <a:t>OAuth</a:t>
             </a:r>
             <a:r>
-              <a:rPr lang="en-US" sz="1800" b="1" dirty="0" smtClean="0"/>
+              <a:rPr lang="en-US" sz="1600" b="1" dirty="0" smtClean="0"/>
+              <a:t> 2.0 specs</a:t>
+            </a:r>
+            <a:r>
+              <a:rPr lang="en-US" sz="1600" dirty="0" smtClean="0"/>
+              <a:t>: https://tools.ietf.org/html/rfc6749</a:t>
+            </a:r>
+          </a:p>
+          <a:p>
+            <a:r>
+              <a:rPr lang="en-US" sz="1600" b="1" dirty="0" err="1" smtClean="0"/>
+              <a:t>Oauth</a:t>
+            </a:r>
+            <a:r>
+              <a:rPr lang="en-US" sz="1600" b="1" dirty="0" smtClean="0"/>
+              <a:t> Security: </a:t>
+            </a:r>
+            <a:r>
+              <a:rPr lang="en-US" sz="1600" dirty="0" smtClean="0"/>
+              <a:t>http://www.oauthsecurity.com</a:t>
+            </a:r>
+            <a:endParaRPr lang="en-US" sz="1600" b="1" dirty="0" smtClean="0"/>
+          </a:p>
+          <a:p>
+            <a:r>
+              <a:rPr lang="en-US" sz="1600" b="1" dirty="0" err="1" smtClean="0"/>
+              <a:t>Oauth</a:t>
+            </a:r>
+            <a:r>
+              <a:rPr lang="en-US" sz="1600" b="1" dirty="0" smtClean="0"/>
+              <a:t> Bible</a:t>
+            </a:r>
+            <a:r>
+              <a:rPr lang="en-US" sz="1600" dirty="0" smtClean="0"/>
+              <a:t>: http://authbible.com</a:t>
+            </a:r>
+          </a:p>
+          <a:p>
+            <a:r>
+              <a:rPr lang="en-US" sz="1600" b="1" dirty="0" smtClean="0"/>
+              <a:t>Persisting Refresh Token</a:t>
+            </a:r>
+            <a:r>
+              <a:rPr lang="en-US" sz="1600" dirty="0" smtClean="0"/>
+              <a:t>: http://timney.net/persisting-your-refresh-tokens</a:t>
+            </a:r>
+          </a:p>
+          <a:p>
+            <a:r>
+              <a:rPr lang="en-US" sz="1600" b="1" dirty="0" err="1" smtClean="0"/>
+              <a:t>OAuth</a:t>
+            </a:r>
+            <a:r>
+              <a:rPr lang="en-US" sz="1600" b="1" dirty="0" smtClean="0"/>
+              <a:t> Resource Password Flow Refresh Token with Web </a:t>
+            </a:r>
+            <a:r>
+              <a:rPr lang="en-US" sz="1600" b="1" dirty="0" err="1" smtClean="0"/>
+              <a:t>Api</a:t>
+            </a:r>
+            <a:r>
+              <a:rPr lang="en-US" sz="1600" dirty="0" smtClean="0"/>
+              <a:t>: http://timney.net/oauth-resource-password-flow-refresh-token-with-web-api</a:t>
+            </a:r>
+          </a:p>
+          <a:p>
+            <a:r>
+              <a:rPr lang="en-US" sz="1600" b="1" dirty="0" err="1" smtClean="0"/>
+              <a:t>OAuth</a:t>
+            </a:r>
+            <a:r>
+              <a:rPr lang="en-US" sz="1600" b="1" dirty="0" smtClean="0"/>
+              <a:t> Resource Password Flow with Web</a:t>
+            </a:r>
+            <a:r>
+              <a:rPr lang="en-US" sz="1600" dirty="0" smtClean="0"/>
               <a:t> </a:t>
             </a:r>
             <a:r>
-              <a:rPr lang="en-US" sz="1800" b="1" dirty="0" smtClean="0"/>
-              <a:t>2.0 specs</a:t>
-            </a:r>
-            <a:r>
-              <a:rPr lang="en-US" sz="1800" dirty="0" smtClean="0"/>
-              <a:t>: https://</a:t>
-            </a:r>
-            <a:r>
-              <a:rPr lang="en-US" sz="1800" dirty="0" smtClean="0"/>
-              <a:t>tools.ietf.org/html/rfc6749</a:t>
-            </a:r>
-          </a:p>
-          <a:p>
-            <a:r>
-              <a:rPr lang="en-US" sz="1800" b="1" dirty="0" err="1" smtClean="0"/>
-              <a:t>Oauth</a:t>
-            </a:r>
-            <a:r>
-              <a:rPr lang="en-US" sz="1800" b="1" dirty="0" smtClean="0"/>
-              <a:t> Security: </a:t>
-            </a:r>
-            <a:r>
-              <a:rPr lang="en-US" sz="1800" dirty="0" smtClean="0"/>
-              <a:t>http://www.oauthsecurity.com</a:t>
-            </a:r>
-            <a:endParaRPr lang="en-US" sz="1800" b="1" dirty="0" smtClean="0"/>
-          </a:p>
-          <a:p>
-            <a:r>
-              <a:rPr lang="en-US" sz="1800" b="1" dirty="0" err="1" smtClean="0"/>
-              <a:t>Oauth</a:t>
-            </a:r>
-            <a:r>
-              <a:rPr lang="en-US" sz="1800" b="1" dirty="0" smtClean="0"/>
-              <a:t> </a:t>
-            </a:r>
-            <a:r>
-              <a:rPr lang="en-US" sz="1800" b="1" dirty="0" smtClean="0"/>
-              <a:t>Bible</a:t>
-            </a:r>
-            <a:r>
-              <a:rPr lang="en-US" sz="1800" dirty="0" smtClean="0"/>
-              <a:t>: </a:t>
-            </a:r>
-            <a:r>
-              <a:rPr lang="en-US" sz="1800" dirty="0" smtClean="0"/>
-              <a:t>http://authbible.com</a:t>
-            </a:r>
-            <a:endParaRPr lang="en-US" sz="1800" dirty="0" smtClean="0"/>
-          </a:p>
-          <a:p>
-            <a:r>
-              <a:rPr lang="en-US" sz="1800" b="1" dirty="0" smtClean="0"/>
-              <a:t>Persisting Refresh Token</a:t>
-            </a:r>
-            <a:r>
-              <a:rPr lang="en-US" sz="1800" dirty="0" smtClean="0"/>
-              <a:t>: http</a:t>
-            </a:r>
-            <a:r>
-              <a:rPr lang="en-US" sz="1800" dirty="0" smtClean="0"/>
-              <a:t>://</a:t>
-            </a:r>
-            <a:r>
-              <a:rPr lang="en-US" sz="1800" dirty="0" smtClean="0"/>
-              <a:t>timney.net/persisting-your-refresh-tokens</a:t>
-            </a:r>
-            <a:endParaRPr lang="en-US" sz="1800" dirty="0" smtClean="0"/>
-          </a:p>
-          <a:p>
-            <a:r>
-              <a:rPr lang="en-US" sz="1800" b="1" dirty="0" err="1" smtClean="0"/>
+              <a:rPr lang="en-US" sz="1600" b="1" dirty="0" err="1" smtClean="0"/>
+              <a:t>Api</a:t>
+            </a:r>
+            <a:r>
+              <a:rPr lang="en-US" sz="1600" dirty="0" smtClean="0"/>
+              <a:t>: http://timney.net/oauth-resource-password-flow-with-web-api</a:t>
+            </a:r>
+          </a:p>
+          <a:p>
+            <a:r>
+              <a:rPr lang="en-US" sz="1600" b="1" dirty="0" err="1" smtClean="0"/>
               <a:t>OAuth</a:t>
             </a:r>
             <a:r>
-              <a:rPr lang="en-US" sz="1800" b="1" dirty="0" smtClean="0"/>
-              <a:t> Resource Password Flow Refresh Token with Web </a:t>
-            </a:r>
-            <a:r>
-              <a:rPr lang="en-US" sz="1800" b="1" dirty="0" err="1" smtClean="0"/>
-              <a:t>Api</a:t>
-            </a:r>
-            <a:r>
-              <a:rPr lang="en-US" sz="1800" dirty="0" smtClean="0"/>
+              <a:rPr lang="en-US" sz="1600" b="1" dirty="0" smtClean="0"/>
+              <a:t> 2.0 Threat Model</a:t>
+            </a:r>
+            <a:r>
+              <a:rPr lang="en-US" sz="1600" dirty="0" smtClean="0"/>
+              <a:t>: http://tools.ietf.org/html/rfc6819</a:t>
+            </a:r>
+          </a:p>
+          <a:p>
+            <a:r>
+              <a:rPr lang="en-US" sz="1600" b="1" dirty="0" smtClean="0"/>
+              <a:t>Beginner’s Guide to </a:t>
+            </a:r>
+            <a:r>
+              <a:rPr lang="en-US" sz="1600" b="1" dirty="0" err="1" smtClean="0"/>
+              <a:t>OAuth</a:t>
+            </a:r>
+            <a:r>
+              <a:rPr lang="en-US" sz="1600" dirty="0" smtClean="0"/>
               <a:t>: http://</a:t>
             </a:r>
             <a:r>
-              <a:rPr lang="en-US" sz="1800" dirty="0" smtClean="0"/>
-              <a:t>timney.net/oauth-resource-password-flow-refresh-token-with-web-api</a:t>
-            </a:r>
-            <a:endParaRPr lang="en-US" sz="1800" dirty="0" smtClean="0"/>
-          </a:p>
-          <a:p>
-            <a:r>
-              <a:rPr lang="en-US" sz="1800" b="1" dirty="0" err="1" smtClean="0"/>
-              <a:t>OAuth</a:t>
-            </a:r>
-            <a:r>
-              <a:rPr lang="en-US" sz="1800" b="1" dirty="0" smtClean="0"/>
-              <a:t> Resource Password Flow with Web</a:t>
-            </a:r>
-            <a:r>
-              <a:rPr lang="en-US" sz="1800" dirty="0" smtClean="0"/>
-              <a:t> </a:t>
-            </a:r>
-            <a:r>
-              <a:rPr lang="en-US" sz="1800" b="1" dirty="0" err="1" smtClean="0"/>
-              <a:t>Api</a:t>
-            </a:r>
-            <a:r>
-              <a:rPr lang="en-US" sz="1800" dirty="0" smtClean="0"/>
-              <a:t>: http://</a:t>
-            </a:r>
-            <a:r>
-              <a:rPr lang="en-US" sz="1800" dirty="0" smtClean="0"/>
-              <a:t>timney.net/oauth-resource-password-flow-with-web-api</a:t>
-            </a:r>
-            <a:endParaRPr lang="en-US" sz="1800" dirty="0" smtClean="0"/>
-          </a:p>
-          <a:p>
-            <a:r>
-              <a:rPr lang="en-US" sz="1800" b="1" dirty="0" err="1" smtClean="0"/>
-              <a:t>OAuth</a:t>
-            </a:r>
-            <a:r>
-              <a:rPr lang="en-US" sz="1800" b="1" dirty="0" smtClean="0"/>
-              <a:t> 2.0 Threat Model</a:t>
-            </a:r>
-            <a:r>
-              <a:rPr lang="en-US" sz="1800" dirty="0" smtClean="0"/>
-              <a:t>: http://tools.ietf.org/html/rfc6819</a:t>
-            </a:r>
-          </a:p>
-          <a:p>
-            <a:r>
-              <a:rPr lang="en-US" sz="1800" b="1" dirty="0" smtClean="0"/>
-              <a:t>Beginner’s Guide to </a:t>
-            </a:r>
-            <a:r>
-              <a:rPr lang="en-US" sz="1800" b="1" dirty="0" err="1" smtClean="0"/>
-              <a:t>OAuth</a:t>
-            </a:r>
-            <a:r>
-              <a:rPr lang="en-US" sz="1800" dirty="0" smtClean="0"/>
-              <a:t>: http://</a:t>
-            </a:r>
-            <a:r>
-              <a:rPr lang="en-US" sz="1800" dirty="0" smtClean="0"/>
+              <a:rPr lang="en-US" sz="1600" dirty="0" smtClean="0"/>
               <a:t>oauth.net/documentation/getting-started</a:t>
             </a:r>
-            <a:endParaRPr lang="en-US" sz="1800" dirty="0" smtClean="0"/>
+          </a:p>
+          <a:p>
+            <a:r>
+              <a:rPr lang="en-US" sz="1600" b="1" dirty="0" smtClean="0"/>
+              <a:t>Intro to OAuth2</a:t>
+            </a:r>
+            <a:r>
+              <a:rPr lang="en-US" sz="1600" dirty="0" smtClean="0"/>
+              <a:t>: https</a:t>
+            </a:r>
+            <a:r>
+              <a:rPr lang="en-US" sz="1600" dirty="0" smtClean="0"/>
+              <a:t>://www.digitalocean.com/community/tutorials/an-introduction-to-oauth-2</a:t>
+            </a:r>
+            <a:endParaRPr lang="en-US" sz="1600" dirty="0" smtClean="0"/>
           </a:p>
         </p:txBody>
       </p:sp>
@@ -4939,86 +7584,68 @@
           <a:bodyPr/>
           <a:lstStyle/>
           <a:p>
+            <a:endParaRPr lang="en-US" dirty="0"/>
+          </a:p>
+        </p:txBody>
+      </p:sp>
+      <p:sp>
+        <p:nvSpPr>
+          <p:cNvPr id="3" name="Content Placeholder 2"/>
+          <p:cNvSpPr>
+            <a:spLocks noGrp="1"/>
+          </p:cNvSpPr>
+          <p:nvPr>
+            <p:ph sz="quarter" idx="1"/>
+          </p:nvPr>
+        </p:nvSpPr>
+        <p:spPr/>
+        <p:txBody>
+          <a:bodyPr/>
+          <a:lstStyle/>
+          <a:p>
+            <a:r>
+              <a:rPr lang="en-US" b="1" dirty="0" smtClean="0"/>
+              <a:t>SPA</a:t>
+            </a:r>
+            <a:r>
+              <a:rPr lang="en-US" dirty="0" smtClean="0"/>
+              <a:t>: Single Page Application </a:t>
+            </a:r>
+          </a:p>
+          <a:p>
+            <a:r>
+              <a:rPr lang="en-US" b="1" dirty="0" err="1" smtClean="0"/>
+              <a:t>OAuth</a:t>
+            </a:r>
+            <a:r>
+              <a:rPr lang="en-US" dirty="0" smtClean="0"/>
+              <a:t>:  </a:t>
+            </a:r>
             <a:r>
               <a:rPr lang="en-US" dirty="0" err="1" smtClean="0"/>
               <a:t>OAuth</a:t>
             </a:r>
             <a:r>
               <a:rPr lang="en-US" dirty="0" smtClean="0"/>
-              <a:t> Flows</a:t>
-            </a:r>
-            <a:endParaRPr lang="en-US" dirty="0"/>
-          </a:p>
-        </p:txBody>
-      </p:sp>
-      <p:sp>
-        <p:nvSpPr>
-          <p:cNvPr id="3" name="Content Placeholder 2"/>
-          <p:cNvSpPr>
-            <a:spLocks noGrp="1"/>
-          </p:cNvSpPr>
-          <p:nvPr>
-            <p:ph idx="1"/>
-          </p:nvPr>
-        </p:nvSpPr>
-        <p:spPr>
-          <a:xfrm>
-            <a:off x="457200" y="1524000"/>
-            <a:ext cx="8229600" cy="4525963"/>
-          </a:xfrm>
-        </p:spPr>
-        <p:txBody>
-          <a:bodyPr>
-            <a:normAutofit lnSpcReduction="10000"/>
-          </a:bodyPr>
-          <a:lstStyle/>
-          <a:p>
-            <a:pPr>
-              <a:buNone/>
-            </a:pPr>
+              <a:t> is an open standard for authorization. </a:t>
+            </a:r>
+            <a:r>
+              <a:rPr lang="en-US" u="sng" dirty="0" err="1" smtClean="0"/>
+              <a:t>OAuth</a:t>
+            </a:r>
+            <a:r>
+              <a:rPr lang="en-US" u="sng" dirty="0" smtClean="0"/>
+              <a:t> provides client applications a 'secure delegated access' to server resources on behalf of a resource owner</a:t>
+            </a:r>
             <a:r>
               <a:rPr lang="en-US" dirty="0" smtClean="0"/>
-              <a:t>There is one </a:t>
-            </a:r>
-            <a:r>
-              <a:rPr lang="en-US" dirty="0" err="1" smtClean="0"/>
-              <a:t>Oauth</a:t>
-            </a:r>
-            <a:r>
-              <a:rPr lang="en-US" dirty="0" smtClean="0"/>
-              <a:t> spec describing several flows</a:t>
-            </a:r>
-          </a:p>
-          <a:p>
-            <a:pPr>
-              <a:buNone/>
-            </a:pPr>
+              <a:t>. It specifies a process for resource owners to authorize third-party access to their server resources without sharing their credentials.</a:t>
+            </a:r>
+          </a:p>
+          <a:p>
             <a:endParaRPr lang="en-US" dirty="0" smtClean="0"/>
           </a:p>
           <a:p>
-            <a:pPr>
-              <a:buNone/>
-            </a:pPr>
-            <a:r>
-              <a:rPr lang="en-US" dirty="0" smtClean="0"/>
-              <a:t>This demo covers a hybrid approach of the implicit and password grant flow which assumes a trust relationship between the client, auth server, and </a:t>
-            </a:r>
-            <a:r>
-              <a:rPr lang="en-US" dirty="0" err="1" smtClean="0"/>
-              <a:t>api</a:t>
-            </a:r>
-            <a:r>
-              <a:rPr lang="en-US" dirty="0" smtClean="0"/>
-              <a:t> (resource server), meaning both the client and server are within the same domain (not your typical </a:t>
-            </a:r>
-            <a:r>
-              <a:rPr lang="en-US" dirty="0" err="1" smtClean="0"/>
-              <a:t>oauth</a:t>
-            </a:r>
-            <a:r>
-              <a:rPr lang="en-US" dirty="0" smtClean="0"/>
-              <a:t> scenario)</a:t>
-            </a:r>
             <a:endParaRPr lang="en-US" dirty="0"/>
           </a:p>
         </p:txBody>
@@ -5069,7 +7696,7 @@
             </a:r>
             <a:r>
               <a:rPr lang="en-US" dirty="0" smtClean="0"/>
-              <a:t> 2.0 (Implicit Flow)</a:t>
+              <a:t> Flows</a:t>
             </a:r>
             <a:endParaRPr lang="en-US" dirty="0"/>
           </a:p>
@@ -5082,12 +7709,19 @@
             <a:spLocks noGrp="1"/>
           </p:cNvSpPr>
           <p:nvPr>
-            <p:ph idx="1"/>
-          </p:nvPr>
-        </p:nvSpPr>
-        <p:spPr/>
-        <p:txBody>
-          <a:bodyPr/>
+            <p:ph sz="quarter" idx="1"/>
+          </p:nvPr>
+        </p:nvSpPr>
+        <p:spPr>
+          <a:xfrm>
+            <a:off x="457200" y="1524000"/>
+            <a:ext cx="8229600" cy="4525963"/>
+          </a:xfrm>
+        </p:spPr>
+        <p:txBody>
+          <a:bodyPr>
+            <a:normAutofit/>
+          </a:bodyPr>
           <a:lstStyle/>
           <a:p>
             <a:pPr>
@@ -5095,15 +7729,46 @@
             </a:pPr>
             <a:r>
               <a:rPr lang="en-US" dirty="0" smtClean="0"/>
-              <a:t>“The implicit grant is a </a:t>
-            </a:r>
-            <a:r>
-              <a:rPr lang="en-US" u="sng" dirty="0" smtClean="0"/>
-              <a:t>simplified authorization code flow optimized for clients implemented in a browser using a scripting language such as JavaScript</a:t>
+              <a:t>There is one </a:t>
+            </a:r>
+            <a:r>
+              <a:rPr lang="en-US" dirty="0" err="1" smtClean="0"/>
+              <a:t>OAuth</a:t>
             </a:r>
             <a:r>
               <a:rPr lang="en-US" dirty="0" smtClean="0"/>
-              <a:t>. In the implicit flow, instead of issuing the client an authorization code, the client is issued an access token directly”</a:t>
+              <a:t> spec describing several flows</a:t>
+            </a:r>
+          </a:p>
+          <a:p>
+            <a:pPr>
+              <a:buNone/>
+            </a:pPr>
+            <a:endParaRPr lang="en-US" dirty="0" smtClean="0"/>
+          </a:p>
+          <a:p>
+            <a:pPr>
+              <a:buNone/>
+            </a:pPr>
+            <a:r>
+              <a:rPr lang="en-US" dirty="0" smtClean="0"/>
+              <a:t>This demo covers a password grant flow which assumes a trust relationship between the client, auth server, and </a:t>
+            </a:r>
+            <a:r>
+              <a:rPr lang="en-US" dirty="0" err="1" smtClean="0"/>
+              <a:t>api</a:t>
+            </a:r>
+            <a:r>
+              <a:rPr lang="en-US" dirty="0" smtClean="0"/>
+              <a:t> (resource server), meaning both the client and server are within the same domain (not your typical </a:t>
+            </a:r>
+            <a:r>
+              <a:rPr lang="en-US" dirty="0" err="1" smtClean="0"/>
+              <a:t>oauth</a:t>
+            </a:r>
+            <a:r>
+              <a:rPr lang="en-US" dirty="0" smtClean="0"/>
+              <a:t> scenario)</a:t>
             </a:r>
             <a:endParaRPr lang="en-US" dirty="0"/>
           </a:p>
@@ -5134,80 +7799,32 @@
           <a:chExt cx="0" cy="0"/>
         </a:xfrm>
       </p:grpSpPr>
-      <p:sp>
-        <p:nvSpPr>
-          <p:cNvPr id="2" name="Title 1"/>
-          <p:cNvSpPr>
-            <a:spLocks noGrp="1"/>
-          </p:cNvSpPr>
-          <p:nvPr>
-            <p:ph type="title"/>
-          </p:nvPr>
-        </p:nvSpPr>
-        <p:spPr>
+      <p:pic>
+        <p:nvPicPr>
+          <p:cNvPr id="39938" name="Picture 2" descr="Abstract Protocol Flow"/>
+          <p:cNvPicPr>
+            <a:picLocks noChangeAspect="1" noChangeArrowheads="1"/>
+          </p:cNvPicPr>
+          <p:nvPr/>
+        </p:nvPicPr>
+        <p:blipFill>
+          <a:blip r:embed="rId3" cstate="print"/>
+          <a:srcRect/>
+          <a:stretch>
+            <a:fillRect/>
+          </a:stretch>
+        </p:blipFill>
+        <p:spPr bwMode="auto">
           <a:xfrm>
-            <a:off x="914400" y="274638"/>
-            <a:ext cx="7239000" cy="1143000"/>
-          </a:xfrm>
-        </p:spPr>
-        <p:txBody>
-          <a:bodyPr>
-            <a:noAutofit/>
-          </a:bodyPr>
-          <a:lstStyle/>
-          <a:p>
-            <a:r>
-              <a:rPr lang="en-US" sz="3600" dirty="0" smtClean="0"/>
-              <a:t>Resource Owner Password Credentials Flow</a:t>
-            </a:r>
-            <a:endParaRPr lang="en-US" sz="3600" dirty="0"/>
-          </a:p>
-        </p:txBody>
-      </p:sp>
-      <p:sp>
-        <p:nvSpPr>
-          <p:cNvPr id="3" name="Content Placeholder 2"/>
-          <p:cNvSpPr>
-            <a:spLocks noGrp="1"/>
-          </p:cNvSpPr>
-          <p:nvPr>
-            <p:ph idx="1"/>
-          </p:nvPr>
-        </p:nvSpPr>
-        <p:spPr/>
-        <p:txBody>
-          <a:bodyPr>
-            <a:normAutofit fontScale="70000" lnSpcReduction="20000"/>
-          </a:bodyPr>
-          <a:lstStyle/>
-          <a:p>
-            <a:pPr>
-              <a:buNone/>
-            </a:pPr>
-            <a:r>
-              <a:rPr lang="en-US" dirty="0" smtClean="0"/>
-              <a:t>“The resource owner password </a:t>
-            </a:r>
-            <a:r>
-              <a:rPr lang="en-US" u="sng" dirty="0" smtClean="0"/>
-              <a:t>credentials (i.e., username and password) can be used directly as an authorization grant to obtain an access token</a:t>
-            </a:r>
-            <a:r>
-              <a:rPr lang="en-US" dirty="0" smtClean="0"/>
-              <a:t>. The credentials should only be used when there is a high degree of trust between the resource owner and the client (e.g., the client is part of the device operating system or a highly privileged application), and when other authorization grant types are not available (such as an authorization code). Even though this grant type requires direct client access to the resource owner credentials, the resource owner credentials are used for a single request and are exchanged for an access token. </a:t>
-            </a:r>
-            <a:r>
-              <a:rPr lang="en-US" u="sng" dirty="0" smtClean="0"/>
-              <a:t>This grant type can eliminate the need for the client to store the resource owner credentials for future use, by exchanging the credentials with a long-lived access token or refresh token</a:t>
-            </a:r>
-            <a:r>
-              <a:rPr lang="en-US" dirty="0" smtClean="0"/>
-              <a:t>.”</a:t>
-            </a:r>
-            <a:endParaRPr lang="en-US" dirty="0"/>
-          </a:p>
-        </p:txBody>
-      </p:sp>
+            <a:off x="381000" y="228600"/>
+            <a:ext cx="8158930" cy="5410200"/>
+          </a:xfrm>
+          <a:prstGeom prst="rect">
+            <a:avLst/>
+          </a:prstGeom>
+          <a:noFill/>
+        </p:spPr>
+      </p:pic>
     </p:spTree>
   </p:cSld>
   <p:clrMapOvr>
@@ -5249,8 +7866,12 @@
           <a:lstStyle/>
           <a:p>
             <a:r>
+              <a:rPr lang="en-US" dirty="0" err="1" smtClean="0"/>
+              <a:t>OAuth</a:t>
+            </a:r>
+            <a:r>
               <a:rPr lang="en-US" dirty="0" smtClean="0"/>
-              <a:t>Access Tokens</a:t>
+              <a:t> 2.0 (Implicit Flow)</a:t>
             </a:r>
             <a:endParaRPr lang="en-US" dirty="0"/>
           </a:p>
@@ -5263,7 +7884,7 @@
             <a:spLocks noGrp="1"/>
           </p:cNvSpPr>
           <p:nvPr>
-            <p:ph idx="1"/>
+            <p:ph sz="quarter" idx="1"/>
           </p:nvPr>
         </p:nvSpPr>
         <p:spPr/>
@@ -5276,19 +7897,15 @@
             </a:pPr>
             <a:r>
               <a:rPr lang="en-US" dirty="0" smtClean="0"/>
-              <a:t>“Access </a:t>
+              <a:t>“The implicit grant is a </a:t>
+            </a:r>
+            <a:r>
+              <a:rPr lang="en-US" u="sng" dirty="0" smtClean="0"/>
+              <a:t>simplified authorization code flow optimized for clients implemented in a browser using a scripting language such as JavaScript</a:t>
             </a:r>
             <a:r>
               <a:rPr lang="en-US" dirty="0" smtClean="0"/>
-              <a:t>tokens are credentials used to access protected resources. An access token is a string representing an authorization issued to the client. The string is usually opaque to the client. </a:t>
-            </a:r>
-            <a:r>
-              <a:rPr lang="en-US" u="sng" dirty="0" smtClean="0"/>
-              <a:t>Tokens represent specific scopes and durations of access, granted by the resource owner, and enforced by the resource server and authorization server</a:t>
-            </a:r>
-            <a:r>
-              <a:rPr lang="en-US" dirty="0" smtClean="0"/>
-              <a:t>.”</a:t>
+              <a:t>. In the implicit flow, instead of issuing the client an authorization code, the client is issued an access token directly”</a:t>
             </a:r>
             <a:endParaRPr lang="en-US" dirty="0"/>
           </a:p>
@@ -5329,16 +7946,23 @@
             <p:ph type="title"/>
           </p:nvPr>
         </p:nvSpPr>
-        <p:spPr/>
-        <p:txBody>
-          <a:bodyPr/>
-          <a:lstStyle/>
-          <a:p>
-            <a:r>
-              <a:rPr lang="en-US" dirty="0" smtClean="0"/>
-              <a:t>Refresh Tokens</a:t>
-            </a:r>
-            <a:endParaRPr lang="en-US" dirty="0"/>
+        <p:spPr>
+          <a:xfrm>
+            <a:off x="914400" y="274638"/>
+            <a:ext cx="7239000" cy="1143000"/>
+          </a:xfrm>
+        </p:spPr>
+        <p:txBody>
+          <a:bodyPr>
+            <a:noAutofit/>
+          </a:bodyPr>
+          <a:lstStyle/>
+          <a:p>
+            <a:r>
+              <a:rPr lang="en-US" sz="3600" dirty="0" smtClean="0"/>
+              <a:t>Resource Owner Password Credentials Flow</a:t>
+            </a:r>
+            <a:endParaRPr lang="en-US" sz="3600" dirty="0"/>
           </a:p>
         </p:txBody>
       </p:sp>
@@ -5349,13 +7973,13 @@
             <a:spLocks noGrp="1"/>
           </p:cNvSpPr>
           <p:nvPr>
-            <p:ph idx="1"/>
+            <p:ph sz="quarter" idx="1"/>
           </p:nvPr>
         </p:nvSpPr>
         <p:spPr/>
         <p:txBody>
           <a:bodyPr>
-            <a:normAutofit lnSpcReduction="10000"/>
+            <a:normAutofit fontScale="92500" lnSpcReduction="20000"/>
           </a:bodyPr>
           <a:lstStyle/>
           <a:p>
@@ -5364,23 +7988,23 @@
             </a:pPr>
             <a:r>
               <a:rPr lang="en-US" dirty="0" smtClean="0"/>
-              <a:t>“Refresh </a:t>
+              <a:t>“The resource owner password </a:t>
+            </a:r>
+            <a:r>
+              <a:rPr lang="en-US" u="sng" dirty="0" smtClean="0"/>
+              <a:t>credentials (i.e., username and password) can be used directly as an authorization grant to obtain an access token</a:t>
             </a:r>
             <a:r>
               <a:rPr lang="en-US" dirty="0" smtClean="0"/>
-              <a:t>tokens are credentials used to obtain access tokens. </a:t>
+              <a:t>. The credentials should only be used when there is a high degree of trust between the resource owner and the client (e.g., the client is part of the device operating system or a highly privileged application), and when other authorization grant types are not available (such as an authorization code). Even though this grant type requires direct client access to the resource owner credentials, the resource owner credentials are used for a single request and are exchanged for an access token. </a:t>
             </a:r>
             <a:r>
               <a:rPr lang="en-US" u="sng" dirty="0" smtClean="0"/>
-              <a:t>Refresh tokens are issued to the client by the authorization server and are used to obtain a new access token when the current access token becomes invalid or expires</a:t>
+              <a:t>This grant type can eliminate the need for the client to store the resource owner credentials for future use, by exchanging the credentials with a long-lived access token or refresh token</a:t>
             </a:r>
             <a:r>
               <a:rPr lang="en-US" dirty="0" smtClean="0"/>
-              <a:t>, or to obtain additional access tokens with identical or narrower scope (access tokens may have a shorter lifetime and fewer permissions than authorized by the resource owner</a:t>
-            </a:r>
-            <a:r>
-              <a:rPr lang="en-US" dirty="0" smtClean="0"/>
-              <a:t>).”</a:t>
+              <a:t>.”</a:t>
             </a:r>
             <a:endParaRPr lang="en-US" dirty="0"/>
           </a:p>
@@ -5428,7 +8052,7 @@
           <a:p>
             <a:r>
               <a:rPr lang="en-US" dirty="0" smtClean="0"/>
-              <a:t>OWIN</a:t>
+              <a:t>Access Tokens</a:t>
             </a:r>
             <a:endParaRPr lang="en-US" dirty="0"/>
           </a:p>
@@ -5441,75 +8065,32 @@
             <a:spLocks noGrp="1"/>
           </p:cNvSpPr>
           <p:nvPr>
-            <p:ph idx="1"/>
+            <p:ph sz="quarter" idx="1"/>
           </p:nvPr>
         </p:nvSpPr>
         <p:spPr/>
         <p:txBody>
           <a:bodyPr>
-            <a:normAutofit fontScale="70000" lnSpcReduction="20000"/>
+            <a:normAutofit/>
           </a:bodyPr>
           <a:lstStyle/>
           <a:p>
-            <a:r>
-              <a:rPr lang="en-US" b="1" i="1" dirty="0" smtClean="0"/>
-              <a:t>OWIN</a:t>
-            </a:r>
-            <a:r>
-              <a:rPr lang="en-US" i="1" dirty="0" smtClean="0"/>
-              <a:t> (</a:t>
-            </a:r>
-            <a:r>
-              <a:rPr lang="en-US" dirty="0"/>
-              <a:t>Open Web Server Interface for .</a:t>
-            </a:r>
+            <a:pPr>
+              <a:buNone/>
+            </a:pPr>
             <a:r>
               <a:rPr lang="en-US" dirty="0" smtClean="0"/>
-              <a:t>NET)</a:t>
-            </a:r>
-            <a:r>
-              <a:rPr lang="en-US" i="1" dirty="0" smtClean="0"/>
-              <a:t> </a:t>
-            </a:r>
-            <a:r>
-              <a:rPr lang="en-US" i="1" dirty="0"/>
-              <a:t>defines a standard interface between .NET web servers and web </a:t>
-            </a:r>
-            <a:r>
-              <a:rPr lang="en-US" i="1" dirty="0" smtClean="0"/>
-              <a:t>applications. </a:t>
-            </a:r>
-            <a:r>
-              <a:rPr lang="en-US" i="1" u="sng" dirty="0" smtClean="0"/>
-              <a:t>The goal of the OWIN interface is to decouple server and application, </a:t>
-            </a:r>
-            <a:r>
-              <a:rPr lang="en-US" i="1" u="sng" dirty="0"/>
-              <a:t>encourage the development of simple modules for .NET web development</a:t>
-            </a:r>
-            <a:r>
-              <a:rPr lang="en-US" i="1" dirty="0"/>
-              <a:t>, and, by being an open standard, stimulate the open source ecosystem of .NET web development tools. </a:t>
-            </a:r>
-            <a:endParaRPr lang="en-US" i="1" dirty="0" smtClean="0"/>
-          </a:p>
-          <a:p>
-            <a:r>
-              <a:rPr lang="en-US" b="1" dirty="0"/>
-              <a:t>Katana</a:t>
-            </a:r>
-            <a:r>
-              <a:rPr lang="en-US" dirty="0"/>
-              <a:t> is the Microsoft implementation of the OWIN specs, and provides all the layers, sometimes in more than one flavor, specified by OWIN. In addition to implementing hosts and servers, Katana provides a series of APIs to facilitate the development of OWIN applications, including some functional components like authentication, diagnostics, static files serving, and bindings for ASP.NET Web API and </a:t>
-            </a:r>
-            <a:r>
-              <a:rPr lang="en-US" dirty="0" err="1"/>
-              <a:t>SignalR</a:t>
-            </a:r>
-            <a:r>
-              <a:rPr lang="en-US" dirty="0"/>
-              <a:t>. To avoid confusion, remember that Katana is not a full-fledged web server, but just the “glue” between the OWIN world and IIS. </a:t>
-            </a:r>
+              <a:t>“Access tokens are credentials used to access protected resources. An access token is a string representing an authorization issued to the client. The string is usually opaque to the client. </a:t>
+            </a:r>
+            <a:r>
+              <a:rPr lang="en-US" u="sng" dirty="0" smtClean="0"/>
+              <a:t>Tokens represent specific scopes and durations of access, granted by the resource owner, and enforced by the resource server and authorization server</a:t>
+            </a:r>
+            <a:r>
+              <a:rPr lang="en-US" dirty="0" smtClean="0"/>
+              <a:t>.”</a:t>
+            </a:r>
+            <a:endParaRPr lang="en-US" dirty="0"/>
           </a:p>
         </p:txBody>
       </p:sp>
@@ -5555,7 +8136,7 @@
           <a:p>
             <a:r>
               <a:rPr lang="en-US" dirty="0" smtClean="0"/>
-              <a:t>OWIN</a:t>
+              <a:t>Refresh Tokens</a:t>
             </a:r>
             <a:endParaRPr lang="en-US" dirty="0"/>
           </a:p>
@@ -5568,50 +8149,30 @@
             <a:spLocks noGrp="1"/>
           </p:cNvSpPr>
           <p:nvPr>
-            <p:ph idx="1"/>
+            <p:ph sz="quarter" idx="1"/>
           </p:nvPr>
         </p:nvSpPr>
         <p:spPr/>
         <p:txBody>
           <a:bodyPr>
-            <a:normAutofit fontScale="85000" lnSpcReduction="10000"/>
+            <a:normAutofit/>
           </a:bodyPr>
           <a:lstStyle/>
           <a:p>
+            <a:pPr>
+              <a:buNone/>
+            </a:pPr>
             <a:r>
               <a:rPr lang="en-US" dirty="0" smtClean="0"/>
-              <a:t>Meant to be OS independent and can self-host. With </a:t>
-            </a:r>
-            <a:r>
-              <a:rPr lang="en-US" dirty="0"/>
-              <a:t>OWIN, your code is not related to the OS (specifically to </a:t>
-            </a:r>
-            <a:r>
-              <a:rPr lang="en-US" dirty="0" err="1"/>
-              <a:t>System.Web</a:t>
-            </a:r>
-            <a:r>
-              <a:rPr lang="en-US" dirty="0"/>
-              <a:t>, the “huge” monolithic library that lies behind the execution of ASP.NET). This means that you can use whatever you want instead of IIS (i.e. Katana or </a:t>
-            </a:r>
-            <a:r>
-              <a:rPr lang="en-US" dirty="0" err="1"/>
-              <a:t>Nowin</a:t>
-            </a:r>
-            <a:r>
-              <a:rPr lang="en-US" dirty="0"/>
-              <a:t>) and update it when necessary, instead of updating the OS. Moreover, if you need it, you can build your custom host and insert whatever you want in the HTTP request processing pipeline (i.e. your custom authentication logic). </a:t>
-            </a:r>
-            <a:endParaRPr lang="en-US" dirty="0" smtClean="0"/>
-          </a:p>
-          <a:p>
-            <a:r>
-              <a:rPr lang="en-US" dirty="0" err="1" smtClean="0"/>
-              <a:t>OAuth</a:t>
+              <a:t>“Refresh tokens are credentials used to obtain access tokens. </a:t>
+            </a:r>
+            <a:r>
+              <a:rPr lang="en-US" u="sng" dirty="0" smtClean="0"/>
+              <a:t>Refresh tokens are issued to the client by the authorization server and are used to obtain a new access token when the current access token becomes invalid or expires</a:t>
             </a:r>
             <a:r>
               <a:rPr lang="en-US" dirty="0" smtClean="0"/>
-              <a:t> is an OWIN middleware component</a:t>
+              <a:t>, or to obtain additional access tokens with identical or narrower scope (access tokens may have a shorter lifetime and fewer permissions than authorized by the resource owner).”</a:t>
             </a:r>
             <a:endParaRPr lang="en-US" dirty="0"/>
           </a:p>
@@ -5654,184 +8215,93 @@
         </p:nvSpPr>
         <p:spPr/>
         <p:txBody>
+          <a:bodyPr/>
+          <a:lstStyle/>
+          <a:p>
+            <a:r>
+              <a:rPr lang="en-US" dirty="0" smtClean="0"/>
+              <a:t>OWIN</a:t>
+            </a:r>
+            <a:endParaRPr lang="en-US" dirty="0"/>
+          </a:p>
+        </p:txBody>
+      </p:sp>
+      <p:sp>
+        <p:nvSpPr>
+          <p:cNvPr id="3" name="Content Placeholder 2"/>
+          <p:cNvSpPr>
+            <a:spLocks noGrp="1"/>
+          </p:cNvSpPr>
+          <p:nvPr>
+            <p:ph sz="quarter" idx="1"/>
+          </p:nvPr>
+        </p:nvSpPr>
+        <p:spPr/>
+        <p:txBody>
           <a:bodyPr>
-            <a:normAutofit fontScale="90000"/>
+            <a:normAutofit fontScale="85000" lnSpcReduction="10000"/>
           </a:bodyPr>
           <a:lstStyle/>
           <a:p>
             <a:r>
+              <a:rPr lang="en-US" b="1" i="1" dirty="0" smtClean="0"/>
+              <a:t>OWIN</a:t>
+            </a:r>
+            <a:r>
+              <a:rPr lang="en-US" i="1" dirty="0" smtClean="0"/>
+              <a:t> (</a:t>
+            </a:r>
+            <a:r>
+              <a:rPr lang="en-US" dirty="0"/>
+              <a:t>Open Web Server Interface for .</a:t>
+            </a:r>
+            <a:r>
+              <a:rPr lang="en-US" dirty="0" smtClean="0"/>
+              <a:t>NET)</a:t>
+            </a:r>
+            <a:r>
+              <a:rPr lang="en-US" i="1" dirty="0" smtClean="0"/>
+              <a:t> </a:t>
+            </a:r>
+            <a:r>
+              <a:rPr lang="en-US" i="1" dirty="0"/>
+              <a:t>defines a standard interface between .NET web servers and web </a:t>
+            </a:r>
+            <a:r>
+              <a:rPr lang="en-US" i="1" dirty="0" smtClean="0"/>
+              <a:t>applications. </a:t>
+            </a:r>
+            <a:r>
+              <a:rPr lang="en-US" i="1" u="sng" dirty="0" smtClean="0"/>
+              <a:t>The goal of the OWIN interface is to decouple server and application, </a:t>
+            </a:r>
+            <a:r>
+              <a:rPr lang="en-US" i="1" u="sng" dirty="0"/>
+              <a:t>encourage the development of simple modules for .NET web development</a:t>
+            </a:r>
+            <a:r>
+              <a:rPr lang="en-US" i="1" dirty="0"/>
+              <a:t>, and, by being an open standard, stimulate the open source ecosystem of .NET web development tools. </a:t>
+            </a:r>
+            <a:endParaRPr lang="en-US" i="1" dirty="0" smtClean="0"/>
+          </a:p>
+          <a:p>
+            <a:r>
               <a:rPr lang="en-US" b="1" dirty="0"/>
-              <a:t>Setting up ASP.NET Web API with </a:t>
-            </a:r>
-            <a:r>
-              <a:rPr lang="en-US" b="1" dirty="0" err="1" smtClean="0"/>
-              <a:t>Owin</a:t>
-            </a:r>
-            <a:endParaRPr lang="en-US" dirty="0"/>
-          </a:p>
-        </p:txBody>
-      </p:sp>
-      <p:sp>
-        <p:nvSpPr>
-          <p:cNvPr id="3" name="Content Placeholder 2"/>
-          <p:cNvSpPr>
-            <a:spLocks noGrp="1"/>
-          </p:cNvSpPr>
-          <p:nvPr>
-            <p:ph idx="1"/>
-          </p:nvPr>
-        </p:nvSpPr>
-        <p:spPr/>
-        <p:txBody>
-          <a:bodyPr>
-            <a:normAutofit fontScale="70000" lnSpcReduction="20000"/>
-          </a:bodyPr>
-          <a:lstStyle/>
-          <a:p>
-            <a:r>
-              <a:rPr lang="en-US" dirty="0" smtClean="0"/>
-              <a:t>Create </a:t>
+              <a:t>Katana</a:t>
             </a:r>
             <a:r>
               <a:rPr lang="en-US" dirty="0"/>
-              <a:t>a new </a:t>
-            </a:r>
-            <a:r>
-              <a:rPr lang="en-US" b="1" dirty="0"/>
-              <a:t>ASP.NET Web Application</a:t>
+              <a:t> is the Microsoft implementation of the OWIN specs, and provides all the layers, sometimes in more than one flavor, specified by OWIN. In addition to implementing hosts and servers, Katana provides a series of APIs to facilitate the development of OWIN applications, including some functional components like authentication, diagnostics, static files serving, and bindings for ASP.NET Web API and </a:t>
+            </a:r>
+            <a:r>
+              <a:rPr lang="en-US" dirty="0" err="1"/>
+              <a:t>SignalR</a:t>
             </a:r>
             <a:r>
               <a:rPr lang="en-US" dirty="0"/>
-              <a:t>, choose the </a:t>
-            </a:r>
-            <a:r>
-              <a:rPr lang="en-US" b="1" dirty="0"/>
-              <a:t>Empty</a:t>
-            </a:r>
-            <a:r>
-              <a:rPr lang="en-US" dirty="0"/>
-              <a:t> template, and tick the </a:t>
-            </a:r>
-            <a:r>
-              <a:rPr lang="en-US" b="1" dirty="0"/>
-              <a:t>Web API</a:t>
-            </a:r>
-            <a:r>
-              <a:rPr lang="en-US" dirty="0"/>
-              <a:t> option under “Add folders and core references for”: this will install all the </a:t>
-            </a:r>
-            <a:r>
-              <a:rPr lang="en-US" dirty="0" err="1"/>
-              <a:t>Nuget</a:t>
-            </a:r>
-            <a:r>
-              <a:rPr lang="en-US" dirty="0"/>
-              <a:t> packages needed for a Web API project, and will setup the folder structure;</a:t>
-            </a:r>
-          </a:p>
-          <a:p>
-            <a:r>
-              <a:rPr lang="en-US" dirty="0" smtClean="0"/>
-              <a:t>Install </a:t>
-            </a:r>
-            <a:r>
-              <a:rPr lang="en-US" dirty="0"/>
-              <a:t>the </a:t>
-            </a:r>
-            <a:r>
-              <a:rPr lang="en-US" dirty="0" err="1"/>
-              <a:t>Owin</a:t>
-            </a:r>
-            <a:r>
-              <a:rPr lang="en-US" dirty="0"/>
-              <a:t> packages and the </a:t>
-            </a:r>
-            <a:r>
-              <a:rPr lang="en-US" dirty="0" err="1"/>
-              <a:t>Owin</a:t>
-            </a:r>
-            <a:r>
-              <a:rPr lang="en-US" dirty="0"/>
-              <a:t>-Web API “bridge”: by installing </a:t>
-            </a:r>
-            <a:r>
-              <a:rPr lang="en-US" dirty="0" smtClean="0"/>
-              <a:t>the </a:t>
-            </a:r>
-            <a:r>
-              <a:rPr lang="en-US" b="1" dirty="0" err="1" smtClean="0"/>
-              <a:t>Microsoft.AspNet.WebApi.Owin</a:t>
-            </a:r>
-            <a:r>
-              <a:rPr lang="en-US" dirty="0"/>
-              <a:t> you’ll get everything you need;</a:t>
-            </a:r>
-          </a:p>
-          <a:p>
-            <a:r>
-              <a:rPr lang="en-US" dirty="0" smtClean="0"/>
-              <a:t>Install</a:t>
-            </a:r>
-            <a:r>
-              <a:rPr lang="en-US" dirty="0"/>
-              <a:t> </a:t>
-            </a:r>
-            <a:r>
-              <a:rPr lang="en-US" b="1" dirty="0" err="1"/>
-              <a:t>Microsoft.Owin.Host.SystemWeb</a:t>
-            </a:r>
-            <a:r>
-              <a:rPr lang="en-US" dirty="0"/>
-              <a:t> </a:t>
-            </a:r>
-            <a:r>
-              <a:rPr lang="en-US" dirty="0" smtClean="0"/>
-              <a:t>to run the within </a:t>
-            </a:r>
-            <a:r>
-              <a:rPr lang="en-US" dirty="0"/>
-              <a:t>IIS.</a:t>
-            </a:r>
-          </a:p>
-          <a:p>
-            <a:r>
-              <a:rPr lang="en-US" dirty="0" smtClean="0"/>
-              <a:t>Configure </a:t>
-            </a:r>
-            <a:r>
-              <a:rPr lang="en-US" dirty="0"/>
-              <a:t>the </a:t>
-            </a:r>
-            <a:r>
-              <a:rPr lang="en-US" dirty="0" err="1"/>
-              <a:t>Owin</a:t>
-            </a:r>
-            <a:r>
-              <a:rPr lang="en-US" dirty="0"/>
-              <a:t> Startup class to fire up Web API: just add a </a:t>
-            </a:r>
-            <a:r>
-              <a:rPr lang="en-US" b="1" dirty="0"/>
-              <a:t>OWIN Startup class</a:t>
-            </a:r>
-            <a:r>
-              <a:rPr lang="en-US" dirty="0"/>
-              <a:t> from Visual Studio contextual menu and add to </a:t>
-            </a:r>
-            <a:r>
-              <a:rPr lang="en-US" dirty="0" smtClean="0"/>
-              <a:t>the Configuration</a:t>
-            </a:r>
-            <a:r>
-              <a:rPr lang="en-US" dirty="0"/>
-              <a:t> method the right configuration for Web API.</a:t>
-            </a:r>
-          </a:p>
-          <a:p>
-            <a:pPr>
-              <a:buNone/>
-            </a:pPr>
-            <a:endParaRPr lang="en-US" dirty="0"/>
+              <a:t>. To avoid confusion, remember that Katana is not a full-fledged web server, but just the “glue” between the OWIN world and IIS. </a:t>
+            </a:r>
           </a:p>
         </p:txBody>
       </p:sp>
@@ -5844,9 +8314,9 @@
 </file>
 
 <file path=ppt/theme/theme1.xml><?xml version="1.0" encoding="utf-8"?>
-<a:theme xmlns:a="http://schemas.openxmlformats.org/drawingml/2006/main" name="Office Theme">
+<a:theme xmlns:a="http://schemas.openxmlformats.org/drawingml/2006/main" name="Oriel">
   <a:themeElements>
-    <a:clrScheme name="Office">
+    <a:clrScheme name="Oriel">
       <a:dk1>
         <a:sysClr val="windowText" lastClr="000000"/>
       </a:dk1>
@@ -5854,48 +8324,48 @@
         <a:sysClr val="window" lastClr="FFFFFF"/>
       </a:lt1>
       <a:dk2>
-        <a:srgbClr val="1F497D"/>
+        <a:srgbClr val="575F6D"/>
       </a:dk2>
       <a:lt2>
-        <a:srgbClr val="EEECE1"/>
+        <a:srgbClr val="FFF39D"/>
       </a:lt2>
       <a:accent1>
-        <a:srgbClr val="4F81BD"/>
+        <a:srgbClr val="FE8637"/>
       </a:accent1>
       <a:accent2>
-        <a:srgbClr val="C0504D"/>
+        <a:srgbClr val="7598D9"/>
       </a:accent2>
       <a:accent3>
-        <a:srgbClr val="9BBB59"/>
+        <a:srgbClr val="B32C16"/>
       </a:accent3>
       <a:accent4>
-        <a:srgbClr val="8064A2"/>
+        <a:srgbClr val="F5CD2D"/>
       </a:accent4>
       <a:accent5>
-        <a:srgbClr val="4BACC6"/>
+        <a:srgbClr val="AEBAD5"/>
       </a:accent5>
       <a:accent6>
-        <a:srgbClr val="F79646"/>
+        <a:srgbClr val="777C84"/>
       </a:accent6>
       <a:hlink>
-        <a:srgbClr val="0000FF"/>
+        <a:srgbClr val="D2611C"/>
       </a:hlink>
       <a:folHlink>
-        <a:srgbClr val="800080"/>
+        <a:srgbClr val="3B435B"/>
       </a:folHlink>
     </a:clrScheme>
-    <a:fontScheme name="Office">
+    <a:fontScheme name="Oriel">
       <a:majorFont>
-        <a:latin typeface="Calibri"/>
+        <a:latin typeface="Century Schoolbook"/>
         <a:ea typeface=""/>
         <a:cs typeface=""/>
-        <a:font script="Jpan" typeface="ＭＳ Ｐゴシック"/>
-        <a:font script="Hang" typeface="맑은 고딕"/>
-        <a:font script="Hans" typeface="宋体"/>
+        <a:font script="Jpan" typeface="ＭＳ Ｐ明朝"/>
+        <a:font script="Hang" typeface="휴먼매직체"/>
+        <a:font script="Hans" typeface="华文楷体"/>
         <a:font script="Hant" typeface="新細明體"/>
         <a:font script="Arab" typeface="Times New Roman"/>
         <a:font script="Hebr" typeface="Times New Roman"/>
-        <a:font script="Thai" typeface="Angsana New"/>
+        <a:font script="Thai" typeface="KodchiangUPC"/>
         <a:font script="Ethi" typeface="Nyala"/>
         <a:font script="Beng" typeface="Vrinda"/>
         <a:font script="Gujr" typeface="Shruti"/>
@@ -5920,20 +8390,20 @@
         <a:font script="Uigh" typeface="Microsoft Uighur"/>
       </a:majorFont>
       <a:minorFont>
-        <a:latin typeface="Calibri"/>
+        <a:latin typeface="Century Schoolbook"/>
         <a:ea typeface=""/>
         <a:cs typeface=""/>
-        <a:font script="Jpan" typeface="ＭＳ Ｐゴシック"/>
-        <a:font script="Hang" typeface="맑은 고딕"/>
+        <a:font script="Jpan" typeface="ＭＳ Ｐ明朝"/>
+        <a:font script="Hang" typeface="휴먼매직체"/>
         <a:font script="Hans" typeface="宋体"/>
         <a:font script="Hant" typeface="新細明體"/>
-        <a:font script="Arab" typeface="Arial"/>
-        <a:font script="Hebr" typeface="Arial"/>
-        <a:font script="Thai" typeface="Cordia New"/>
+        <a:font script="Arab" typeface="Times New Roman"/>
+        <a:font script="Hebr" typeface="Times New Roman"/>
+        <a:font script="Thai" typeface="KodchiangUPC"/>
         <a:font script="Ethi" typeface="Nyala"/>
         <a:font script="Beng" typeface="Vrinda"/>
         <a:font script="Gujr" typeface="Shruti"/>
-        <a:font script="Khmr" typeface="DaunPenh"/>
+        <a:font script="Khmr" typeface="MoolBoran"/>
         <a:font script="Knda" typeface="Tunga"/>
         <a:font script="Guru" typeface="Raavi"/>
         <a:font script="Cans" typeface="Euphemia"/>
@@ -5950,11 +8420,11 @@
         <a:font script="Laoo" typeface="DokChampa"/>
         <a:font script="Sinh" typeface="Iskoola Pota"/>
         <a:font script="Mong" typeface="Mongolian Baiti"/>
-        <a:font script="Viet" typeface="Arial"/>
+        <a:font script="Viet" typeface="Times New Roman"/>
         <a:font script="Uigh" typeface="Microsoft Uighur"/>
       </a:minorFont>
     </a:fontScheme>
-    <a:fmtScheme name="Office">
+    <a:fmtScheme name="Oriel">
       <a:fillStyleLst>
         <a:solidFill>
           <a:schemeClr val="phClr"/>
@@ -5963,55 +8433,71 @@
           <a:gsLst>
             <a:gs pos="0">
               <a:schemeClr val="phClr">
-                <a:tint val="50000"/>
-                <a:satMod val="300000"/>
+                <a:tint val="35000"/>
+                <a:satMod val="260000"/>
               </a:schemeClr>
             </a:gs>
-            <a:gs pos="35000">
+            <a:gs pos="30000">
               <a:schemeClr val="phClr">
-                <a:tint val="37000"/>
-                <a:satMod val="300000"/>
+                <a:tint val="38000"/>
+                <a:satMod val="260000"/>
+              </a:schemeClr>
+            </a:gs>
+            <a:gs pos="75000">
+              <a:schemeClr val="phClr">
+                <a:tint val="55000"/>
+                <a:satMod val="255000"/>
               </a:schemeClr>
             </a:gs>
             <a:gs pos="100000">
               <a:schemeClr val="phClr">
-                <a:tint val="15000"/>
-                <a:satMod val="350000"/>
+                <a:tint val="70000"/>
+                <a:satMod val="255000"/>
               </a:schemeClr>
             </a:gs>
           </a:gsLst>
-          <a:lin ang="16200000" scaled="1"/>
+          <a:path path="circle">
+            <a:fillToRect l="5000" t="100000" r="120000" b="10000"/>
+          </a:path>
         </a:gradFill>
         <a:gradFill rotWithShape="1">
           <a:gsLst>
             <a:gs pos="0">
               <a:schemeClr val="phClr">
-                <a:shade val="51000"/>
-                <a:satMod val="130000"/>
+                <a:shade val="63000"/>
+                <a:satMod val="165000"/>
               </a:schemeClr>
             </a:gs>
-            <a:gs pos="80000">
+            <a:gs pos="30000">
               <a:schemeClr val="phClr">
-                <a:shade val="93000"/>
-                <a:satMod val="130000"/>
+                <a:shade val="58000"/>
+                <a:satMod val="165000"/>
+              </a:schemeClr>
+            </a:gs>
+            <a:gs pos="75000">
+              <a:schemeClr val="phClr">
+                <a:shade val="30000"/>
+                <a:satMod val="175000"/>
               </a:schemeClr>
             </a:gs>
             <a:gs pos="100000">
               <a:schemeClr val="phClr">
-                <a:shade val="94000"/>
-                <a:satMod val="135000"/>
+                <a:shade val="15000"/>
+                <a:satMod val="175000"/>
               </a:schemeClr>
             </a:gs>
           </a:gsLst>
-          <a:lin ang="16200000" scaled="0"/>
+          <a:path path="circle">
+            <a:fillToRect l="5000" t="100000" r="120000" b="10000"/>
+          </a:path>
         </a:gradFill>
       </a:fillStyleLst>
       <a:lnStyleLst>
-        <a:ln w="9525" cap="flat" cmpd="sng" algn="ctr">
+        <a:ln w="12700" cap="flat" cmpd="sng" algn="ctr">
           <a:solidFill>
             <a:schemeClr val="phClr">
-              <a:shade val="95000"/>
-              <a:satMod val="105000"/>
+              <a:shade val="70000"/>
+              <a:satMod val="150000"/>
             </a:schemeClr>
           </a:solidFill>
           <a:prstDash val="solid"/>
@@ -6022,7 +8508,7 @@
           </a:solidFill>
           <a:prstDash val="solid"/>
         </a:ln>
-        <a:ln w="38100" cap="flat" cmpd="sng" algn="ctr">
+        <a:ln w="34925" cap="flat" cmpd="sng" algn="ctr">
           <a:solidFill>
             <a:schemeClr val="phClr"/>
           </a:solidFill>
@@ -6032,27 +8518,27 @@
       <a:effectStyleLst>
         <a:effectStyle>
           <a:effectLst>
-            <a:outerShdw blurRad="40000" dist="20000" dir="5400000" rotWithShape="0">
+            <a:outerShdw blurRad="50800" dist="25000" dir="5400000" rotWithShape="0">
               <a:srgbClr val="000000">
-                <a:alpha val="38000"/>
+                <a:alpha val="40000"/>
               </a:srgbClr>
             </a:outerShdw>
           </a:effectLst>
         </a:effectStyle>
         <a:effectStyle>
           <a:effectLst>
-            <a:outerShdw blurRad="40000" dist="23000" dir="5400000" rotWithShape="0">
+            <a:outerShdw blurRad="50800" dist="20000" dir="5400000" rotWithShape="0">
               <a:srgbClr val="000000">
-                <a:alpha val="35000"/>
+                <a:alpha val="42000"/>
               </a:srgbClr>
             </a:outerShdw>
           </a:effectLst>
         </a:effectStyle>
         <a:effectStyle>
           <a:effectLst>
-            <a:outerShdw blurRad="40000" dist="23000" dir="5400000" rotWithShape="0">
+            <a:outerShdw blurRad="50800" dist="20000" dir="5400000" rotWithShape="0">
               <a:srgbClr val="000000">
-                <a:alpha val="35000"/>
+                <a:alpha val="42000"/>
               </a:srgbClr>
             </a:outerShdw>
           </a:effectLst>
@@ -6060,12 +8546,15 @@
             <a:camera prst="orthographicFront">
               <a:rot lat="0" lon="0" rev="0"/>
             </a:camera>
-            <a:lightRig rig="threePt" dir="t">
-              <a:rot lat="0" lon="0" rev="1200000"/>
+            <a:lightRig rig="balanced" dir="t">
+              <a:rot lat="0" lon="0" rev="0"/>
             </a:lightRig>
           </a:scene3d>
           <a:sp3d>
-            <a:bevelT w="63500" h="25400"/>
+            <a:bevelT w="47625" h="69850"/>
+            <a:contourClr>
+              <a:schemeClr val="lt1"/>
+            </a:contourClr>
           </a:sp3d>
         </a:effectStyle>
       </a:effectStyleLst>
@@ -6077,47 +8566,38 @@
           <a:gsLst>
             <a:gs pos="0">
               <a:schemeClr val="phClr">
-                <a:tint val="40000"/>
-                <a:satMod val="350000"/>
+                <a:shade val="58000"/>
+                <a:satMod val="125000"/>
               </a:schemeClr>
             </a:gs>
             <a:gs pos="40000">
               <a:schemeClr val="phClr">
-                <a:tint val="45000"/>
-                <a:shade val="99000"/>
-                <a:satMod val="350000"/>
+                <a:tint val="90000"/>
+                <a:shade val="90000"/>
+                <a:satMod val="120000"/>
               </a:schemeClr>
             </a:gs>
             <a:gs pos="100000">
               <a:schemeClr val="phClr">
-                <a:shade val="20000"/>
-                <a:satMod val="255000"/>
+                <a:tint val="50000"/>
               </a:schemeClr>
             </a:gs>
           </a:gsLst>
-          <a:path path="circle">
-            <a:fillToRect l="50000" t="-80000" r="50000" b="180000"/>
-          </a:path>
+          <a:lin ang="16200000" scaled="1"/>
         </a:gradFill>
-        <a:gradFill rotWithShape="1">
-          <a:gsLst>
-            <a:gs pos="0">
+        <a:blipFill>
+          <a:blip xmlns:r="http://schemas.openxmlformats.org/officeDocument/2006/relationships" r:embed="rId1">
+            <a:duotone>
               <a:schemeClr val="phClr">
-                <a:tint val="80000"/>
-                <a:satMod val="300000"/>
+                <a:shade val="80000"/>
               </a:schemeClr>
-            </a:gs>
-            <a:gs pos="100000">
               <a:schemeClr val="phClr">
-                <a:shade val="30000"/>
-                <a:satMod val="200000"/>
+                <a:tint val="91000"/>
               </a:schemeClr>
-            </a:gs>
-          </a:gsLst>
-          <a:path path="circle">
-            <a:fillToRect l="50000" t="50000" r="50000" b="50000"/>
-          </a:path>
-        </a:gradFill>
+            </a:duotone>
+          </a:blip>
+          <a:tile tx="0" ty="0" sx="40000" sy="50000" flip="y" algn="tl"/>
+        </a:blipFill>
       </a:bgFillStyleLst>
     </a:fmtScheme>
   </a:themeElements>

--- a/AngularOAuthCodeCamp2015.pptx
+++ b/AngularOAuthCodeCamp2015.pptx
@@ -5,7 +5,7 @@
     <p:sldMasterId id="2147483732" r:id="rId1"/>
   </p:sldMasterIdLst>
   <p:notesMasterIdLst>
-    <p:notesMasterId r:id="rId20"/>
+    <p:notesMasterId r:id="rId21"/>
   </p:notesMasterIdLst>
   <p:sldIdLst>
     <p:sldId id="256" r:id="rId2"/>
@@ -25,7 +25,8 @@
     <p:sldId id="264" r:id="rId16"/>
     <p:sldId id="271" r:id="rId17"/>
     <p:sldId id="273" r:id="rId18"/>
-    <p:sldId id="265" r:id="rId19"/>
+    <p:sldId id="275" r:id="rId19"/>
+    <p:sldId id="265" r:id="rId20"/>
   </p:sldIdLst>
   <p:sldSz cx="9144000" cy="6858000" type="screen4x3"/>
   <p:notesSz cx="6858000" cy="9144000"/>
@@ -226,7 +227,7 @@
             <a:fld id="{2CDD9C06-9264-4EE0-B2F4-86190D484EC7}" type="datetimeFigureOut">
               <a:rPr lang="en-US" smtClean="0"/>
               <a:pPr/>
-              <a:t>6/27/2015</a:t>
+              <a:t>7/12/2015</a:t>
             </a:fld>
             <a:endParaRPr lang="en-US"/>
           </a:p>
@@ -1424,7 +1425,7 @@
             <a:fld id="{2F542E98-9E25-4A2D-9991-5E8BB5F8C050}" type="datetimeFigureOut">
               <a:rPr lang="en-US" smtClean="0"/>
               <a:pPr/>
-              <a:t>6/27/2015</a:t>
+              <a:t>7/12/2015</a:t>
             </a:fld>
             <a:endParaRPr lang="en-US"/>
           </a:p>
@@ -2295,7 +2296,7 @@
             <a:fld id="{2F542E98-9E25-4A2D-9991-5E8BB5F8C050}" type="datetimeFigureOut">
               <a:rPr lang="en-US" smtClean="0"/>
               <a:pPr/>
-              <a:t>6/27/2015</a:t>
+              <a:t>7/12/2015</a:t>
             </a:fld>
             <a:endParaRPr lang="en-US"/>
           </a:p>
@@ -2472,7 +2473,7 @@
             <a:fld id="{2F542E98-9E25-4A2D-9991-5E8BB5F8C050}" type="datetimeFigureOut">
               <a:rPr lang="en-US" smtClean="0"/>
               <a:pPr/>
-              <a:t>6/27/2015</a:t>
+              <a:t>7/12/2015</a:t>
             </a:fld>
             <a:endParaRPr lang="en-US"/>
           </a:p>
@@ -2644,7 +2645,7 @@
             <a:fld id="{2F542E98-9E25-4A2D-9991-5E8BB5F8C050}" type="datetimeFigureOut">
               <a:rPr lang="en-US" smtClean="0"/>
               <a:pPr/>
-              <a:t>6/27/2015</a:t>
+              <a:t>7/12/2015</a:t>
             </a:fld>
             <a:endParaRPr lang="en-US"/>
           </a:p>
@@ -2856,7 +2857,7 @@
             <a:fld id="{2F542E98-9E25-4A2D-9991-5E8BB5F8C050}" type="datetimeFigureOut">
               <a:rPr lang="en-US" smtClean="0"/>
               <a:pPr/>
-              <a:t>6/27/2015</a:t>
+              <a:t>7/12/2015</a:t>
             </a:fld>
             <a:endParaRPr lang="en-US"/>
           </a:p>
@@ -3672,7 +3673,7 @@
             <a:fld id="{2F542E98-9E25-4A2D-9991-5E8BB5F8C050}" type="datetimeFigureOut">
               <a:rPr lang="en-US" smtClean="0"/>
               <a:pPr/>
-              <a:t>6/27/2015</a:t>
+              <a:t>7/12/2015</a:t>
             </a:fld>
             <a:endParaRPr lang="en-US"/>
           </a:p>
@@ -3910,7 +3911,7 @@
             <a:fld id="{2F542E98-9E25-4A2D-9991-5E8BB5F8C050}" type="datetimeFigureOut">
               <a:rPr lang="en-US" smtClean="0"/>
               <a:pPr/>
-              <a:t>6/27/2015</a:t>
+              <a:t>7/12/2015</a:t>
             </a:fld>
             <a:endParaRPr lang="en-US"/>
           </a:p>
@@ -4235,7 +4236,7 @@
             <a:fld id="{2F542E98-9E25-4A2D-9991-5E8BB5F8C050}" type="datetimeFigureOut">
               <a:rPr lang="en-US" smtClean="0"/>
               <a:pPr/>
-              <a:t>6/27/2015</a:t>
+              <a:t>7/12/2015</a:t>
             </a:fld>
             <a:endParaRPr lang="en-US"/>
           </a:p>
@@ -4327,7 +4328,7 @@
             <a:fld id="{2F542E98-9E25-4A2D-9991-5E8BB5F8C050}" type="datetimeFigureOut">
               <a:rPr lang="en-US" smtClean="0"/>
               <a:pPr/>
-              <a:t>6/27/2015</a:t>
+              <a:t>7/12/2015</a:t>
             </a:fld>
             <a:endParaRPr lang="en-US"/>
           </a:p>
@@ -4846,7 +4847,7 @@
             <a:fld id="{2F542E98-9E25-4A2D-9991-5E8BB5F8C050}" type="datetimeFigureOut">
               <a:rPr lang="en-US" smtClean="0"/>
               <a:pPr/>
-              <a:t>6/27/2015</a:t>
+              <a:t>7/12/2015</a:t>
             </a:fld>
             <a:endParaRPr lang="en-US"/>
           </a:p>
@@ -5359,7 +5360,7 @@
             <a:fld id="{2F542E98-9E25-4A2D-9991-5E8BB5F8C050}" type="datetimeFigureOut">
               <a:rPr lang="en-US" smtClean="0"/>
               <a:pPr/>
-              <a:t>6/27/2015</a:t>
+              <a:t>7/12/2015</a:t>
             </a:fld>
             <a:endParaRPr lang="en-US"/>
           </a:p>
@@ -5606,7 +5607,7 @@
             <a:fld id="{2F542E98-9E25-4A2D-9991-5E8BB5F8C050}" type="datetimeFigureOut">
               <a:rPr lang="en-US" smtClean="0"/>
               <a:pPr/>
-              <a:t>6/27/2015</a:t>
+              <a:t>7/12/2015</a:t>
             </a:fld>
             <a:endParaRPr lang="en-US"/>
           </a:p>
@@ -6253,7 +6254,12 @@
             <p:ph type="subTitle" idx="1"/>
           </p:nvPr>
         </p:nvSpPr>
-        <p:spPr/>
+        <p:spPr>
+          <a:xfrm>
+            <a:off x="2286000" y="5003322"/>
+            <a:ext cx="6172200" cy="406878"/>
+          </a:xfrm>
+        </p:spPr>
         <p:txBody>
           <a:bodyPr/>
           <a:lstStyle/>
@@ -6300,6 +6306,36 @@
           <a:noFill/>
         </p:spPr>
       </p:pic>
+      <p:sp>
+        <p:nvSpPr>
+          <p:cNvPr id="5" name="TextBox 4"/>
+          <p:cNvSpPr txBox="1"/>
+          <p:nvPr/>
+        </p:nvSpPr>
+        <p:spPr>
+          <a:xfrm>
+            <a:off x="2362200" y="5867400"/>
+            <a:ext cx="6400800" cy="307777"/>
+          </a:xfrm>
+          <a:prstGeom prst="rect">
+            <a:avLst/>
+          </a:prstGeom>
+          <a:noFill/>
+        </p:spPr>
+        <p:txBody>
+          <a:bodyPr wrap="square" rtlCol="0">
+            <a:spAutoFit/>
+          </a:bodyPr>
+          <a:lstStyle/>
+          <a:p>
+            <a:r>
+              <a:rPr lang="en-US" sz="1400" dirty="0" smtClean="0"/>
+              <a:t>Source Code: https://github.com/szahn/AngularWebApiOAuthDemo</a:t>
+            </a:r>
+            <a:endParaRPr lang="en-US" sz="1400" dirty="0"/>
+          </a:p>
+        </p:txBody>
+      </p:sp>
     </p:spTree>
   </p:cSld>
   <p:clrMapOvr>
@@ -6361,7 +6397,7 @@
         <p:spPr/>
         <p:txBody>
           <a:bodyPr>
-            <a:normAutofit/>
+            <a:normAutofit lnSpcReduction="10000"/>
           </a:bodyPr>
           <a:lstStyle/>
           <a:p>
@@ -6471,7 +6507,7 @@
         <p:spPr/>
         <p:txBody>
           <a:bodyPr>
-            <a:normAutofit fontScale="92500" lnSpcReduction="20000"/>
+            <a:normAutofit fontScale="85000" lnSpcReduction="10000"/>
           </a:bodyPr>
           <a:lstStyle/>
           <a:p>
@@ -6899,7 +6935,7 @@
         <p:spPr/>
         <p:txBody>
           <a:bodyPr>
-            <a:normAutofit/>
+            <a:normAutofit lnSpcReduction="10000"/>
           </a:bodyPr>
           <a:lstStyle/>
           <a:p>
@@ -6917,19 +6953,7 @@
           <a:p>
             <a:r>
               <a:rPr lang="en-US" dirty="0" smtClean="0"/>
-              <a:t>Upon login, </a:t>
-            </a:r>
-            <a:r>
-              <a:rPr lang="en-US" dirty="0" smtClean="0"/>
-              <a:t>user/password and client id </a:t>
-            </a:r>
-            <a:r>
-              <a:rPr lang="en-US" dirty="0" smtClean="0"/>
-              <a:t>is sent to auth server and access token is returned.  Access token in HTML5 local storage</a:t>
-            </a:r>
-            <a:r>
-              <a:rPr lang="en-US" dirty="0" smtClean="0"/>
-              <a:t>.</a:t>
+              <a:t>Upon login, user/password and client id is sent to auth server and access token is returned.  Access token in HTML5 local storage.</a:t>
             </a:r>
           </a:p>
           <a:p>
@@ -6937,7 +6961,6 @@
               <a:rPr lang="en-US" dirty="0" smtClean="0"/>
               <a:t>Client id is used to validate the user.</a:t>
             </a:r>
-            <a:endParaRPr lang="en-US" dirty="0" smtClean="0"/>
           </a:p>
           <a:p>
             <a:r>
@@ -7169,9 +7192,18 @@
           <a:bodyPr/>
           <a:lstStyle/>
           <a:p>
+            <a:pPr>
+              <a:buNone/>
+            </a:pPr>
             <a:r>
               <a:rPr lang="en-US" b="1" dirty="0" smtClean="0"/>
-              <a:t>IdentityServer3</a:t>
+              <a:t>Client</a:t>
+            </a:r>
+          </a:p>
+          <a:p>
+            <a:r>
+              <a:rPr lang="en-US" dirty="0" err="1" smtClean="0"/>
+              <a:t>ngOAuth</a:t>
             </a:r>
             <a:r>
               <a:rPr lang="en-US" dirty="0" smtClean="0"/>
@@ -7181,18 +7213,52 @@
               <a:rPr lang="en-US" dirty="0" smtClean="0">
                 <a:hlinkClick r:id="rId2"/>
               </a:rPr>
+              <a:t>https://github.com/andreareginato/oauth-ng/</a:t>
+            </a:r>
+            <a:endParaRPr lang="en-US" dirty="0" smtClean="0"/>
+          </a:p>
+          <a:p>
+            <a:r>
+              <a:rPr lang="en-US" dirty="0" err="1" smtClean="0"/>
+              <a:t>Satellizer</a:t>
+            </a:r>
+            <a:r>
+              <a:rPr lang="en-US" dirty="0" smtClean="0"/>
+              <a:t>: https://github.com/sahat/satellizer</a:t>
+            </a:r>
+          </a:p>
+          <a:p>
+            <a:pPr>
+              <a:buNone/>
+            </a:pPr>
+            <a:endParaRPr lang="en-US" b="1" dirty="0" smtClean="0"/>
+          </a:p>
+          <a:p>
+            <a:pPr>
+              <a:buNone/>
+            </a:pPr>
+            <a:r>
+              <a:rPr lang="en-US" b="1" dirty="0" smtClean="0"/>
+              <a:t>Server</a:t>
+            </a:r>
+          </a:p>
+          <a:p>
+            <a:r>
+              <a:rPr lang="en-US" dirty="0" smtClean="0"/>
+              <a:t>IdentityServer3: </a:t>
+            </a:r>
+            <a:r>
+              <a:rPr lang="en-US" dirty="0" smtClean="0">
+                <a:hlinkClick r:id="rId3"/>
+              </a:rPr>
               <a:t>https://github.com/IdentityServer/IdentityServer3</a:t>
             </a:r>
             <a:endParaRPr lang="en-US" dirty="0" smtClean="0"/>
           </a:p>
           <a:p>
             <a:r>
-              <a:rPr lang="en-US" b="1" dirty="0" smtClean="0"/>
-              <a:t>Auth0</a:t>
-            </a:r>
-            <a:r>
               <a:rPr lang="en-US" dirty="0" smtClean="0"/>
-              <a:t>: https://auth0.com</a:t>
+              <a:t>Auth0: https://auth0.com</a:t>
             </a:r>
           </a:p>
           <a:p>
@@ -7297,11 +7363,7 @@
             </a:r>
             <a:r>
               <a:rPr lang="en-US" smtClean="0"/>
-              <a:t>disable </a:t>
-            </a:r>
-            <a:r>
-              <a:rPr lang="en-US" smtClean="0"/>
-              <a:t>client ids </a:t>
+              <a:t>disable client ids </a:t>
             </a:r>
             <a:r>
               <a:rPr lang="en-US" dirty="0" smtClean="0"/>
@@ -7374,8 +7436,157 @@
           <a:lstStyle/>
           <a:p>
             <a:r>
+              <a:rPr lang="en-US" dirty="0" err="1" smtClean="0"/>
+              <a:t>Pluralsight</a:t>
+            </a:r>
+            <a:r>
               <a:rPr lang="en-US" dirty="0" smtClean="0"/>
-              <a:t>Useful Links</a:t>
+              <a:t> Courses</a:t>
+            </a:r>
+            <a:endParaRPr lang="en-US" dirty="0"/>
+          </a:p>
+        </p:txBody>
+      </p:sp>
+      <p:sp>
+        <p:nvSpPr>
+          <p:cNvPr id="3" name="Content Placeholder 2"/>
+          <p:cNvSpPr>
+            <a:spLocks noGrp="1"/>
+          </p:cNvSpPr>
+          <p:nvPr>
+            <p:ph sz="quarter" idx="1"/>
+          </p:nvPr>
+        </p:nvSpPr>
+        <p:spPr/>
+        <p:txBody>
+          <a:bodyPr>
+            <a:normAutofit/>
+          </a:bodyPr>
+          <a:lstStyle/>
+          <a:p>
+            <a:r>
+              <a:rPr lang="en-US" sz="1600" b="1" dirty="0" smtClean="0"/>
+              <a:t>Creating Apps With Angular, Node, and Token Authentication</a:t>
+            </a:r>
+            <a:r>
+              <a:rPr lang="en-US" sz="1600" dirty="0" smtClean="0"/>
+              <a:t>: </a:t>
+            </a:r>
+            <a:r>
+              <a:rPr lang="en-US" sz="1600" dirty="0" smtClean="0">
+                <a:hlinkClick r:id="rId2"/>
+              </a:rPr>
+              <a:t>http://www.pluralsight.com/courses/creating-apps-angular-node-token-authentication</a:t>
+            </a:r>
+            <a:endParaRPr lang="en-US" sz="1600" dirty="0" smtClean="0"/>
+          </a:p>
+          <a:p>
+            <a:r>
+              <a:rPr lang="en-US" sz="1600" b="1" dirty="0" err="1" smtClean="0"/>
+              <a:t>AngularJS</a:t>
+            </a:r>
+            <a:r>
+              <a:rPr lang="en-US" sz="1600" b="1" dirty="0" smtClean="0"/>
+              <a:t> Security Fundamentals</a:t>
+            </a:r>
+            <a:r>
+              <a:rPr lang="en-US" sz="1600" dirty="0" smtClean="0"/>
+              <a:t>: </a:t>
+            </a:r>
+            <a:r>
+              <a:rPr lang="en-US" sz="1600" dirty="0" smtClean="0">
+                <a:hlinkClick r:id="rId3"/>
+              </a:rPr>
+              <a:t>http://www.pluralsight.com/courses/angularjs-security-fundamentals</a:t>
+            </a:r>
+            <a:endParaRPr lang="en-US" sz="1600" dirty="0" smtClean="0"/>
+          </a:p>
+          <a:p>
+            <a:r>
+              <a:rPr lang="en-US" sz="1600" b="1" dirty="0" smtClean="0"/>
+              <a:t>Implementing an API in ASP.NET Web API</a:t>
+            </a:r>
+            <a:r>
+              <a:rPr lang="en-US" sz="1600" dirty="0" smtClean="0"/>
+              <a:t>: </a:t>
+            </a:r>
+            <a:r>
+              <a:rPr lang="en-US" sz="1600" dirty="0" smtClean="0">
+                <a:hlinkClick r:id="rId4"/>
+              </a:rPr>
+              <a:t>http://www.pluralsight.com/courses/implementing-restful-aspdotnet-web-api</a:t>
+            </a:r>
+            <a:endParaRPr lang="en-US" sz="1600" dirty="0" smtClean="0"/>
+          </a:p>
+          <a:p>
+            <a:r>
+              <a:rPr lang="en-US" sz="1600" b="1" dirty="0" smtClean="0"/>
+              <a:t>Introduction to OAuth2, </a:t>
+            </a:r>
+            <a:r>
+              <a:rPr lang="en-US" sz="1600" b="1" dirty="0" err="1" smtClean="0"/>
+              <a:t>OpenID</a:t>
+            </a:r>
+            <a:r>
+              <a:rPr lang="en-US" sz="1600" b="1" dirty="0" smtClean="0"/>
+              <a:t> Connect and JSON Web Tokens (JWT): </a:t>
+            </a:r>
+            <a:r>
+              <a:rPr lang="en-US" sz="1600" dirty="0" smtClean="0">
+                <a:hlinkClick r:id="rId5"/>
+              </a:rPr>
+              <a:t>http://www.pluralsight.com/courses/oauth2-json-web-tokens-openid-connect-introduction</a:t>
+            </a:r>
+            <a:endParaRPr lang="en-US" sz="1600" dirty="0" smtClean="0"/>
+          </a:p>
+          <a:p>
+            <a:endParaRPr lang="en-US" sz="1600" dirty="0"/>
+          </a:p>
+        </p:txBody>
+      </p:sp>
+    </p:spTree>
+  </p:cSld>
+  <p:clrMapOvr>
+    <a:masterClrMapping/>
+  </p:clrMapOvr>
+</p:sld>
+</file>
+
+<file path=ppt/slides/slide19.xml><?xml version="1.0" encoding="utf-8"?>
+<p:sld xmlns:a="http://schemas.openxmlformats.org/drawingml/2006/main" xmlns:r="http://schemas.openxmlformats.org/officeDocument/2006/relationships" xmlns:p="http://schemas.openxmlformats.org/presentationml/2006/main">
+  <p:cSld>
+    <p:spTree>
+      <p:nvGrpSpPr>
+        <p:cNvPr id="1" name=""/>
+        <p:cNvGrpSpPr/>
+        <p:nvPr/>
+      </p:nvGrpSpPr>
+      <p:grpSpPr>
+        <a:xfrm>
+          <a:off x="0" y="0"/>
+          <a:ext cx="0" cy="0"/>
+          <a:chOff x="0" y="0"/>
+          <a:chExt cx="0" cy="0"/>
+        </a:xfrm>
+      </p:grpSpPr>
+      <p:sp>
+        <p:nvSpPr>
+          <p:cNvPr id="2" name="Title 1"/>
+          <p:cNvSpPr>
+            <a:spLocks noGrp="1"/>
+          </p:cNvSpPr>
+          <p:nvPr>
+            <p:ph type="title"/>
+          </p:nvPr>
+        </p:nvSpPr>
+        <p:spPr/>
+        <p:txBody>
+          <a:bodyPr/>
+          <a:lstStyle/>
+          <a:p>
+            <a:r>
+              <a:rPr lang="en-US" dirty="0" smtClean="0"/>
+              <a:t>Additional Reading</a:t>
             </a:r>
             <a:endParaRPr lang="en-US" dirty="0"/>
           </a:p>
@@ -7515,11 +7726,7 @@
             </a:r>
             <a:r>
               <a:rPr lang="en-US" sz="1600" dirty="0" smtClean="0"/>
-              <a:t>: http://</a:t>
-            </a:r>
-            <a:r>
-              <a:rPr lang="en-US" sz="1600" dirty="0" smtClean="0"/>
-              <a:t>oauth.net/documentation/getting-started</a:t>
+              <a:t>: http://oauth.net/documentation/getting-started</a:t>
             </a:r>
           </a:p>
           <a:p>
@@ -7529,13 +7736,8 @@
             </a:r>
             <a:r>
               <a:rPr lang="en-US" sz="1600" dirty="0" smtClean="0"/>
-              <a:t>: https</a:t>
-            </a:r>
-            <a:r>
-              <a:rPr lang="en-US" sz="1600" dirty="0" smtClean="0"/>
-              <a:t>://www.digitalocean.com/community/tutorials/an-introduction-to-oauth-2</a:t>
-            </a:r>
-            <a:endParaRPr lang="en-US" sz="1600" dirty="0" smtClean="0"/>
+              <a:t>: https://www.digitalocean.com/community/tutorials/an-introduction-to-oauth-2</a:t>
+            </a:r>
           </a:p>
         </p:txBody>
       </p:sp>
@@ -8239,7 +8441,7 @@
         <p:spPr/>
         <p:txBody>
           <a:bodyPr>
-            <a:normAutofit fontScale="85000" lnSpcReduction="10000"/>
+            <a:normAutofit fontScale="85000" lnSpcReduction="20000"/>
           </a:bodyPr>
           <a:lstStyle/>
           <a:p>
